--- a/2019/MASKING COUPLING EFFECT 최신 동향_발표.pptx
+++ b/2019/MASKING COUPLING EFFECT 최신 동향_발표.pptx
@@ -4,18 +4,20 @@
   <p:sldMasterIdLst>
     <p:sldMasterId id="2147483660" r:id="rId1"/>
   </p:sldMasterIdLst>
+  <p:notesMasterIdLst>
+    <p:notesMasterId r:id="rId3"/>
+  </p:notesMasterIdLst>
   <p:sldIdLst>
     <p:sldId id="257" r:id="rId2"/>
-    <p:sldId id="258" r:id="rId3"/>
   </p:sldIdLst>
-  <p:sldSz cx="21383625" cy="30275213"/>
+  <p:sldSz cx="30275213" cy="42803763"/>
   <p:notesSz cx="6858000" cy="9144000"/>
   <p:defaultTextStyle>
     <a:defPPr>
       <a:defRPr lang="ko-KR"/>
     </a:defPPr>
-    <a:lvl1pPr marL="0" algn="l" defTabSz="2479578" rtl="0" eaLnBrk="1" latinLnBrk="1" hangingPunct="1">
-      <a:defRPr sz="4881" kern="1200">
+    <a:lvl1pPr marL="0" algn="l" defTabSz="3507730" rtl="0" eaLnBrk="1" latinLnBrk="1" hangingPunct="1">
+      <a:defRPr sz="6905" kern="1200">
         <a:solidFill>
           <a:schemeClr val="tx1"/>
         </a:solidFill>
@@ -24,8 +26,8 @@
         <a:cs typeface="+mn-cs"/>
       </a:defRPr>
     </a:lvl1pPr>
-    <a:lvl2pPr marL="1239789" algn="l" defTabSz="2479578" rtl="0" eaLnBrk="1" latinLnBrk="1" hangingPunct="1">
-      <a:defRPr sz="4881" kern="1200">
+    <a:lvl2pPr marL="1753865" algn="l" defTabSz="3507730" rtl="0" eaLnBrk="1" latinLnBrk="1" hangingPunct="1">
+      <a:defRPr sz="6905" kern="1200">
         <a:solidFill>
           <a:schemeClr val="tx1"/>
         </a:solidFill>
@@ -34,8 +36,8 @@
         <a:cs typeface="+mn-cs"/>
       </a:defRPr>
     </a:lvl2pPr>
-    <a:lvl3pPr marL="2479578" algn="l" defTabSz="2479578" rtl="0" eaLnBrk="1" latinLnBrk="1" hangingPunct="1">
-      <a:defRPr sz="4881" kern="1200">
+    <a:lvl3pPr marL="3507730" algn="l" defTabSz="3507730" rtl="0" eaLnBrk="1" latinLnBrk="1" hangingPunct="1">
+      <a:defRPr sz="6905" kern="1200">
         <a:solidFill>
           <a:schemeClr val="tx1"/>
         </a:solidFill>
@@ -44,8 +46,8 @@
         <a:cs typeface="+mn-cs"/>
       </a:defRPr>
     </a:lvl3pPr>
-    <a:lvl4pPr marL="3719368" algn="l" defTabSz="2479578" rtl="0" eaLnBrk="1" latinLnBrk="1" hangingPunct="1">
-      <a:defRPr sz="4881" kern="1200">
+    <a:lvl4pPr marL="5261595" algn="l" defTabSz="3507730" rtl="0" eaLnBrk="1" latinLnBrk="1" hangingPunct="1">
+      <a:defRPr sz="6905" kern="1200">
         <a:solidFill>
           <a:schemeClr val="tx1"/>
         </a:solidFill>
@@ -54,8 +56,8 @@
         <a:cs typeface="+mn-cs"/>
       </a:defRPr>
     </a:lvl4pPr>
-    <a:lvl5pPr marL="4959157" algn="l" defTabSz="2479578" rtl="0" eaLnBrk="1" latinLnBrk="1" hangingPunct="1">
-      <a:defRPr sz="4881" kern="1200">
+    <a:lvl5pPr marL="7015460" algn="l" defTabSz="3507730" rtl="0" eaLnBrk="1" latinLnBrk="1" hangingPunct="1">
+      <a:defRPr sz="6905" kern="1200">
         <a:solidFill>
           <a:schemeClr val="tx1"/>
         </a:solidFill>
@@ -64,8 +66,8 @@
         <a:cs typeface="+mn-cs"/>
       </a:defRPr>
     </a:lvl5pPr>
-    <a:lvl6pPr marL="6198946" algn="l" defTabSz="2479578" rtl="0" eaLnBrk="1" latinLnBrk="1" hangingPunct="1">
-      <a:defRPr sz="4881" kern="1200">
+    <a:lvl6pPr marL="8769325" algn="l" defTabSz="3507730" rtl="0" eaLnBrk="1" latinLnBrk="1" hangingPunct="1">
+      <a:defRPr sz="6905" kern="1200">
         <a:solidFill>
           <a:schemeClr val="tx1"/>
         </a:solidFill>
@@ -74,8 +76,8 @@
         <a:cs typeface="+mn-cs"/>
       </a:defRPr>
     </a:lvl6pPr>
-    <a:lvl7pPr marL="7438735" algn="l" defTabSz="2479578" rtl="0" eaLnBrk="1" latinLnBrk="1" hangingPunct="1">
-      <a:defRPr sz="4881" kern="1200">
+    <a:lvl7pPr marL="10523190" algn="l" defTabSz="3507730" rtl="0" eaLnBrk="1" latinLnBrk="1" hangingPunct="1">
+      <a:defRPr sz="6905" kern="1200">
         <a:solidFill>
           <a:schemeClr val="tx1"/>
         </a:solidFill>
@@ -84,8 +86,8 @@
         <a:cs typeface="+mn-cs"/>
       </a:defRPr>
     </a:lvl7pPr>
-    <a:lvl8pPr marL="8678525" algn="l" defTabSz="2479578" rtl="0" eaLnBrk="1" latinLnBrk="1" hangingPunct="1">
-      <a:defRPr sz="4881" kern="1200">
+    <a:lvl8pPr marL="12277054" algn="l" defTabSz="3507730" rtl="0" eaLnBrk="1" latinLnBrk="1" hangingPunct="1">
+      <a:defRPr sz="6905" kern="1200">
         <a:solidFill>
           <a:schemeClr val="tx1"/>
         </a:solidFill>
@@ -94,8 +96,8 @@
         <a:cs typeface="+mn-cs"/>
       </a:defRPr>
     </a:lvl8pPr>
-    <a:lvl9pPr marL="9918314" algn="l" defTabSz="2479578" rtl="0" eaLnBrk="1" latinLnBrk="1" hangingPunct="1">
-      <a:defRPr sz="4881" kern="1200">
+    <a:lvl9pPr marL="14030919" algn="l" defTabSz="3507730" rtl="0" eaLnBrk="1" latinLnBrk="1" hangingPunct="1">
+      <a:defRPr sz="6905" kern="1200">
         <a:solidFill>
           <a:schemeClr val="tx1"/>
         </a:solidFill>
@@ -105,12 +107,441 @@
       </a:defRPr>
     </a:lvl9pPr>
   </p:defaultTextStyle>
-  <p:extLst>
-    <p:ext uri="{EFAFB233-063F-42B5-8137-9DF3F51BA10A}">
-      <p15:sldGuideLst xmlns:p15="http://schemas.microsoft.com/office/powerpoint/2012/main"/>
-    </p:ext>
-  </p:extLst>
 </p:presentation>
+</file>
+
+<file path=ppt/notesMasters/notesMaster1.xml><?xml version="1.0" encoding="utf-8"?>
+<p:notesMaster xmlns:a="http://schemas.openxmlformats.org/drawingml/2006/main" xmlns:r="http://schemas.openxmlformats.org/officeDocument/2006/relationships" xmlns:p="http://schemas.openxmlformats.org/presentationml/2006/main">
+  <p:cSld>
+    <p:bg>
+      <p:bgRef idx="1001">
+        <a:schemeClr val="bg1"/>
+      </p:bgRef>
+    </p:bg>
+    <p:spTree>
+      <p:nvGrpSpPr>
+        <p:cNvPr id="1" name=""/>
+        <p:cNvGrpSpPr/>
+        <p:nvPr/>
+      </p:nvGrpSpPr>
+      <p:grpSpPr>
+        <a:xfrm>
+          <a:off x="0" y="0"/>
+          <a:ext cx="0" cy="0"/>
+          <a:chOff x="0" y="0"/>
+          <a:chExt cx="0" cy="0"/>
+        </a:xfrm>
+      </p:grpSpPr>
+      <p:sp>
+        <p:nvSpPr>
+          <p:cNvPr id="2" name="머리글 개체 틀 1"/>
+          <p:cNvSpPr>
+            <a:spLocks noGrp="1"/>
+          </p:cNvSpPr>
+          <p:nvPr>
+            <p:ph type="hdr" sz="quarter"/>
+          </p:nvPr>
+        </p:nvSpPr>
+        <p:spPr>
+          <a:xfrm>
+            <a:off x="0" y="0"/>
+            <a:ext cx="2971800" cy="458788"/>
+          </a:xfrm>
+          <a:prstGeom prst="rect">
+            <a:avLst/>
+          </a:prstGeom>
+        </p:spPr>
+        <p:txBody>
+          <a:bodyPr vert="horz" lIns="91440" tIns="45720" rIns="91440" bIns="45720" rtlCol="0"/>
+          <a:lstStyle>
+            <a:lvl1pPr algn="l">
+              <a:defRPr sz="1200"/>
+            </a:lvl1pPr>
+          </a:lstStyle>
+          <a:p>
+            <a:endParaRPr lang="ko-KR" altLang="en-US"/>
+          </a:p>
+        </p:txBody>
+      </p:sp>
+      <p:sp>
+        <p:nvSpPr>
+          <p:cNvPr id="3" name="날짜 개체 틀 2"/>
+          <p:cNvSpPr>
+            <a:spLocks noGrp="1"/>
+          </p:cNvSpPr>
+          <p:nvPr>
+            <p:ph type="dt" idx="1"/>
+          </p:nvPr>
+        </p:nvSpPr>
+        <p:spPr>
+          <a:xfrm>
+            <a:off x="3884613" y="0"/>
+            <a:ext cx="2971800" cy="458788"/>
+          </a:xfrm>
+          <a:prstGeom prst="rect">
+            <a:avLst/>
+          </a:prstGeom>
+        </p:spPr>
+        <p:txBody>
+          <a:bodyPr vert="horz" lIns="91440" tIns="45720" rIns="91440" bIns="45720" rtlCol="0"/>
+          <a:lstStyle>
+            <a:lvl1pPr algn="r">
+              <a:defRPr sz="1200"/>
+            </a:lvl1pPr>
+          </a:lstStyle>
+          <a:p>
+            <a:fld id="{28453A2B-31A3-4FA6-8446-8E14B6B42885}" type="datetimeFigureOut">
+              <a:rPr lang="ko-KR" altLang="en-US" smtClean="0"/>
+              <a:t>2019-04-18</a:t>
+            </a:fld>
+            <a:endParaRPr lang="ko-KR" altLang="en-US"/>
+          </a:p>
+        </p:txBody>
+      </p:sp>
+      <p:sp>
+        <p:nvSpPr>
+          <p:cNvPr id="4" name="슬라이드 이미지 개체 틀 3"/>
+          <p:cNvSpPr>
+            <a:spLocks noGrp="1" noRot="1" noChangeAspect="1"/>
+          </p:cNvSpPr>
+          <p:nvPr>
+            <p:ph type="sldImg" idx="2"/>
+          </p:nvPr>
+        </p:nvSpPr>
+        <p:spPr>
+          <a:xfrm>
+            <a:off x="2338388" y="1143000"/>
+            <a:ext cx="2181225" cy="3086100"/>
+          </a:xfrm>
+          <a:prstGeom prst="rect">
+            <a:avLst/>
+          </a:prstGeom>
+          <a:noFill/>
+          <a:ln w="12700">
+            <a:solidFill>
+              <a:prstClr val="black"/>
+            </a:solidFill>
+          </a:ln>
+        </p:spPr>
+        <p:txBody>
+          <a:bodyPr vert="horz" lIns="91440" tIns="45720" rIns="91440" bIns="45720" rtlCol="0" anchor="ctr"/>
+          <a:lstStyle/>
+          <a:p>
+            <a:endParaRPr lang="ko-KR" altLang="en-US"/>
+          </a:p>
+        </p:txBody>
+      </p:sp>
+      <p:sp>
+        <p:nvSpPr>
+          <p:cNvPr id="5" name="슬라이드 노트 개체 틀 4"/>
+          <p:cNvSpPr>
+            <a:spLocks noGrp="1"/>
+          </p:cNvSpPr>
+          <p:nvPr>
+            <p:ph type="body" sz="quarter" idx="3"/>
+          </p:nvPr>
+        </p:nvSpPr>
+        <p:spPr>
+          <a:xfrm>
+            <a:off x="685800" y="4400550"/>
+            <a:ext cx="5486400" cy="3600450"/>
+          </a:xfrm>
+          <a:prstGeom prst="rect">
+            <a:avLst/>
+          </a:prstGeom>
+        </p:spPr>
+        <p:txBody>
+          <a:bodyPr vert="horz" lIns="91440" tIns="45720" rIns="91440" bIns="45720" rtlCol="0"/>
+          <a:lstStyle/>
+          <a:p>
+            <a:pPr lvl="0"/>
+            <a:r>
+              <a:rPr lang="ko-KR" altLang="en-US" smtClean="0"/>
+              <a:t>마스터 텍스트 스타일을 편집합니다</a:t>
+            </a:r>
+          </a:p>
+          <a:p>
+            <a:pPr lvl="1"/>
+            <a:r>
+              <a:rPr lang="ko-KR" altLang="en-US" smtClean="0"/>
+              <a:t>둘째 수준</a:t>
+            </a:r>
+          </a:p>
+          <a:p>
+            <a:pPr lvl="2"/>
+            <a:r>
+              <a:rPr lang="ko-KR" altLang="en-US" smtClean="0"/>
+              <a:t>셋째 수준</a:t>
+            </a:r>
+          </a:p>
+          <a:p>
+            <a:pPr lvl="3"/>
+            <a:r>
+              <a:rPr lang="ko-KR" altLang="en-US" smtClean="0"/>
+              <a:t>넷째 수준</a:t>
+            </a:r>
+          </a:p>
+          <a:p>
+            <a:pPr lvl="4"/>
+            <a:r>
+              <a:rPr lang="ko-KR" altLang="en-US" smtClean="0"/>
+              <a:t>다섯째 수준</a:t>
+            </a:r>
+            <a:endParaRPr lang="ko-KR" altLang="en-US"/>
+          </a:p>
+        </p:txBody>
+      </p:sp>
+      <p:sp>
+        <p:nvSpPr>
+          <p:cNvPr id="6" name="바닥글 개체 틀 5"/>
+          <p:cNvSpPr>
+            <a:spLocks noGrp="1"/>
+          </p:cNvSpPr>
+          <p:nvPr>
+            <p:ph type="ftr" sz="quarter" idx="4"/>
+          </p:nvPr>
+        </p:nvSpPr>
+        <p:spPr>
+          <a:xfrm>
+            <a:off x="0" y="8685213"/>
+            <a:ext cx="2971800" cy="458787"/>
+          </a:xfrm>
+          <a:prstGeom prst="rect">
+            <a:avLst/>
+          </a:prstGeom>
+        </p:spPr>
+        <p:txBody>
+          <a:bodyPr vert="horz" lIns="91440" tIns="45720" rIns="91440" bIns="45720" rtlCol="0" anchor="b"/>
+          <a:lstStyle>
+            <a:lvl1pPr algn="l">
+              <a:defRPr sz="1200"/>
+            </a:lvl1pPr>
+          </a:lstStyle>
+          <a:p>
+            <a:endParaRPr lang="ko-KR" altLang="en-US"/>
+          </a:p>
+        </p:txBody>
+      </p:sp>
+      <p:sp>
+        <p:nvSpPr>
+          <p:cNvPr id="7" name="슬라이드 번호 개체 틀 6"/>
+          <p:cNvSpPr>
+            <a:spLocks noGrp="1"/>
+          </p:cNvSpPr>
+          <p:nvPr>
+            <p:ph type="sldNum" sz="quarter" idx="5"/>
+          </p:nvPr>
+        </p:nvSpPr>
+        <p:spPr>
+          <a:xfrm>
+            <a:off x="3884613" y="8685213"/>
+            <a:ext cx="2971800" cy="458787"/>
+          </a:xfrm>
+          <a:prstGeom prst="rect">
+            <a:avLst/>
+          </a:prstGeom>
+        </p:spPr>
+        <p:txBody>
+          <a:bodyPr vert="horz" lIns="91440" tIns="45720" rIns="91440" bIns="45720" rtlCol="0" anchor="b"/>
+          <a:lstStyle>
+            <a:lvl1pPr algn="r">
+              <a:defRPr sz="1200"/>
+            </a:lvl1pPr>
+          </a:lstStyle>
+          <a:p>
+            <a:fld id="{C4686C6F-C40C-40B1-8857-A114FF73B720}" type="slidenum">
+              <a:rPr lang="ko-KR" altLang="en-US" smtClean="0"/>
+              <a:t>‹#›</a:t>
+            </a:fld>
+            <a:endParaRPr lang="ko-KR" altLang="en-US"/>
+          </a:p>
+        </p:txBody>
+      </p:sp>
+    </p:spTree>
+    <p:extLst>
+      <p:ext uri="{BB962C8B-B14F-4D97-AF65-F5344CB8AC3E}">
+        <p14:creationId xmlns:p14="http://schemas.microsoft.com/office/powerpoint/2010/main" val="1728738064"/>
+      </p:ext>
+    </p:extLst>
+  </p:cSld>
+  <p:clrMap bg1="lt1" tx1="dk1" bg2="lt2" tx2="dk2" accent1="accent1" accent2="accent2" accent3="accent3" accent4="accent4" accent5="accent5" accent6="accent6" hlink="hlink" folHlink="folHlink"/>
+  <p:notesStyle>
+    <a:lvl1pPr marL="0" algn="l" defTabSz="3507730" rtl="0" eaLnBrk="1" latinLnBrk="1" hangingPunct="1">
+      <a:defRPr sz="4603" kern="1200">
+        <a:solidFill>
+          <a:schemeClr val="tx1"/>
+        </a:solidFill>
+        <a:latin typeface="+mn-lt"/>
+        <a:ea typeface="+mn-ea"/>
+        <a:cs typeface="+mn-cs"/>
+      </a:defRPr>
+    </a:lvl1pPr>
+    <a:lvl2pPr marL="1753865" algn="l" defTabSz="3507730" rtl="0" eaLnBrk="1" latinLnBrk="1" hangingPunct="1">
+      <a:defRPr sz="4603" kern="1200">
+        <a:solidFill>
+          <a:schemeClr val="tx1"/>
+        </a:solidFill>
+        <a:latin typeface="+mn-lt"/>
+        <a:ea typeface="+mn-ea"/>
+        <a:cs typeface="+mn-cs"/>
+      </a:defRPr>
+    </a:lvl2pPr>
+    <a:lvl3pPr marL="3507730" algn="l" defTabSz="3507730" rtl="0" eaLnBrk="1" latinLnBrk="1" hangingPunct="1">
+      <a:defRPr sz="4603" kern="1200">
+        <a:solidFill>
+          <a:schemeClr val="tx1"/>
+        </a:solidFill>
+        <a:latin typeface="+mn-lt"/>
+        <a:ea typeface="+mn-ea"/>
+        <a:cs typeface="+mn-cs"/>
+      </a:defRPr>
+    </a:lvl3pPr>
+    <a:lvl4pPr marL="5261595" algn="l" defTabSz="3507730" rtl="0" eaLnBrk="1" latinLnBrk="1" hangingPunct="1">
+      <a:defRPr sz="4603" kern="1200">
+        <a:solidFill>
+          <a:schemeClr val="tx1"/>
+        </a:solidFill>
+        <a:latin typeface="+mn-lt"/>
+        <a:ea typeface="+mn-ea"/>
+        <a:cs typeface="+mn-cs"/>
+      </a:defRPr>
+    </a:lvl4pPr>
+    <a:lvl5pPr marL="7015460" algn="l" defTabSz="3507730" rtl="0" eaLnBrk="1" latinLnBrk="1" hangingPunct="1">
+      <a:defRPr sz="4603" kern="1200">
+        <a:solidFill>
+          <a:schemeClr val="tx1"/>
+        </a:solidFill>
+        <a:latin typeface="+mn-lt"/>
+        <a:ea typeface="+mn-ea"/>
+        <a:cs typeface="+mn-cs"/>
+      </a:defRPr>
+    </a:lvl5pPr>
+    <a:lvl6pPr marL="8769325" algn="l" defTabSz="3507730" rtl="0" eaLnBrk="1" latinLnBrk="1" hangingPunct="1">
+      <a:defRPr sz="4603" kern="1200">
+        <a:solidFill>
+          <a:schemeClr val="tx1"/>
+        </a:solidFill>
+        <a:latin typeface="+mn-lt"/>
+        <a:ea typeface="+mn-ea"/>
+        <a:cs typeface="+mn-cs"/>
+      </a:defRPr>
+    </a:lvl6pPr>
+    <a:lvl7pPr marL="10523190" algn="l" defTabSz="3507730" rtl="0" eaLnBrk="1" latinLnBrk="1" hangingPunct="1">
+      <a:defRPr sz="4603" kern="1200">
+        <a:solidFill>
+          <a:schemeClr val="tx1"/>
+        </a:solidFill>
+        <a:latin typeface="+mn-lt"/>
+        <a:ea typeface="+mn-ea"/>
+        <a:cs typeface="+mn-cs"/>
+      </a:defRPr>
+    </a:lvl7pPr>
+    <a:lvl8pPr marL="12277054" algn="l" defTabSz="3507730" rtl="0" eaLnBrk="1" latinLnBrk="1" hangingPunct="1">
+      <a:defRPr sz="4603" kern="1200">
+        <a:solidFill>
+          <a:schemeClr val="tx1"/>
+        </a:solidFill>
+        <a:latin typeface="+mn-lt"/>
+        <a:ea typeface="+mn-ea"/>
+        <a:cs typeface="+mn-cs"/>
+      </a:defRPr>
+    </a:lvl8pPr>
+    <a:lvl9pPr marL="14030919" algn="l" defTabSz="3507730" rtl="0" eaLnBrk="1" latinLnBrk="1" hangingPunct="1">
+      <a:defRPr sz="4603" kern="1200">
+        <a:solidFill>
+          <a:schemeClr val="tx1"/>
+        </a:solidFill>
+        <a:latin typeface="+mn-lt"/>
+        <a:ea typeface="+mn-ea"/>
+        <a:cs typeface="+mn-cs"/>
+      </a:defRPr>
+    </a:lvl9pPr>
+  </p:notesStyle>
+</p:notesMaster>
+</file>
+
+<file path=ppt/notesSlides/notesSlide1.xml><?xml version="1.0" encoding="utf-8"?>
+<p:notes xmlns:a="http://schemas.openxmlformats.org/drawingml/2006/main" xmlns:r="http://schemas.openxmlformats.org/officeDocument/2006/relationships" xmlns:p="http://schemas.openxmlformats.org/presentationml/2006/main">
+  <p:cSld>
+    <p:spTree>
+      <p:nvGrpSpPr>
+        <p:cNvPr id="1" name=""/>
+        <p:cNvGrpSpPr/>
+        <p:nvPr/>
+      </p:nvGrpSpPr>
+      <p:grpSpPr>
+        <a:xfrm>
+          <a:off x="0" y="0"/>
+          <a:ext cx="0" cy="0"/>
+          <a:chOff x="0" y="0"/>
+          <a:chExt cx="0" cy="0"/>
+        </a:xfrm>
+      </p:grpSpPr>
+      <p:sp>
+        <p:nvSpPr>
+          <p:cNvPr id="2" name="슬라이드 이미지 개체 틀 1"/>
+          <p:cNvSpPr>
+            <a:spLocks noGrp="1" noRot="1" noChangeAspect="1"/>
+          </p:cNvSpPr>
+          <p:nvPr>
+            <p:ph type="sldImg"/>
+          </p:nvPr>
+        </p:nvSpPr>
+        <p:spPr/>
+      </p:sp>
+      <p:sp>
+        <p:nvSpPr>
+          <p:cNvPr id="3" name="슬라이드 노트 개체 틀 2"/>
+          <p:cNvSpPr>
+            <a:spLocks noGrp="1"/>
+          </p:cNvSpPr>
+          <p:nvPr>
+            <p:ph type="body" idx="1"/>
+          </p:nvPr>
+        </p:nvSpPr>
+        <p:spPr/>
+        <p:txBody>
+          <a:bodyPr/>
+          <a:lstStyle/>
+          <a:p>
+            <a:endParaRPr lang="ko-KR" altLang="en-US"/>
+          </a:p>
+        </p:txBody>
+      </p:sp>
+      <p:sp>
+        <p:nvSpPr>
+          <p:cNvPr id="4" name="슬라이드 번호 개체 틀 3"/>
+          <p:cNvSpPr>
+            <a:spLocks noGrp="1"/>
+          </p:cNvSpPr>
+          <p:nvPr>
+            <p:ph type="sldNum" sz="quarter" idx="10"/>
+          </p:nvPr>
+        </p:nvSpPr>
+        <p:spPr/>
+        <p:txBody>
+          <a:bodyPr/>
+          <a:lstStyle/>
+          <a:p>
+            <a:fld id="{C4686C6F-C40C-40B1-8857-A114FF73B720}" type="slidenum">
+              <a:rPr lang="ko-KR" altLang="en-US" smtClean="0"/>
+              <a:t>1</a:t>
+            </a:fld>
+            <a:endParaRPr lang="ko-KR" altLang="en-US"/>
+          </a:p>
+        </p:txBody>
+      </p:sp>
+    </p:spTree>
+    <p:extLst>
+      <p:ext uri="{BB962C8B-B14F-4D97-AF65-F5344CB8AC3E}">
+        <p14:creationId xmlns:p14="http://schemas.microsoft.com/office/powerpoint/2010/main" val="93629991"/>
+      </p:ext>
+    </p:extLst>
+  </p:cSld>
+  <p:clrMapOvr>
+    <a:masterClrMapping/>
+  </p:clrMapOvr>
+</p:notes>
 </file>
 
 <file path=ppt/slideLayouts/slideLayout1.xml><?xml version="1.0" encoding="utf-8"?>
@@ -142,15 +573,15 @@
         </p:nvSpPr>
         <p:spPr>
           <a:xfrm>
-            <a:off x="1603772" y="4954765"/>
-            <a:ext cx="18176081" cy="10540259"/>
+            <a:off x="2270641" y="7005156"/>
+            <a:ext cx="25733931" cy="14902051"/>
           </a:xfrm>
         </p:spPr>
         <p:txBody>
           <a:bodyPr anchor="b"/>
           <a:lstStyle>
             <a:lvl1pPr algn="ctr">
-              <a:defRPr sz="14031"/>
+              <a:defRPr sz="19865"/>
             </a:lvl1pPr>
           </a:lstStyle>
           <a:p>
@@ -174,8 +605,8 @@
         </p:nvSpPr>
         <p:spPr>
           <a:xfrm>
-            <a:off x="2672953" y="15901497"/>
-            <a:ext cx="16037719" cy="7309499"/>
+            <a:off x="3784402" y="22481887"/>
+            <a:ext cx="22706410" cy="10334331"/>
           </a:xfrm>
         </p:spPr>
         <p:txBody>
@@ -183,45 +614,45 @@
           <a:lstStyle>
             <a:lvl1pPr marL="0" indent="0" algn="ctr">
               <a:buNone/>
-              <a:defRPr sz="5612"/>
+              <a:defRPr sz="7946"/>
             </a:lvl1pPr>
-            <a:lvl2pPr marL="1069162" indent="0" algn="ctr">
-              <a:buNone/>
-              <a:defRPr sz="4677"/>
+            <a:lvl2pPr marL="1513743" indent="0" algn="ctr">
+              <a:buNone/>
+              <a:defRPr sz="6622"/>
             </a:lvl2pPr>
-            <a:lvl3pPr marL="2138324" indent="0" algn="ctr">
-              <a:buNone/>
-              <a:defRPr sz="4209"/>
+            <a:lvl3pPr marL="3027487" indent="0" algn="ctr">
+              <a:buNone/>
+              <a:defRPr sz="5960"/>
             </a:lvl3pPr>
-            <a:lvl4pPr marL="3207487" indent="0" algn="ctr">
-              <a:buNone/>
-              <a:defRPr sz="3742"/>
+            <a:lvl4pPr marL="4541230" indent="0" algn="ctr">
+              <a:buNone/>
+              <a:defRPr sz="5297"/>
             </a:lvl4pPr>
-            <a:lvl5pPr marL="4276649" indent="0" algn="ctr">
-              <a:buNone/>
-              <a:defRPr sz="3742"/>
+            <a:lvl5pPr marL="6054974" indent="0" algn="ctr">
+              <a:buNone/>
+              <a:defRPr sz="5297"/>
             </a:lvl5pPr>
-            <a:lvl6pPr marL="5345811" indent="0" algn="ctr">
-              <a:buNone/>
-              <a:defRPr sz="3742"/>
+            <a:lvl6pPr marL="7568717" indent="0" algn="ctr">
+              <a:buNone/>
+              <a:defRPr sz="5297"/>
             </a:lvl6pPr>
-            <a:lvl7pPr marL="6414973" indent="0" algn="ctr">
-              <a:buNone/>
-              <a:defRPr sz="3742"/>
+            <a:lvl7pPr marL="9082461" indent="0" algn="ctr">
+              <a:buNone/>
+              <a:defRPr sz="5297"/>
             </a:lvl7pPr>
-            <a:lvl8pPr marL="7484135" indent="0" algn="ctr">
-              <a:buNone/>
-              <a:defRPr sz="3742"/>
+            <a:lvl8pPr marL="10596204" indent="0" algn="ctr">
+              <a:buNone/>
+              <a:defRPr sz="5297"/>
             </a:lvl8pPr>
-            <a:lvl9pPr marL="8553298" indent="0" algn="ctr">
-              <a:buNone/>
-              <a:defRPr sz="3742"/>
+            <a:lvl9pPr marL="12109948" indent="0" algn="ctr">
+              <a:buNone/>
+              <a:defRPr sz="5297"/>
             </a:lvl9pPr>
           </a:lstStyle>
           <a:p>
             <a:r>
               <a:rPr lang="ko-KR" altLang="en-US" smtClean="0"/>
-              <a:t>클릭하여 마스터 부제목 스타일 편집</a:t>
+              <a:t>마스터 부제목 스타일 편집</a:t>
             </a:r>
             <a:endParaRPr lang="en-US" dirty="0"/>
           </a:p>
@@ -242,9 +673,9 @@
           <a:bodyPr/>
           <a:lstStyle/>
           <a:p>
-            <a:fld id="{98D99242-00DD-4C54-A747-B139066CE34A}" type="datetimeFigureOut">
-              <a:rPr lang="ko-KR" altLang="en-US" smtClean="0"/>
-              <a:t>2019-04-15</a:t>
+            <a:fld id="{5F4245D9-4119-433D-9A94-E6F8A44580DA}" type="datetimeFigureOut">
+              <a:rPr lang="ko-KR" altLang="en-US" smtClean="0"/>
+              <a:t>2019-04-18</a:t>
             </a:fld>
             <a:endParaRPr lang="ko-KR" altLang="en-US"/>
           </a:p>
@@ -284,7 +715,7 @@
           <a:bodyPr/>
           <a:lstStyle/>
           <a:p>
-            <a:fld id="{1AD1A8A1-A029-4BFA-AAEE-2EAE7C58A3A7}" type="slidenum">
+            <a:fld id="{81726040-5ED0-485D-B17C-E775951E2DF7}" type="slidenum">
               <a:rPr lang="ko-KR" altLang="en-US" smtClean="0"/>
               <a:t>‹#›</a:t>
             </a:fld>
@@ -295,7 +726,7 @@
     </p:spTree>
     <p:extLst>
       <p:ext uri="{BB962C8B-B14F-4D97-AF65-F5344CB8AC3E}">
-        <p14:creationId xmlns:p14="http://schemas.microsoft.com/office/powerpoint/2010/main" val="1379872129"/>
+        <p14:creationId xmlns:p14="http://schemas.microsoft.com/office/powerpoint/2010/main" val="1292252371"/>
       </p:ext>
     </p:extLst>
   </p:cSld>
@@ -363,7 +794,7 @@
             <a:pPr lvl="0"/>
             <a:r>
               <a:rPr lang="ko-KR" altLang="en-US" smtClean="0"/>
-              <a:t>마스터 텍스트 스타일 편집</a:t>
+              <a:t>마스터 텍스트 스타일을 편집합니다</a:t>
             </a:r>
           </a:p>
           <a:p>
@@ -412,9 +843,9 @@
           <a:bodyPr/>
           <a:lstStyle/>
           <a:p>
-            <a:fld id="{98D99242-00DD-4C54-A747-B139066CE34A}" type="datetimeFigureOut">
-              <a:rPr lang="ko-KR" altLang="en-US" smtClean="0"/>
-              <a:t>2019-04-15</a:t>
+            <a:fld id="{5F4245D9-4119-433D-9A94-E6F8A44580DA}" type="datetimeFigureOut">
+              <a:rPr lang="ko-KR" altLang="en-US" smtClean="0"/>
+              <a:t>2019-04-18</a:t>
             </a:fld>
             <a:endParaRPr lang="ko-KR" altLang="en-US"/>
           </a:p>
@@ -454,7 +885,7 @@
           <a:bodyPr/>
           <a:lstStyle/>
           <a:p>
-            <a:fld id="{1AD1A8A1-A029-4BFA-AAEE-2EAE7C58A3A7}" type="slidenum">
+            <a:fld id="{81726040-5ED0-485D-B17C-E775951E2DF7}" type="slidenum">
               <a:rPr lang="ko-KR" altLang="en-US" smtClean="0"/>
               <a:t>‹#›</a:t>
             </a:fld>
@@ -465,7 +896,7 @@
     </p:spTree>
     <p:extLst>
       <p:ext uri="{BB962C8B-B14F-4D97-AF65-F5344CB8AC3E}">
-        <p14:creationId xmlns:p14="http://schemas.microsoft.com/office/powerpoint/2010/main" val="2084857505"/>
+        <p14:creationId xmlns:p14="http://schemas.microsoft.com/office/powerpoint/2010/main" val="1788549945"/>
       </p:ext>
     </p:extLst>
   </p:cSld>
@@ -504,8 +935,8 @@
         </p:nvSpPr>
         <p:spPr>
           <a:xfrm>
-            <a:off x="15302658" y="1611875"/>
-            <a:ext cx="4610844" cy="25656844"/>
+            <a:off x="21665701" y="2278904"/>
+            <a:ext cx="6528093" cy="36274211"/>
           </a:xfrm>
         </p:spPr>
         <p:txBody>
@@ -532,8 +963,8 @@
         </p:nvSpPr>
         <p:spPr>
           <a:xfrm>
-            <a:off x="1470125" y="1611875"/>
-            <a:ext cx="13565237" cy="25656844"/>
+            <a:off x="2081423" y="2278904"/>
+            <a:ext cx="19205838" cy="36274211"/>
           </a:xfrm>
         </p:spPr>
         <p:txBody>
@@ -543,7 +974,7 @@
             <a:pPr lvl="0"/>
             <a:r>
               <a:rPr lang="ko-KR" altLang="en-US" smtClean="0"/>
-              <a:t>마스터 텍스트 스타일 편집</a:t>
+              <a:t>마스터 텍스트 스타일을 편집합니다</a:t>
             </a:r>
           </a:p>
           <a:p>
@@ -592,9 +1023,9 @@
           <a:bodyPr/>
           <a:lstStyle/>
           <a:p>
-            <a:fld id="{98D99242-00DD-4C54-A747-B139066CE34A}" type="datetimeFigureOut">
-              <a:rPr lang="ko-KR" altLang="en-US" smtClean="0"/>
-              <a:t>2019-04-15</a:t>
+            <a:fld id="{5F4245D9-4119-433D-9A94-E6F8A44580DA}" type="datetimeFigureOut">
+              <a:rPr lang="ko-KR" altLang="en-US" smtClean="0"/>
+              <a:t>2019-04-18</a:t>
             </a:fld>
             <a:endParaRPr lang="ko-KR" altLang="en-US"/>
           </a:p>
@@ -634,7 +1065,7 @@
           <a:bodyPr/>
           <a:lstStyle/>
           <a:p>
-            <a:fld id="{1AD1A8A1-A029-4BFA-AAEE-2EAE7C58A3A7}" type="slidenum">
+            <a:fld id="{81726040-5ED0-485D-B17C-E775951E2DF7}" type="slidenum">
               <a:rPr lang="ko-KR" altLang="en-US" smtClean="0"/>
               <a:t>‹#›</a:t>
             </a:fld>
@@ -645,7 +1076,7 @@
     </p:spTree>
     <p:extLst>
       <p:ext uri="{BB962C8B-B14F-4D97-AF65-F5344CB8AC3E}">
-        <p14:creationId xmlns:p14="http://schemas.microsoft.com/office/powerpoint/2010/main" val="519460734"/>
+        <p14:creationId xmlns:p14="http://schemas.microsoft.com/office/powerpoint/2010/main" val="3423422699"/>
       </p:ext>
     </p:extLst>
   </p:cSld>
@@ -713,7 +1144,7 @@
             <a:pPr lvl="0"/>
             <a:r>
               <a:rPr lang="ko-KR" altLang="en-US" smtClean="0"/>
-              <a:t>마스터 텍스트 스타일 편집</a:t>
+              <a:t>마스터 텍스트 스타일을 편집합니다</a:t>
             </a:r>
           </a:p>
           <a:p>
@@ -762,9 +1193,9 @@
           <a:bodyPr/>
           <a:lstStyle/>
           <a:p>
-            <a:fld id="{98D99242-00DD-4C54-A747-B139066CE34A}" type="datetimeFigureOut">
-              <a:rPr lang="ko-KR" altLang="en-US" smtClean="0"/>
-              <a:t>2019-04-15</a:t>
+            <a:fld id="{5F4245D9-4119-433D-9A94-E6F8A44580DA}" type="datetimeFigureOut">
+              <a:rPr lang="ko-KR" altLang="en-US" smtClean="0"/>
+              <a:t>2019-04-18</a:t>
             </a:fld>
             <a:endParaRPr lang="ko-KR" altLang="en-US"/>
           </a:p>
@@ -804,7 +1235,7 @@
           <a:bodyPr/>
           <a:lstStyle/>
           <a:p>
-            <a:fld id="{1AD1A8A1-A029-4BFA-AAEE-2EAE7C58A3A7}" type="slidenum">
+            <a:fld id="{81726040-5ED0-485D-B17C-E775951E2DF7}" type="slidenum">
               <a:rPr lang="ko-KR" altLang="en-US" smtClean="0"/>
               <a:t>‹#›</a:t>
             </a:fld>
@@ -815,7 +1246,7 @@
     </p:spTree>
     <p:extLst>
       <p:ext uri="{BB962C8B-B14F-4D97-AF65-F5344CB8AC3E}">
-        <p14:creationId xmlns:p14="http://schemas.microsoft.com/office/powerpoint/2010/main" val="2448427608"/>
+        <p14:creationId xmlns:p14="http://schemas.microsoft.com/office/powerpoint/2010/main" val="3399891991"/>
       </p:ext>
     </p:extLst>
   </p:cSld>
@@ -854,15 +1285,15 @@
         </p:nvSpPr>
         <p:spPr>
           <a:xfrm>
-            <a:off x="1458988" y="7547788"/>
-            <a:ext cx="18443377" cy="12593645"/>
+            <a:off x="2065654" y="10671229"/>
+            <a:ext cx="26112371" cy="17805173"/>
           </a:xfrm>
         </p:spPr>
         <p:txBody>
           <a:bodyPr anchor="b"/>
           <a:lstStyle>
             <a:lvl1pPr>
-              <a:defRPr sz="14031"/>
+              <a:defRPr sz="19865"/>
             </a:lvl1pPr>
           </a:lstStyle>
           <a:p>
@@ -886,8 +1317,8 @@
         </p:nvSpPr>
         <p:spPr>
           <a:xfrm>
-            <a:off x="1458988" y="20260574"/>
-            <a:ext cx="18443377" cy="6622701"/>
+            <a:off x="2065654" y="28644846"/>
+            <a:ext cx="26112371" cy="9363320"/>
           </a:xfrm>
         </p:spPr>
         <p:txBody>
@@ -895,15 +1326,15 @@
           <a:lstStyle>
             <a:lvl1pPr marL="0" indent="0">
               <a:buNone/>
-              <a:defRPr sz="5612">
+              <a:defRPr sz="7946">
                 <a:solidFill>
                   <a:schemeClr val="tx1"/>
                 </a:solidFill>
               </a:defRPr>
             </a:lvl1pPr>
-            <a:lvl2pPr marL="1069162" indent="0">
-              <a:buNone/>
-              <a:defRPr sz="4677">
+            <a:lvl2pPr marL="1513743" indent="0">
+              <a:buNone/>
+              <a:defRPr sz="6622">
                 <a:solidFill>
                   <a:schemeClr val="tx1">
                     <a:tint val="75000"/>
@@ -911,9 +1342,9 @@
                 </a:solidFill>
               </a:defRPr>
             </a:lvl2pPr>
-            <a:lvl3pPr marL="2138324" indent="0">
-              <a:buNone/>
-              <a:defRPr sz="4209">
+            <a:lvl3pPr marL="3027487" indent="0">
+              <a:buNone/>
+              <a:defRPr sz="5960">
                 <a:solidFill>
                   <a:schemeClr val="tx1">
                     <a:tint val="75000"/>
@@ -921,9 +1352,9 @@
                 </a:solidFill>
               </a:defRPr>
             </a:lvl3pPr>
-            <a:lvl4pPr marL="3207487" indent="0">
-              <a:buNone/>
-              <a:defRPr sz="3742">
+            <a:lvl4pPr marL="4541230" indent="0">
+              <a:buNone/>
+              <a:defRPr sz="5297">
                 <a:solidFill>
                   <a:schemeClr val="tx1">
                     <a:tint val="75000"/>
@@ -931,9 +1362,9 @@
                 </a:solidFill>
               </a:defRPr>
             </a:lvl4pPr>
-            <a:lvl5pPr marL="4276649" indent="0">
-              <a:buNone/>
-              <a:defRPr sz="3742">
+            <a:lvl5pPr marL="6054974" indent="0">
+              <a:buNone/>
+              <a:defRPr sz="5297">
                 <a:solidFill>
                   <a:schemeClr val="tx1">
                     <a:tint val="75000"/>
@@ -941,9 +1372,9 @@
                 </a:solidFill>
               </a:defRPr>
             </a:lvl5pPr>
-            <a:lvl6pPr marL="5345811" indent="0">
-              <a:buNone/>
-              <a:defRPr sz="3742">
+            <a:lvl6pPr marL="7568717" indent="0">
+              <a:buNone/>
+              <a:defRPr sz="5297">
                 <a:solidFill>
                   <a:schemeClr val="tx1">
                     <a:tint val="75000"/>
@@ -951,9 +1382,9 @@
                 </a:solidFill>
               </a:defRPr>
             </a:lvl6pPr>
-            <a:lvl7pPr marL="6414973" indent="0">
-              <a:buNone/>
-              <a:defRPr sz="3742">
+            <a:lvl7pPr marL="9082461" indent="0">
+              <a:buNone/>
+              <a:defRPr sz="5297">
                 <a:solidFill>
                   <a:schemeClr val="tx1">
                     <a:tint val="75000"/>
@@ -961,9 +1392,9 @@
                 </a:solidFill>
               </a:defRPr>
             </a:lvl7pPr>
-            <a:lvl8pPr marL="7484135" indent="0">
-              <a:buNone/>
-              <a:defRPr sz="3742">
+            <a:lvl8pPr marL="10596204" indent="0">
+              <a:buNone/>
+              <a:defRPr sz="5297">
                 <a:solidFill>
                   <a:schemeClr val="tx1">
                     <a:tint val="75000"/>
@@ -971,9 +1402,9 @@
                 </a:solidFill>
               </a:defRPr>
             </a:lvl8pPr>
-            <a:lvl9pPr marL="8553298" indent="0">
-              <a:buNone/>
-              <a:defRPr sz="3742">
+            <a:lvl9pPr marL="12109948" indent="0">
+              <a:buNone/>
+              <a:defRPr sz="5297">
                 <a:solidFill>
                   <a:schemeClr val="tx1">
                     <a:tint val="75000"/>
@@ -986,7 +1417,7 @@
             <a:pPr lvl="0"/>
             <a:r>
               <a:rPr lang="ko-KR" altLang="en-US" smtClean="0"/>
-              <a:t>마스터 텍스트 스타일 편집</a:t>
+              <a:t>마스터 텍스트 스타일을 편집합니다</a:t>
             </a:r>
           </a:p>
         </p:txBody>
@@ -1006,9 +1437,9 @@
           <a:bodyPr/>
           <a:lstStyle/>
           <a:p>
-            <a:fld id="{98D99242-00DD-4C54-A747-B139066CE34A}" type="datetimeFigureOut">
-              <a:rPr lang="ko-KR" altLang="en-US" smtClean="0"/>
-              <a:t>2019-04-15</a:t>
+            <a:fld id="{5F4245D9-4119-433D-9A94-E6F8A44580DA}" type="datetimeFigureOut">
+              <a:rPr lang="ko-KR" altLang="en-US" smtClean="0"/>
+              <a:t>2019-04-18</a:t>
             </a:fld>
             <a:endParaRPr lang="ko-KR" altLang="en-US"/>
           </a:p>
@@ -1048,7 +1479,7 @@
           <a:bodyPr/>
           <a:lstStyle/>
           <a:p>
-            <a:fld id="{1AD1A8A1-A029-4BFA-AAEE-2EAE7C58A3A7}" type="slidenum">
+            <a:fld id="{81726040-5ED0-485D-B17C-E775951E2DF7}" type="slidenum">
               <a:rPr lang="ko-KR" altLang="en-US" smtClean="0"/>
               <a:t>‹#›</a:t>
             </a:fld>
@@ -1059,7 +1490,7 @@
     </p:spTree>
     <p:extLst>
       <p:ext uri="{BB962C8B-B14F-4D97-AF65-F5344CB8AC3E}">
-        <p14:creationId xmlns:p14="http://schemas.microsoft.com/office/powerpoint/2010/main" val="2130291406"/>
+        <p14:creationId xmlns:p14="http://schemas.microsoft.com/office/powerpoint/2010/main" val="411058316"/>
       </p:ext>
     </p:extLst>
   </p:cSld>
@@ -1121,8 +1552,8 @@
         </p:nvSpPr>
         <p:spPr>
           <a:xfrm>
-            <a:off x="1470124" y="8059374"/>
-            <a:ext cx="9088041" cy="19209345"/>
+            <a:off x="2081421" y="11394520"/>
+            <a:ext cx="12866966" cy="27158594"/>
           </a:xfrm>
         </p:spPr>
         <p:txBody>
@@ -1132,7 +1563,7 @@
             <a:pPr lvl="0"/>
             <a:r>
               <a:rPr lang="ko-KR" altLang="en-US" smtClean="0"/>
-              <a:t>마스터 텍스트 스타일 편집</a:t>
+              <a:t>마스터 텍스트 스타일을 편집합니다</a:t>
             </a:r>
           </a:p>
           <a:p>
@@ -1178,8 +1609,8 @@
         </p:nvSpPr>
         <p:spPr>
           <a:xfrm>
-            <a:off x="10825460" y="8059374"/>
-            <a:ext cx="9088041" cy="19209345"/>
+            <a:off x="15326826" y="11394520"/>
+            <a:ext cx="12866966" cy="27158594"/>
           </a:xfrm>
         </p:spPr>
         <p:txBody>
@@ -1189,7 +1620,7 @@
             <a:pPr lvl="0"/>
             <a:r>
               <a:rPr lang="ko-KR" altLang="en-US" smtClean="0"/>
-              <a:t>마스터 텍스트 스타일 편집</a:t>
+              <a:t>마스터 텍스트 스타일을 편집합니다</a:t>
             </a:r>
           </a:p>
           <a:p>
@@ -1238,9 +1669,9 @@
           <a:bodyPr/>
           <a:lstStyle/>
           <a:p>
-            <a:fld id="{98D99242-00DD-4C54-A747-B139066CE34A}" type="datetimeFigureOut">
-              <a:rPr lang="ko-KR" altLang="en-US" smtClean="0"/>
-              <a:t>2019-04-15</a:t>
+            <a:fld id="{5F4245D9-4119-433D-9A94-E6F8A44580DA}" type="datetimeFigureOut">
+              <a:rPr lang="ko-KR" altLang="en-US" smtClean="0"/>
+              <a:t>2019-04-18</a:t>
             </a:fld>
             <a:endParaRPr lang="ko-KR" altLang="en-US"/>
           </a:p>
@@ -1280,7 +1711,7 @@
           <a:bodyPr/>
           <a:lstStyle/>
           <a:p>
-            <a:fld id="{1AD1A8A1-A029-4BFA-AAEE-2EAE7C58A3A7}" type="slidenum">
+            <a:fld id="{81726040-5ED0-485D-B17C-E775951E2DF7}" type="slidenum">
               <a:rPr lang="ko-KR" altLang="en-US" smtClean="0"/>
               <a:t>‹#›</a:t>
             </a:fld>
@@ -1291,7 +1722,7 @@
     </p:spTree>
     <p:extLst>
       <p:ext uri="{BB962C8B-B14F-4D97-AF65-F5344CB8AC3E}">
-        <p14:creationId xmlns:p14="http://schemas.microsoft.com/office/powerpoint/2010/main" val="4222803772"/>
+        <p14:creationId xmlns:p14="http://schemas.microsoft.com/office/powerpoint/2010/main" val="27861439"/>
       </p:ext>
     </p:extLst>
   </p:cSld>
@@ -1330,8 +1761,8 @@
         </p:nvSpPr>
         <p:spPr>
           <a:xfrm>
-            <a:off x="1472909" y="1611882"/>
-            <a:ext cx="18443377" cy="5851808"/>
+            <a:off x="2085364" y="2278913"/>
+            <a:ext cx="26112371" cy="8273416"/>
           </a:xfrm>
         </p:spPr>
         <p:txBody>
@@ -1358,8 +1789,8 @@
         </p:nvSpPr>
         <p:spPr>
           <a:xfrm>
-            <a:off x="1472912" y="7421634"/>
-            <a:ext cx="9046274" cy="3637228"/>
+            <a:off x="2085368" y="10492870"/>
+            <a:ext cx="12807832" cy="5142393"/>
           </a:xfrm>
         </p:spPr>
         <p:txBody>
@@ -1367,46 +1798,46 @@
           <a:lstStyle>
             <a:lvl1pPr marL="0" indent="0">
               <a:buNone/>
-              <a:defRPr sz="5612" b="1"/>
+              <a:defRPr sz="7946" b="1"/>
             </a:lvl1pPr>
-            <a:lvl2pPr marL="1069162" indent="0">
-              <a:buNone/>
-              <a:defRPr sz="4677" b="1"/>
+            <a:lvl2pPr marL="1513743" indent="0">
+              <a:buNone/>
+              <a:defRPr sz="6622" b="1"/>
             </a:lvl2pPr>
-            <a:lvl3pPr marL="2138324" indent="0">
-              <a:buNone/>
-              <a:defRPr sz="4209" b="1"/>
+            <a:lvl3pPr marL="3027487" indent="0">
+              <a:buNone/>
+              <a:defRPr sz="5960" b="1"/>
             </a:lvl3pPr>
-            <a:lvl4pPr marL="3207487" indent="0">
-              <a:buNone/>
-              <a:defRPr sz="3742" b="1"/>
+            <a:lvl4pPr marL="4541230" indent="0">
+              <a:buNone/>
+              <a:defRPr sz="5297" b="1"/>
             </a:lvl4pPr>
-            <a:lvl5pPr marL="4276649" indent="0">
-              <a:buNone/>
-              <a:defRPr sz="3742" b="1"/>
+            <a:lvl5pPr marL="6054974" indent="0">
+              <a:buNone/>
+              <a:defRPr sz="5297" b="1"/>
             </a:lvl5pPr>
-            <a:lvl6pPr marL="5345811" indent="0">
-              <a:buNone/>
-              <a:defRPr sz="3742" b="1"/>
+            <a:lvl6pPr marL="7568717" indent="0">
+              <a:buNone/>
+              <a:defRPr sz="5297" b="1"/>
             </a:lvl6pPr>
-            <a:lvl7pPr marL="6414973" indent="0">
-              <a:buNone/>
-              <a:defRPr sz="3742" b="1"/>
+            <a:lvl7pPr marL="9082461" indent="0">
+              <a:buNone/>
+              <a:defRPr sz="5297" b="1"/>
             </a:lvl7pPr>
-            <a:lvl8pPr marL="7484135" indent="0">
-              <a:buNone/>
-              <a:defRPr sz="3742" b="1"/>
+            <a:lvl8pPr marL="10596204" indent="0">
+              <a:buNone/>
+              <a:defRPr sz="5297" b="1"/>
             </a:lvl8pPr>
-            <a:lvl9pPr marL="8553298" indent="0">
-              <a:buNone/>
-              <a:defRPr sz="3742" b="1"/>
+            <a:lvl9pPr marL="12109948" indent="0">
+              <a:buNone/>
+              <a:defRPr sz="5297" b="1"/>
             </a:lvl9pPr>
           </a:lstStyle>
           <a:p>
             <a:pPr lvl="0"/>
             <a:r>
               <a:rPr lang="ko-KR" altLang="en-US" smtClean="0"/>
-              <a:t>마스터 텍스트 스타일 편집</a:t>
+              <a:t>마스터 텍스트 스타일을 편집합니다</a:t>
             </a:r>
           </a:p>
         </p:txBody>
@@ -1423,8 +1854,8 @@
         </p:nvSpPr>
         <p:spPr>
           <a:xfrm>
-            <a:off x="1472912" y="11058863"/>
-            <a:ext cx="9046274" cy="16265921"/>
+            <a:off x="2085368" y="15635264"/>
+            <a:ext cx="12807832" cy="22997117"/>
           </a:xfrm>
         </p:spPr>
         <p:txBody>
@@ -1434,7 +1865,7 @@
             <a:pPr lvl="0"/>
             <a:r>
               <a:rPr lang="ko-KR" altLang="en-US" smtClean="0"/>
-              <a:t>마스터 텍스트 스타일 편집</a:t>
+              <a:t>마스터 텍스트 스타일을 편집합니다</a:t>
             </a:r>
           </a:p>
           <a:p>
@@ -1480,8 +1911,8 @@
         </p:nvSpPr>
         <p:spPr>
           <a:xfrm>
-            <a:off x="10825461" y="7421634"/>
-            <a:ext cx="9090826" cy="3637228"/>
+            <a:off x="15326828" y="10492870"/>
+            <a:ext cx="12870909" cy="5142393"/>
           </a:xfrm>
         </p:spPr>
         <p:txBody>
@@ -1489,46 +1920,46 @@
           <a:lstStyle>
             <a:lvl1pPr marL="0" indent="0">
               <a:buNone/>
-              <a:defRPr sz="5612" b="1"/>
+              <a:defRPr sz="7946" b="1"/>
             </a:lvl1pPr>
-            <a:lvl2pPr marL="1069162" indent="0">
-              <a:buNone/>
-              <a:defRPr sz="4677" b="1"/>
+            <a:lvl2pPr marL="1513743" indent="0">
+              <a:buNone/>
+              <a:defRPr sz="6622" b="1"/>
             </a:lvl2pPr>
-            <a:lvl3pPr marL="2138324" indent="0">
-              <a:buNone/>
-              <a:defRPr sz="4209" b="1"/>
+            <a:lvl3pPr marL="3027487" indent="0">
+              <a:buNone/>
+              <a:defRPr sz="5960" b="1"/>
             </a:lvl3pPr>
-            <a:lvl4pPr marL="3207487" indent="0">
-              <a:buNone/>
-              <a:defRPr sz="3742" b="1"/>
+            <a:lvl4pPr marL="4541230" indent="0">
+              <a:buNone/>
+              <a:defRPr sz="5297" b="1"/>
             </a:lvl4pPr>
-            <a:lvl5pPr marL="4276649" indent="0">
-              <a:buNone/>
-              <a:defRPr sz="3742" b="1"/>
+            <a:lvl5pPr marL="6054974" indent="0">
+              <a:buNone/>
+              <a:defRPr sz="5297" b="1"/>
             </a:lvl5pPr>
-            <a:lvl6pPr marL="5345811" indent="0">
-              <a:buNone/>
-              <a:defRPr sz="3742" b="1"/>
+            <a:lvl6pPr marL="7568717" indent="0">
+              <a:buNone/>
+              <a:defRPr sz="5297" b="1"/>
             </a:lvl6pPr>
-            <a:lvl7pPr marL="6414973" indent="0">
-              <a:buNone/>
-              <a:defRPr sz="3742" b="1"/>
+            <a:lvl7pPr marL="9082461" indent="0">
+              <a:buNone/>
+              <a:defRPr sz="5297" b="1"/>
             </a:lvl7pPr>
-            <a:lvl8pPr marL="7484135" indent="0">
-              <a:buNone/>
-              <a:defRPr sz="3742" b="1"/>
+            <a:lvl8pPr marL="10596204" indent="0">
+              <a:buNone/>
+              <a:defRPr sz="5297" b="1"/>
             </a:lvl8pPr>
-            <a:lvl9pPr marL="8553298" indent="0">
-              <a:buNone/>
-              <a:defRPr sz="3742" b="1"/>
+            <a:lvl9pPr marL="12109948" indent="0">
+              <a:buNone/>
+              <a:defRPr sz="5297" b="1"/>
             </a:lvl9pPr>
           </a:lstStyle>
           <a:p>
             <a:pPr lvl="0"/>
             <a:r>
               <a:rPr lang="ko-KR" altLang="en-US" smtClean="0"/>
-              <a:t>마스터 텍스트 스타일 편집</a:t>
+              <a:t>마스터 텍스트 스타일을 편집합니다</a:t>
             </a:r>
           </a:p>
         </p:txBody>
@@ -1545,8 +1976,8 @@
         </p:nvSpPr>
         <p:spPr>
           <a:xfrm>
-            <a:off x="10825461" y="11058863"/>
-            <a:ext cx="9090826" cy="16265921"/>
+            <a:off x="15326828" y="15635264"/>
+            <a:ext cx="12870909" cy="22997117"/>
           </a:xfrm>
         </p:spPr>
         <p:txBody>
@@ -1556,7 +1987,7 @@
             <a:pPr lvl="0"/>
             <a:r>
               <a:rPr lang="ko-KR" altLang="en-US" smtClean="0"/>
-              <a:t>마스터 텍스트 스타일 편집</a:t>
+              <a:t>마스터 텍스트 스타일을 편집합니다</a:t>
             </a:r>
           </a:p>
           <a:p>
@@ -1605,9 +2036,9 @@
           <a:bodyPr/>
           <a:lstStyle/>
           <a:p>
-            <a:fld id="{98D99242-00DD-4C54-A747-B139066CE34A}" type="datetimeFigureOut">
-              <a:rPr lang="ko-KR" altLang="en-US" smtClean="0"/>
-              <a:t>2019-04-15</a:t>
+            <a:fld id="{5F4245D9-4119-433D-9A94-E6F8A44580DA}" type="datetimeFigureOut">
+              <a:rPr lang="ko-KR" altLang="en-US" smtClean="0"/>
+              <a:t>2019-04-18</a:t>
             </a:fld>
             <a:endParaRPr lang="ko-KR" altLang="en-US"/>
           </a:p>
@@ -1647,7 +2078,7 @@
           <a:bodyPr/>
           <a:lstStyle/>
           <a:p>
-            <a:fld id="{1AD1A8A1-A029-4BFA-AAEE-2EAE7C58A3A7}" type="slidenum">
+            <a:fld id="{81726040-5ED0-485D-B17C-E775951E2DF7}" type="slidenum">
               <a:rPr lang="ko-KR" altLang="en-US" smtClean="0"/>
               <a:t>‹#›</a:t>
             </a:fld>
@@ -1658,7 +2089,7 @@
     </p:spTree>
     <p:extLst>
       <p:ext uri="{BB962C8B-B14F-4D97-AF65-F5344CB8AC3E}">
-        <p14:creationId xmlns:p14="http://schemas.microsoft.com/office/powerpoint/2010/main" val="766180866"/>
+        <p14:creationId xmlns:p14="http://schemas.microsoft.com/office/powerpoint/2010/main" val="2185811767"/>
       </p:ext>
     </p:extLst>
   </p:cSld>
@@ -1723,9 +2154,9 @@
           <a:bodyPr/>
           <a:lstStyle/>
           <a:p>
-            <a:fld id="{98D99242-00DD-4C54-A747-B139066CE34A}" type="datetimeFigureOut">
-              <a:rPr lang="ko-KR" altLang="en-US" smtClean="0"/>
-              <a:t>2019-04-15</a:t>
+            <a:fld id="{5F4245D9-4119-433D-9A94-E6F8A44580DA}" type="datetimeFigureOut">
+              <a:rPr lang="ko-KR" altLang="en-US" smtClean="0"/>
+              <a:t>2019-04-18</a:t>
             </a:fld>
             <a:endParaRPr lang="ko-KR" altLang="en-US"/>
           </a:p>
@@ -1765,7 +2196,7 @@
           <a:bodyPr/>
           <a:lstStyle/>
           <a:p>
-            <a:fld id="{1AD1A8A1-A029-4BFA-AAEE-2EAE7C58A3A7}" type="slidenum">
+            <a:fld id="{81726040-5ED0-485D-B17C-E775951E2DF7}" type="slidenum">
               <a:rPr lang="ko-KR" altLang="en-US" smtClean="0"/>
               <a:t>‹#›</a:t>
             </a:fld>
@@ -1776,7 +2207,7 @@
     </p:spTree>
     <p:extLst>
       <p:ext uri="{BB962C8B-B14F-4D97-AF65-F5344CB8AC3E}">
-        <p14:creationId xmlns:p14="http://schemas.microsoft.com/office/powerpoint/2010/main" val="3293624920"/>
+        <p14:creationId xmlns:p14="http://schemas.microsoft.com/office/powerpoint/2010/main" val="2751451277"/>
       </p:ext>
     </p:extLst>
   </p:cSld>
@@ -1818,9 +2249,9 @@
           <a:bodyPr/>
           <a:lstStyle/>
           <a:p>
-            <a:fld id="{98D99242-00DD-4C54-A747-B139066CE34A}" type="datetimeFigureOut">
-              <a:rPr lang="ko-KR" altLang="en-US" smtClean="0"/>
-              <a:t>2019-04-15</a:t>
+            <a:fld id="{5F4245D9-4119-433D-9A94-E6F8A44580DA}" type="datetimeFigureOut">
+              <a:rPr lang="ko-KR" altLang="en-US" smtClean="0"/>
+              <a:t>2019-04-18</a:t>
             </a:fld>
             <a:endParaRPr lang="ko-KR" altLang="en-US"/>
           </a:p>
@@ -1860,7 +2291,7 @@
           <a:bodyPr/>
           <a:lstStyle/>
           <a:p>
-            <a:fld id="{1AD1A8A1-A029-4BFA-AAEE-2EAE7C58A3A7}" type="slidenum">
+            <a:fld id="{81726040-5ED0-485D-B17C-E775951E2DF7}" type="slidenum">
               <a:rPr lang="ko-KR" altLang="en-US" smtClean="0"/>
               <a:t>‹#›</a:t>
             </a:fld>
@@ -1871,7 +2302,7 @@
     </p:spTree>
     <p:extLst>
       <p:ext uri="{BB962C8B-B14F-4D97-AF65-F5344CB8AC3E}">
-        <p14:creationId xmlns:p14="http://schemas.microsoft.com/office/powerpoint/2010/main" val="281564297"/>
+        <p14:creationId xmlns:p14="http://schemas.microsoft.com/office/powerpoint/2010/main" val="4070754783"/>
       </p:ext>
     </p:extLst>
   </p:cSld>
@@ -1910,15 +2341,15 @@
         </p:nvSpPr>
         <p:spPr>
           <a:xfrm>
-            <a:off x="1472909" y="2018348"/>
-            <a:ext cx="6896776" cy="7064216"/>
+            <a:off x="2085364" y="2853584"/>
+            <a:ext cx="9764544" cy="9987545"/>
           </a:xfrm>
         </p:spPr>
         <p:txBody>
           <a:bodyPr anchor="b"/>
           <a:lstStyle>
             <a:lvl1pPr>
-              <a:defRPr sz="7483"/>
+              <a:defRPr sz="10595"/>
             </a:lvl1pPr>
           </a:lstStyle>
           <a:p>
@@ -1942,46 +2373,46 @@
         </p:nvSpPr>
         <p:spPr>
           <a:xfrm>
-            <a:off x="9090826" y="4359077"/>
-            <a:ext cx="10825460" cy="21515024"/>
+            <a:off x="12870909" y="6162959"/>
+            <a:ext cx="15326827" cy="30418415"/>
           </a:xfrm>
         </p:spPr>
         <p:txBody>
           <a:bodyPr/>
           <a:lstStyle>
             <a:lvl1pPr>
-              <a:defRPr sz="7483"/>
+              <a:defRPr sz="10595"/>
             </a:lvl1pPr>
             <a:lvl2pPr>
-              <a:defRPr sz="6548"/>
+              <a:defRPr sz="9271"/>
             </a:lvl2pPr>
             <a:lvl3pPr>
-              <a:defRPr sz="5612"/>
+              <a:defRPr sz="7946"/>
             </a:lvl3pPr>
             <a:lvl4pPr>
-              <a:defRPr sz="4677"/>
+              <a:defRPr sz="6622"/>
             </a:lvl4pPr>
             <a:lvl5pPr>
-              <a:defRPr sz="4677"/>
+              <a:defRPr sz="6622"/>
             </a:lvl5pPr>
             <a:lvl6pPr>
-              <a:defRPr sz="4677"/>
+              <a:defRPr sz="6622"/>
             </a:lvl6pPr>
             <a:lvl7pPr>
-              <a:defRPr sz="4677"/>
+              <a:defRPr sz="6622"/>
             </a:lvl7pPr>
             <a:lvl8pPr>
-              <a:defRPr sz="4677"/>
+              <a:defRPr sz="6622"/>
             </a:lvl8pPr>
             <a:lvl9pPr>
-              <a:defRPr sz="4677"/>
+              <a:defRPr sz="6622"/>
             </a:lvl9pPr>
           </a:lstStyle>
           <a:p>
             <a:pPr lvl="0"/>
             <a:r>
               <a:rPr lang="ko-KR" altLang="en-US" smtClean="0"/>
-              <a:t>마스터 텍스트 스타일 편집</a:t>
+              <a:t>마스터 텍스트 스타일을 편집합니다</a:t>
             </a:r>
           </a:p>
           <a:p>
@@ -2027,8 +2458,8 @@
         </p:nvSpPr>
         <p:spPr>
           <a:xfrm>
-            <a:off x="1472909" y="9082564"/>
-            <a:ext cx="6896776" cy="16826573"/>
+            <a:off x="2085364" y="12841129"/>
+            <a:ext cx="9764544" cy="23789780"/>
           </a:xfrm>
         </p:spPr>
         <p:txBody>
@@ -2036,46 +2467,46 @@
           <a:lstStyle>
             <a:lvl1pPr marL="0" indent="0">
               <a:buNone/>
-              <a:defRPr sz="3742"/>
+              <a:defRPr sz="5297"/>
             </a:lvl1pPr>
-            <a:lvl2pPr marL="1069162" indent="0">
-              <a:buNone/>
-              <a:defRPr sz="3274"/>
+            <a:lvl2pPr marL="1513743" indent="0">
+              <a:buNone/>
+              <a:defRPr sz="4635"/>
             </a:lvl2pPr>
-            <a:lvl3pPr marL="2138324" indent="0">
-              <a:buNone/>
-              <a:defRPr sz="2806"/>
+            <a:lvl3pPr marL="3027487" indent="0">
+              <a:buNone/>
+              <a:defRPr sz="3973"/>
             </a:lvl3pPr>
-            <a:lvl4pPr marL="3207487" indent="0">
-              <a:buNone/>
-              <a:defRPr sz="2339"/>
+            <a:lvl4pPr marL="4541230" indent="0">
+              <a:buNone/>
+              <a:defRPr sz="3311"/>
             </a:lvl4pPr>
-            <a:lvl5pPr marL="4276649" indent="0">
-              <a:buNone/>
-              <a:defRPr sz="2339"/>
+            <a:lvl5pPr marL="6054974" indent="0">
+              <a:buNone/>
+              <a:defRPr sz="3311"/>
             </a:lvl5pPr>
-            <a:lvl6pPr marL="5345811" indent="0">
-              <a:buNone/>
-              <a:defRPr sz="2339"/>
+            <a:lvl6pPr marL="7568717" indent="0">
+              <a:buNone/>
+              <a:defRPr sz="3311"/>
             </a:lvl6pPr>
-            <a:lvl7pPr marL="6414973" indent="0">
-              <a:buNone/>
-              <a:defRPr sz="2339"/>
+            <a:lvl7pPr marL="9082461" indent="0">
+              <a:buNone/>
+              <a:defRPr sz="3311"/>
             </a:lvl7pPr>
-            <a:lvl8pPr marL="7484135" indent="0">
-              <a:buNone/>
-              <a:defRPr sz="2339"/>
+            <a:lvl8pPr marL="10596204" indent="0">
+              <a:buNone/>
+              <a:defRPr sz="3311"/>
             </a:lvl8pPr>
-            <a:lvl9pPr marL="8553298" indent="0">
-              <a:buNone/>
-              <a:defRPr sz="2339"/>
+            <a:lvl9pPr marL="12109948" indent="0">
+              <a:buNone/>
+              <a:defRPr sz="3311"/>
             </a:lvl9pPr>
           </a:lstStyle>
           <a:p>
             <a:pPr lvl="0"/>
             <a:r>
               <a:rPr lang="ko-KR" altLang="en-US" smtClean="0"/>
-              <a:t>마스터 텍스트 스타일 편집</a:t>
+              <a:t>마스터 텍스트 스타일을 편집합니다</a:t>
             </a:r>
           </a:p>
         </p:txBody>
@@ -2095,9 +2526,9 @@
           <a:bodyPr/>
           <a:lstStyle/>
           <a:p>
-            <a:fld id="{98D99242-00DD-4C54-A747-B139066CE34A}" type="datetimeFigureOut">
-              <a:rPr lang="ko-KR" altLang="en-US" smtClean="0"/>
-              <a:t>2019-04-15</a:t>
+            <a:fld id="{5F4245D9-4119-433D-9A94-E6F8A44580DA}" type="datetimeFigureOut">
+              <a:rPr lang="ko-KR" altLang="en-US" smtClean="0"/>
+              <a:t>2019-04-18</a:t>
             </a:fld>
             <a:endParaRPr lang="ko-KR" altLang="en-US"/>
           </a:p>
@@ -2137,7 +2568,7 @@
           <a:bodyPr/>
           <a:lstStyle/>
           <a:p>
-            <a:fld id="{1AD1A8A1-A029-4BFA-AAEE-2EAE7C58A3A7}" type="slidenum">
+            <a:fld id="{81726040-5ED0-485D-B17C-E775951E2DF7}" type="slidenum">
               <a:rPr lang="ko-KR" altLang="en-US" smtClean="0"/>
               <a:t>‹#›</a:t>
             </a:fld>
@@ -2148,7 +2579,7 @@
     </p:spTree>
     <p:extLst>
       <p:ext uri="{BB962C8B-B14F-4D97-AF65-F5344CB8AC3E}">
-        <p14:creationId xmlns:p14="http://schemas.microsoft.com/office/powerpoint/2010/main" val="2452906426"/>
+        <p14:creationId xmlns:p14="http://schemas.microsoft.com/office/powerpoint/2010/main" val="4201041296"/>
       </p:ext>
     </p:extLst>
   </p:cSld>
@@ -2187,15 +2618,15 @@
         </p:nvSpPr>
         <p:spPr>
           <a:xfrm>
-            <a:off x="1472909" y="2018348"/>
-            <a:ext cx="6896776" cy="7064216"/>
+            <a:off x="2085364" y="2853584"/>
+            <a:ext cx="9764544" cy="9987545"/>
           </a:xfrm>
         </p:spPr>
         <p:txBody>
           <a:bodyPr anchor="b"/>
           <a:lstStyle>
             <a:lvl1pPr>
-              <a:defRPr sz="7483"/>
+              <a:defRPr sz="10595"/>
             </a:lvl1pPr>
           </a:lstStyle>
           <a:p>
@@ -2219,8 +2650,8 @@
         </p:nvSpPr>
         <p:spPr>
           <a:xfrm>
-            <a:off x="9090826" y="4359077"/>
-            <a:ext cx="10825460" cy="21515024"/>
+            <a:off x="12870909" y="6162959"/>
+            <a:ext cx="15326827" cy="30418415"/>
           </a:xfrm>
         </p:spPr>
         <p:txBody>
@@ -2228,39 +2659,39 @@
           <a:lstStyle>
             <a:lvl1pPr marL="0" indent="0">
               <a:buNone/>
-              <a:defRPr sz="7483"/>
+              <a:defRPr sz="10595"/>
             </a:lvl1pPr>
-            <a:lvl2pPr marL="1069162" indent="0">
-              <a:buNone/>
-              <a:defRPr sz="6548"/>
+            <a:lvl2pPr marL="1513743" indent="0">
+              <a:buNone/>
+              <a:defRPr sz="9271"/>
             </a:lvl2pPr>
-            <a:lvl3pPr marL="2138324" indent="0">
-              <a:buNone/>
-              <a:defRPr sz="5612"/>
+            <a:lvl3pPr marL="3027487" indent="0">
+              <a:buNone/>
+              <a:defRPr sz="7946"/>
             </a:lvl3pPr>
-            <a:lvl4pPr marL="3207487" indent="0">
-              <a:buNone/>
-              <a:defRPr sz="4677"/>
+            <a:lvl4pPr marL="4541230" indent="0">
+              <a:buNone/>
+              <a:defRPr sz="6622"/>
             </a:lvl4pPr>
-            <a:lvl5pPr marL="4276649" indent="0">
-              <a:buNone/>
-              <a:defRPr sz="4677"/>
+            <a:lvl5pPr marL="6054974" indent="0">
+              <a:buNone/>
+              <a:defRPr sz="6622"/>
             </a:lvl5pPr>
-            <a:lvl6pPr marL="5345811" indent="0">
-              <a:buNone/>
-              <a:defRPr sz="4677"/>
+            <a:lvl6pPr marL="7568717" indent="0">
+              <a:buNone/>
+              <a:defRPr sz="6622"/>
             </a:lvl6pPr>
-            <a:lvl7pPr marL="6414973" indent="0">
-              <a:buNone/>
-              <a:defRPr sz="4677"/>
+            <a:lvl7pPr marL="9082461" indent="0">
+              <a:buNone/>
+              <a:defRPr sz="6622"/>
             </a:lvl7pPr>
-            <a:lvl8pPr marL="7484135" indent="0">
-              <a:buNone/>
-              <a:defRPr sz="4677"/>
+            <a:lvl8pPr marL="10596204" indent="0">
+              <a:buNone/>
+              <a:defRPr sz="6622"/>
             </a:lvl8pPr>
-            <a:lvl9pPr marL="8553298" indent="0">
-              <a:buNone/>
-              <a:defRPr sz="4677"/>
+            <a:lvl9pPr marL="12109948" indent="0">
+              <a:buNone/>
+              <a:defRPr sz="6622"/>
             </a:lvl9pPr>
           </a:lstStyle>
           <a:p>
@@ -2284,8 +2715,8 @@
         </p:nvSpPr>
         <p:spPr>
           <a:xfrm>
-            <a:off x="1472909" y="9082564"/>
-            <a:ext cx="6896776" cy="16826573"/>
+            <a:off x="2085364" y="12841129"/>
+            <a:ext cx="9764544" cy="23789780"/>
           </a:xfrm>
         </p:spPr>
         <p:txBody>
@@ -2293,46 +2724,46 @@
           <a:lstStyle>
             <a:lvl1pPr marL="0" indent="0">
               <a:buNone/>
-              <a:defRPr sz="3742"/>
+              <a:defRPr sz="5297"/>
             </a:lvl1pPr>
-            <a:lvl2pPr marL="1069162" indent="0">
-              <a:buNone/>
-              <a:defRPr sz="3274"/>
+            <a:lvl2pPr marL="1513743" indent="0">
+              <a:buNone/>
+              <a:defRPr sz="4635"/>
             </a:lvl2pPr>
-            <a:lvl3pPr marL="2138324" indent="0">
-              <a:buNone/>
-              <a:defRPr sz="2806"/>
+            <a:lvl3pPr marL="3027487" indent="0">
+              <a:buNone/>
+              <a:defRPr sz="3973"/>
             </a:lvl3pPr>
-            <a:lvl4pPr marL="3207487" indent="0">
-              <a:buNone/>
-              <a:defRPr sz="2339"/>
+            <a:lvl4pPr marL="4541230" indent="0">
+              <a:buNone/>
+              <a:defRPr sz="3311"/>
             </a:lvl4pPr>
-            <a:lvl5pPr marL="4276649" indent="0">
-              <a:buNone/>
-              <a:defRPr sz="2339"/>
+            <a:lvl5pPr marL="6054974" indent="0">
+              <a:buNone/>
+              <a:defRPr sz="3311"/>
             </a:lvl5pPr>
-            <a:lvl6pPr marL="5345811" indent="0">
-              <a:buNone/>
-              <a:defRPr sz="2339"/>
+            <a:lvl6pPr marL="7568717" indent="0">
+              <a:buNone/>
+              <a:defRPr sz="3311"/>
             </a:lvl6pPr>
-            <a:lvl7pPr marL="6414973" indent="0">
-              <a:buNone/>
-              <a:defRPr sz="2339"/>
+            <a:lvl7pPr marL="9082461" indent="0">
+              <a:buNone/>
+              <a:defRPr sz="3311"/>
             </a:lvl7pPr>
-            <a:lvl8pPr marL="7484135" indent="0">
-              <a:buNone/>
-              <a:defRPr sz="2339"/>
+            <a:lvl8pPr marL="10596204" indent="0">
+              <a:buNone/>
+              <a:defRPr sz="3311"/>
             </a:lvl8pPr>
-            <a:lvl9pPr marL="8553298" indent="0">
-              <a:buNone/>
-              <a:defRPr sz="2339"/>
+            <a:lvl9pPr marL="12109948" indent="0">
+              <a:buNone/>
+              <a:defRPr sz="3311"/>
             </a:lvl9pPr>
           </a:lstStyle>
           <a:p>
             <a:pPr lvl="0"/>
             <a:r>
               <a:rPr lang="ko-KR" altLang="en-US" smtClean="0"/>
-              <a:t>마스터 텍스트 스타일 편집</a:t>
+              <a:t>마스터 텍스트 스타일을 편집합니다</a:t>
             </a:r>
           </a:p>
         </p:txBody>
@@ -2352,9 +2783,9 @@
           <a:bodyPr/>
           <a:lstStyle/>
           <a:p>
-            <a:fld id="{98D99242-00DD-4C54-A747-B139066CE34A}" type="datetimeFigureOut">
-              <a:rPr lang="ko-KR" altLang="en-US" smtClean="0"/>
-              <a:t>2019-04-15</a:t>
+            <a:fld id="{5F4245D9-4119-433D-9A94-E6F8A44580DA}" type="datetimeFigureOut">
+              <a:rPr lang="ko-KR" altLang="en-US" smtClean="0"/>
+              <a:t>2019-04-18</a:t>
             </a:fld>
             <a:endParaRPr lang="ko-KR" altLang="en-US"/>
           </a:p>
@@ -2394,7 +2825,7 @@
           <a:bodyPr/>
           <a:lstStyle/>
           <a:p>
-            <a:fld id="{1AD1A8A1-A029-4BFA-AAEE-2EAE7C58A3A7}" type="slidenum">
+            <a:fld id="{81726040-5ED0-485D-B17C-E775951E2DF7}" type="slidenum">
               <a:rPr lang="ko-KR" altLang="en-US" smtClean="0"/>
               <a:t>‹#›</a:t>
             </a:fld>
@@ -2405,7 +2836,7 @@
     </p:spTree>
     <p:extLst>
       <p:ext uri="{BB962C8B-B14F-4D97-AF65-F5344CB8AC3E}">
-        <p14:creationId xmlns:p14="http://schemas.microsoft.com/office/powerpoint/2010/main" val="1699738128"/>
+        <p14:creationId xmlns:p14="http://schemas.microsoft.com/office/powerpoint/2010/main" val="2547556715"/>
       </p:ext>
     </p:extLst>
   </p:cSld>
@@ -2449,8 +2880,8 @@
         </p:nvSpPr>
         <p:spPr>
           <a:xfrm>
-            <a:off x="1470124" y="1611882"/>
-            <a:ext cx="18443377" cy="5851808"/>
+            <a:off x="2081421" y="2278913"/>
+            <a:ext cx="26112371" cy="8273416"/>
           </a:xfrm>
           <a:prstGeom prst="rect">
             <a:avLst/>
@@ -2482,8 +2913,8 @@
         </p:nvSpPr>
         <p:spPr>
           <a:xfrm>
-            <a:off x="1470124" y="8059374"/>
-            <a:ext cx="18443377" cy="19209345"/>
+            <a:off x="2081421" y="11394520"/>
+            <a:ext cx="26112371" cy="27158594"/>
           </a:xfrm>
           <a:prstGeom prst="rect">
             <a:avLst/>
@@ -2498,7 +2929,7 @@
             <a:pPr lvl="0"/>
             <a:r>
               <a:rPr lang="ko-KR" altLang="en-US" smtClean="0"/>
-              <a:t>마스터 텍스트 스타일 편집</a:t>
+              <a:t>마스터 텍스트 스타일을 편집합니다</a:t>
             </a:r>
           </a:p>
           <a:p>
@@ -2544,8 +2975,8 @@
         </p:nvSpPr>
         <p:spPr>
           <a:xfrm>
-            <a:off x="1470124" y="28060644"/>
-            <a:ext cx="4811316" cy="1611875"/>
+            <a:off x="2081421" y="39672756"/>
+            <a:ext cx="6811923" cy="2278904"/>
           </a:xfrm>
           <a:prstGeom prst="rect">
             <a:avLst/>
@@ -2555,7 +2986,7 @@
           <a:bodyPr vert="horz" lIns="91440" tIns="45720" rIns="91440" bIns="45720" rtlCol="0" anchor="ctr"/>
           <a:lstStyle>
             <a:lvl1pPr algn="l">
-              <a:defRPr sz="2806">
+              <a:defRPr sz="3973">
                 <a:solidFill>
                   <a:schemeClr val="tx1">
                     <a:tint val="75000"/>
@@ -2565,9 +2996,9 @@
             </a:lvl1pPr>
           </a:lstStyle>
           <a:p>
-            <a:fld id="{98D99242-00DD-4C54-A747-B139066CE34A}" type="datetimeFigureOut">
-              <a:rPr lang="ko-KR" altLang="en-US" smtClean="0"/>
-              <a:t>2019-04-15</a:t>
+            <a:fld id="{5F4245D9-4119-433D-9A94-E6F8A44580DA}" type="datetimeFigureOut">
+              <a:rPr lang="ko-KR" altLang="en-US" smtClean="0"/>
+              <a:t>2019-04-18</a:t>
             </a:fld>
             <a:endParaRPr lang="ko-KR" altLang="en-US"/>
           </a:p>
@@ -2585,8 +3016,8 @@
         </p:nvSpPr>
         <p:spPr>
           <a:xfrm>
-            <a:off x="7083326" y="28060644"/>
-            <a:ext cx="7216973" cy="1611875"/>
+            <a:off x="10028665" y="39672756"/>
+            <a:ext cx="10217884" cy="2278904"/>
           </a:xfrm>
           <a:prstGeom prst="rect">
             <a:avLst/>
@@ -2596,7 +3027,7 @@
           <a:bodyPr vert="horz" lIns="91440" tIns="45720" rIns="91440" bIns="45720" rtlCol="0" anchor="ctr"/>
           <a:lstStyle>
             <a:lvl1pPr algn="ctr">
-              <a:defRPr sz="2806">
+              <a:defRPr sz="3973">
                 <a:solidFill>
                   <a:schemeClr val="tx1">
                     <a:tint val="75000"/>
@@ -2622,8 +3053,8 @@
         </p:nvSpPr>
         <p:spPr>
           <a:xfrm>
-            <a:off x="15102185" y="28060644"/>
-            <a:ext cx="4811316" cy="1611875"/>
+            <a:off x="21381869" y="39672756"/>
+            <a:ext cx="6811923" cy="2278904"/>
           </a:xfrm>
           <a:prstGeom prst="rect">
             <a:avLst/>
@@ -2633,7 +3064,7 @@
           <a:bodyPr vert="horz" lIns="91440" tIns="45720" rIns="91440" bIns="45720" rtlCol="0" anchor="ctr"/>
           <a:lstStyle>
             <a:lvl1pPr algn="r">
-              <a:defRPr sz="2806">
+              <a:defRPr sz="3973">
                 <a:solidFill>
                   <a:schemeClr val="tx1">
                     <a:tint val="75000"/>
@@ -2643,7 +3074,7 @@
             </a:lvl1pPr>
           </a:lstStyle>
           <a:p>
-            <a:fld id="{1AD1A8A1-A029-4BFA-AAEE-2EAE7C58A3A7}" type="slidenum">
+            <a:fld id="{81726040-5ED0-485D-B17C-E775951E2DF7}" type="slidenum">
               <a:rPr lang="ko-KR" altLang="en-US" smtClean="0"/>
               <a:t>‹#›</a:t>
             </a:fld>
@@ -2654,7 +3085,7 @@
     </p:spTree>
     <p:extLst>
       <p:ext uri="{BB962C8B-B14F-4D97-AF65-F5344CB8AC3E}">
-        <p14:creationId xmlns:p14="http://schemas.microsoft.com/office/powerpoint/2010/main" val="1390243871"/>
+        <p14:creationId xmlns:p14="http://schemas.microsoft.com/office/powerpoint/2010/main" val="1187818767"/>
       </p:ext>
     </p:extLst>
   </p:cSld>
@@ -2674,7 +3105,7 @@
   </p:sldLayoutIdLst>
   <p:txStyles>
     <p:titleStyle>
-      <a:lvl1pPr algn="l" defTabSz="2138324" rtl="0" eaLnBrk="1" latinLnBrk="1" hangingPunct="1">
+      <a:lvl1pPr algn="l" defTabSz="3027487" rtl="0" eaLnBrk="1" latinLnBrk="1" hangingPunct="1">
         <a:lnSpc>
           <a:spcPct val="90000"/>
         </a:lnSpc>
@@ -2682,7 +3113,7 @@
           <a:spcPct val="0"/>
         </a:spcBef>
         <a:buNone/>
-        <a:defRPr sz="10289" kern="1200">
+        <a:defRPr sz="14568" kern="1200">
           <a:solidFill>
             <a:schemeClr val="tx1"/>
           </a:solidFill>
@@ -2693,16 +3124,16 @@
       </a:lvl1pPr>
     </p:titleStyle>
     <p:bodyStyle>
-      <a:lvl1pPr marL="534581" indent="-534581" algn="l" defTabSz="2138324" rtl="0" eaLnBrk="1" latinLnBrk="1" hangingPunct="1">
+      <a:lvl1pPr marL="756872" indent="-756872" algn="l" defTabSz="3027487" rtl="0" eaLnBrk="1" latinLnBrk="1" hangingPunct="1">
         <a:lnSpc>
           <a:spcPct val="90000"/>
         </a:lnSpc>
         <a:spcBef>
-          <a:spcPts val="2339"/>
+          <a:spcPts val="3311"/>
         </a:spcBef>
         <a:buFont typeface="Arial" panose="020B0604020202020204" pitchFamily="34" charset="0"/>
         <a:buChar char="•"/>
-        <a:defRPr sz="6548" kern="1200">
+        <a:defRPr sz="9271" kern="1200">
           <a:solidFill>
             <a:schemeClr val="tx1"/>
           </a:solidFill>
@@ -2711,16 +3142,16 @@
           <a:cs typeface="+mn-cs"/>
         </a:defRPr>
       </a:lvl1pPr>
-      <a:lvl2pPr marL="1603743" indent="-534581" algn="l" defTabSz="2138324" rtl="0" eaLnBrk="1" latinLnBrk="1" hangingPunct="1">
+      <a:lvl2pPr marL="2270615" indent="-756872" algn="l" defTabSz="3027487" rtl="0" eaLnBrk="1" latinLnBrk="1" hangingPunct="1">
         <a:lnSpc>
           <a:spcPct val="90000"/>
         </a:lnSpc>
         <a:spcBef>
-          <a:spcPts val="1169"/>
+          <a:spcPts val="1655"/>
         </a:spcBef>
         <a:buFont typeface="Arial" panose="020B0604020202020204" pitchFamily="34" charset="0"/>
         <a:buChar char="•"/>
-        <a:defRPr sz="5612" kern="1200">
+        <a:defRPr sz="7946" kern="1200">
           <a:solidFill>
             <a:schemeClr val="tx1"/>
           </a:solidFill>
@@ -2729,16 +3160,16 @@
           <a:cs typeface="+mn-cs"/>
         </a:defRPr>
       </a:lvl2pPr>
-      <a:lvl3pPr marL="2672906" indent="-534581" algn="l" defTabSz="2138324" rtl="0" eaLnBrk="1" latinLnBrk="1" hangingPunct="1">
+      <a:lvl3pPr marL="3784359" indent="-756872" algn="l" defTabSz="3027487" rtl="0" eaLnBrk="1" latinLnBrk="1" hangingPunct="1">
         <a:lnSpc>
           <a:spcPct val="90000"/>
         </a:lnSpc>
         <a:spcBef>
-          <a:spcPts val="1169"/>
+          <a:spcPts val="1655"/>
         </a:spcBef>
         <a:buFont typeface="Arial" panose="020B0604020202020204" pitchFamily="34" charset="0"/>
         <a:buChar char="•"/>
-        <a:defRPr sz="4677" kern="1200">
+        <a:defRPr sz="6622" kern="1200">
           <a:solidFill>
             <a:schemeClr val="tx1"/>
           </a:solidFill>
@@ -2747,16 +3178,16 @@
           <a:cs typeface="+mn-cs"/>
         </a:defRPr>
       </a:lvl3pPr>
-      <a:lvl4pPr marL="3742068" indent="-534581" algn="l" defTabSz="2138324" rtl="0" eaLnBrk="1" latinLnBrk="1" hangingPunct="1">
+      <a:lvl4pPr marL="5298102" indent="-756872" algn="l" defTabSz="3027487" rtl="0" eaLnBrk="1" latinLnBrk="1" hangingPunct="1">
         <a:lnSpc>
           <a:spcPct val="90000"/>
         </a:lnSpc>
         <a:spcBef>
-          <a:spcPts val="1169"/>
+          <a:spcPts val="1655"/>
         </a:spcBef>
         <a:buFont typeface="Arial" panose="020B0604020202020204" pitchFamily="34" charset="0"/>
         <a:buChar char="•"/>
-        <a:defRPr sz="4209" kern="1200">
+        <a:defRPr sz="5960" kern="1200">
           <a:solidFill>
             <a:schemeClr val="tx1"/>
           </a:solidFill>
@@ -2765,16 +3196,16 @@
           <a:cs typeface="+mn-cs"/>
         </a:defRPr>
       </a:lvl4pPr>
-      <a:lvl5pPr marL="4811230" indent="-534581" algn="l" defTabSz="2138324" rtl="0" eaLnBrk="1" latinLnBrk="1" hangingPunct="1">
+      <a:lvl5pPr marL="6811846" indent="-756872" algn="l" defTabSz="3027487" rtl="0" eaLnBrk="1" latinLnBrk="1" hangingPunct="1">
         <a:lnSpc>
           <a:spcPct val="90000"/>
         </a:lnSpc>
         <a:spcBef>
-          <a:spcPts val="1169"/>
+          <a:spcPts val="1655"/>
         </a:spcBef>
         <a:buFont typeface="Arial" panose="020B0604020202020204" pitchFamily="34" charset="0"/>
         <a:buChar char="•"/>
-        <a:defRPr sz="4209" kern="1200">
+        <a:defRPr sz="5960" kern="1200">
           <a:solidFill>
             <a:schemeClr val="tx1"/>
           </a:solidFill>
@@ -2783,16 +3214,16 @@
           <a:cs typeface="+mn-cs"/>
         </a:defRPr>
       </a:lvl5pPr>
-      <a:lvl6pPr marL="5880392" indent="-534581" algn="l" defTabSz="2138324" rtl="0" eaLnBrk="1" latinLnBrk="1" hangingPunct="1">
+      <a:lvl6pPr marL="8325589" indent="-756872" algn="l" defTabSz="3027487" rtl="0" eaLnBrk="1" latinLnBrk="1" hangingPunct="1">
         <a:lnSpc>
           <a:spcPct val="90000"/>
         </a:lnSpc>
         <a:spcBef>
-          <a:spcPts val="1169"/>
+          <a:spcPts val="1655"/>
         </a:spcBef>
         <a:buFont typeface="Arial" panose="020B0604020202020204" pitchFamily="34" charset="0"/>
         <a:buChar char="•"/>
-        <a:defRPr sz="4209" kern="1200">
+        <a:defRPr sz="5960" kern="1200">
           <a:solidFill>
             <a:schemeClr val="tx1"/>
           </a:solidFill>
@@ -2801,16 +3232,16 @@
           <a:cs typeface="+mn-cs"/>
         </a:defRPr>
       </a:lvl6pPr>
-      <a:lvl7pPr marL="6949554" indent="-534581" algn="l" defTabSz="2138324" rtl="0" eaLnBrk="1" latinLnBrk="1" hangingPunct="1">
+      <a:lvl7pPr marL="9839333" indent="-756872" algn="l" defTabSz="3027487" rtl="0" eaLnBrk="1" latinLnBrk="1" hangingPunct="1">
         <a:lnSpc>
           <a:spcPct val="90000"/>
         </a:lnSpc>
         <a:spcBef>
-          <a:spcPts val="1169"/>
+          <a:spcPts val="1655"/>
         </a:spcBef>
         <a:buFont typeface="Arial" panose="020B0604020202020204" pitchFamily="34" charset="0"/>
         <a:buChar char="•"/>
-        <a:defRPr sz="4209" kern="1200">
+        <a:defRPr sz="5960" kern="1200">
           <a:solidFill>
             <a:schemeClr val="tx1"/>
           </a:solidFill>
@@ -2819,16 +3250,16 @@
           <a:cs typeface="+mn-cs"/>
         </a:defRPr>
       </a:lvl7pPr>
-      <a:lvl8pPr marL="8018717" indent="-534581" algn="l" defTabSz="2138324" rtl="0" eaLnBrk="1" latinLnBrk="1" hangingPunct="1">
+      <a:lvl8pPr marL="11353076" indent="-756872" algn="l" defTabSz="3027487" rtl="0" eaLnBrk="1" latinLnBrk="1" hangingPunct="1">
         <a:lnSpc>
           <a:spcPct val="90000"/>
         </a:lnSpc>
         <a:spcBef>
-          <a:spcPts val="1169"/>
+          <a:spcPts val="1655"/>
         </a:spcBef>
         <a:buFont typeface="Arial" panose="020B0604020202020204" pitchFamily="34" charset="0"/>
         <a:buChar char="•"/>
-        <a:defRPr sz="4209" kern="1200">
+        <a:defRPr sz="5960" kern="1200">
           <a:solidFill>
             <a:schemeClr val="tx1"/>
           </a:solidFill>
@@ -2837,16 +3268,16 @@
           <a:cs typeface="+mn-cs"/>
         </a:defRPr>
       </a:lvl8pPr>
-      <a:lvl9pPr marL="9087879" indent="-534581" algn="l" defTabSz="2138324" rtl="0" eaLnBrk="1" latinLnBrk="1" hangingPunct="1">
+      <a:lvl9pPr marL="12866820" indent="-756872" algn="l" defTabSz="3027487" rtl="0" eaLnBrk="1" latinLnBrk="1" hangingPunct="1">
         <a:lnSpc>
           <a:spcPct val="90000"/>
         </a:lnSpc>
         <a:spcBef>
-          <a:spcPts val="1169"/>
+          <a:spcPts val="1655"/>
         </a:spcBef>
         <a:buFont typeface="Arial" panose="020B0604020202020204" pitchFamily="34" charset="0"/>
         <a:buChar char="•"/>
-        <a:defRPr sz="4209" kern="1200">
+        <a:defRPr sz="5960" kern="1200">
           <a:solidFill>
             <a:schemeClr val="tx1"/>
           </a:solidFill>
@@ -2860,8 +3291,8 @@
       <a:defPPr>
         <a:defRPr lang="en-US"/>
       </a:defPPr>
-      <a:lvl1pPr marL="0" algn="l" defTabSz="2138324" rtl="0" eaLnBrk="1" latinLnBrk="1" hangingPunct="1">
-        <a:defRPr sz="4209" kern="1200">
+      <a:lvl1pPr marL="0" algn="l" defTabSz="3027487" rtl="0" eaLnBrk="1" latinLnBrk="1" hangingPunct="1">
+        <a:defRPr sz="5960" kern="1200">
           <a:solidFill>
             <a:schemeClr val="tx1"/>
           </a:solidFill>
@@ -2870,8 +3301,8 @@
           <a:cs typeface="+mn-cs"/>
         </a:defRPr>
       </a:lvl1pPr>
-      <a:lvl2pPr marL="1069162" algn="l" defTabSz="2138324" rtl="0" eaLnBrk="1" latinLnBrk="1" hangingPunct="1">
-        <a:defRPr sz="4209" kern="1200">
+      <a:lvl2pPr marL="1513743" algn="l" defTabSz="3027487" rtl="0" eaLnBrk="1" latinLnBrk="1" hangingPunct="1">
+        <a:defRPr sz="5960" kern="1200">
           <a:solidFill>
             <a:schemeClr val="tx1"/>
           </a:solidFill>
@@ -2880,8 +3311,8 @@
           <a:cs typeface="+mn-cs"/>
         </a:defRPr>
       </a:lvl2pPr>
-      <a:lvl3pPr marL="2138324" algn="l" defTabSz="2138324" rtl="0" eaLnBrk="1" latinLnBrk="1" hangingPunct="1">
-        <a:defRPr sz="4209" kern="1200">
+      <a:lvl3pPr marL="3027487" algn="l" defTabSz="3027487" rtl="0" eaLnBrk="1" latinLnBrk="1" hangingPunct="1">
+        <a:defRPr sz="5960" kern="1200">
           <a:solidFill>
             <a:schemeClr val="tx1"/>
           </a:solidFill>
@@ -2890,8 +3321,8 @@
           <a:cs typeface="+mn-cs"/>
         </a:defRPr>
       </a:lvl3pPr>
-      <a:lvl4pPr marL="3207487" algn="l" defTabSz="2138324" rtl="0" eaLnBrk="1" latinLnBrk="1" hangingPunct="1">
-        <a:defRPr sz="4209" kern="1200">
+      <a:lvl4pPr marL="4541230" algn="l" defTabSz="3027487" rtl="0" eaLnBrk="1" latinLnBrk="1" hangingPunct="1">
+        <a:defRPr sz="5960" kern="1200">
           <a:solidFill>
             <a:schemeClr val="tx1"/>
           </a:solidFill>
@@ -2900,8 +3331,8 @@
           <a:cs typeface="+mn-cs"/>
         </a:defRPr>
       </a:lvl4pPr>
-      <a:lvl5pPr marL="4276649" algn="l" defTabSz="2138324" rtl="0" eaLnBrk="1" latinLnBrk="1" hangingPunct="1">
-        <a:defRPr sz="4209" kern="1200">
+      <a:lvl5pPr marL="6054974" algn="l" defTabSz="3027487" rtl="0" eaLnBrk="1" latinLnBrk="1" hangingPunct="1">
+        <a:defRPr sz="5960" kern="1200">
           <a:solidFill>
             <a:schemeClr val="tx1"/>
           </a:solidFill>
@@ -2910,8 +3341,8 @@
           <a:cs typeface="+mn-cs"/>
         </a:defRPr>
       </a:lvl5pPr>
-      <a:lvl6pPr marL="5345811" algn="l" defTabSz="2138324" rtl="0" eaLnBrk="1" latinLnBrk="1" hangingPunct="1">
-        <a:defRPr sz="4209" kern="1200">
+      <a:lvl6pPr marL="7568717" algn="l" defTabSz="3027487" rtl="0" eaLnBrk="1" latinLnBrk="1" hangingPunct="1">
+        <a:defRPr sz="5960" kern="1200">
           <a:solidFill>
             <a:schemeClr val="tx1"/>
           </a:solidFill>
@@ -2920,8 +3351,8 @@
           <a:cs typeface="+mn-cs"/>
         </a:defRPr>
       </a:lvl6pPr>
-      <a:lvl7pPr marL="6414973" algn="l" defTabSz="2138324" rtl="0" eaLnBrk="1" latinLnBrk="1" hangingPunct="1">
-        <a:defRPr sz="4209" kern="1200">
+      <a:lvl7pPr marL="9082461" algn="l" defTabSz="3027487" rtl="0" eaLnBrk="1" latinLnBrk="1" hangingPunct="1">
+        <a:defRPr sz="5960" kern="1200">
           <a:solidFill>
             <a:schemeClr val="tx1"/>
           </a:solidFill>
@@ -2930,8 +3361,8 @@
           <a:cs typeface="+mn-cs"/>
         </a:defRPr>
       </a:lvl7pPr>
-      <a:lvl8pPr marL="7484135" algn="l" defTabSz="2138324" rtl="0" eaLnBrk="1" latinLnBrk="1" hangingPunct="1">
-        <a:defRPr sz="4209" kern="1200">
+      <a:lvl8pPr marL="10596204" algn="l" defTabSz="3027487" rtl="0" eaLnBrk="1" latinLnBrk="1" hangingPunct="1">
+        <a:defRPr sz="5960" kern="1200">
           <a:solidFill>
             <a:schemeClr val="tx1"/>
           </a:solidFill>
@@ -2940,8 +3371,8 @@
           <a:cs typeface="+mn-cs"/>
         </a:defRPr>
       </a:lvl8pPr>
-      <a:lvl9pPr marL="8553298" algn="l" defTabSz="2138324" rtl="0" eaLnBrk="1" latinLnBrk="1" hangingPunct="1">
-        <a:defRPr sz="4209" kern="1200">
+      <a:lvl9pPr marL="12109948" algn="l" defTabSz="3027487" rtl="0" eaLnBrk="1" latinLnBrk="1" hangingPunct="1">
+        <a:defRPr sz="5960" kern="1200">
           <a:solidFill>
             <a:schemeClr val="tx1"/>
           </a:solidFill>
@@ -2974,18 +3405,18 @@
       </p:grpSpPr>
       <p:sp>
         <p:nvSpPr>
-          <p:cNvPr id="49" name="모서리가 둥근 직사각형 48"/>
+          <p:cNvPr id="4" name="모서리가 둥근 직사각형 3"/>
           <p:cNvSpPr/>
           <p:nvPr/>
         </p:nvSpPr>
         <p:spPr>
           <a:xfrm>
-            <a:off x="476249" y="14799055"/>
-            <a:ext cx="20431125" cy="4892791"/>
+            <a:off x="471184" y="14622145"/>
+            <a:ext cx="29270019" cy="3978541"/>
           </a:xfrm>
           <a:prstGeom prst="roundRect">
             <a:avLst>
-              <a:gd name="adj" fmla="val 10850"/>
+              <a:gd name="adj" fmla="val 7060"/>
             </a:avLst>
           </a:prstGeom>
           <a:solidFill>
@@ -3016,7 +3447,7 @@
           <a:lstStyle/>
           <a:p>
             <a:pPr algn="ctr"/>
-            <a:endParaRPr lang="ko-KR" altLang="en-US" sz="8000" b="1">
+            <a:endParaRPr lang="ko-KR" altLang="en-US" sz="7915" b="1">
               <a:solidFill>
                 <a:schemeClr val="tx1"/>
               </a:solidFill>
@@ -3026,14 +3457,14 @@
       </p:sp>
       <p:sp>
         <p:nvSpPr>
-          <p:cNvPr id="4" name="모서리가 둥근 직사각형 3"/>
+          <p:cNvPr id="5" name="모서리가 둥근 직사각형 4"/>
           <p:cNvSpPr/>
           <p:nvPr/>
         </p:nvSpPr>
         <p:spPr>
           <a:xfrm>
-            <a:off x="485775" y="297180"/>
-            <a:ext cx="20431125" cy="3120769"/>
+            <a:off x="480609" y="1215841"/>
+            <a:ext cx="29260594" cy="3087580"/>
           </a:xfrm>
           <a:prstGeom prst="roundRect">
             <a:avLst/>
@@ -3067,39 +3498,45 @@
           <a:p>
             <a:pPr algn="ctr"/>
             <a:r>
-              <a:rPr lang="en-US" altLang="ko-KR" sz="8000" b="1" dirty="0" smtClean="0">
+              <a:rPr lang="en-US" altLang="ko-KR" sz="9600" b="1" dirty="0">
                 <a:solidFill>
                   <a:schemeClr val="tx1"/>
                 </a:solidFill>
+                <a:latin typeface="Adobe 고딕 Std B" panose="020B0800000000000000" pitchFamily="34" charset="-127"/>
+                <a:ea typeface="Adobe 고딕 Std B" panose="020B0800000000000000" pitchFamily="34" charset="-127"/>
               </a:rPr>
               <a:t>MASKING COUPLING EFFECT </a:t>
             </a:r>
             <a:r>
-              <a:rPr lang="ko-KR" altLang="en-US" sz="8000" b="1" dirty="0" smtClean="0">
+              <a:rPr lang="ko-KR" altLang="en-US" sz="9600" b="1" dirty="0">
                 <a:solidFill>
                   <a:schemeClr val="tx1"/>
                 </a:solidFill>
+                <a:latin typeface="Adobe 고딕 Std B" panose="020B0800000000000000" pitchFamily="34" charset="-127"/>
+                <a:ea typeface="Adobe 고딕 Std B" panose="020B0800000000000000" pitchFamily="34" charset="-127"/>
               </a:rPr>
               <a:t>최신 동향</a:t>
             </a:r>
-            <a:endParaRPr lang="ko-KR" altLang="en-US" sz="8000" b="1" dirty="0">
+            <a:endParaRPr lang="ko-KR" altLang="en-US" sz="9600" b="1" dirty="0">
               <a:solidFill>
                 <a:schemeClr val="tx1"/>
               </a:solidFill>
+              <a:latin typeface="Adobe 고딕 Std B" panose="020B0800000000000000" pitchFamily="34" charset="-127"/>
+              <a:ea typeface="Adobe 고딕 Std B" panose="020B0800000000000000" pitchFamily="34" charset="-127"/>
             </a:endParaRPr>
           </a:p>
         </p:txBody>
       </p:sp>
       <p:sp>
         <p:nvSpPr>
-          <p:cNvPr id="5" name="TextBox 4"/>
+          <p:cNvPr id="6" name="TextBox 5"/>
           <p:cNvSpPr txBox="1"/>
           <p:nvPr/>
         </p:nvSpPr>
         <p:spPr>
           <a:xfrm>
-            <a:off x="2800350" y="3540508"/>
-            <a:ext cx="16402050" cy="954107"/>
+            <a:off x="6997098" y="4424677"/>
+            <a:ext cx="16227614" cy="943960"/>
           </a:xfrm>
           <a:prstGeom prst="rect">
             <a:avLst/>
@@ -3114,82 +3551,74 @@
           <a:p>
             <a:pPr algn="ctr"/>
             <a:r>
-              <a:rPr lang="ko-KR" altLang="en-US" sz="2800" dirty="0" err="1" smtClean="0"/>
+              <a:rPr lang="ko-KR" altLang="en-US" sz="2770" dirty="0" err="1"/>
               <a:t>권혁동</a:t>
             </a:r>
             <a:r>
-              <a:rPr lang="en-US" altLang="ko-KR" sz="2800" baseline="30000" dirty="0" smtClean="0"/>
+              <a:rPr lang="en-US" altLang="ko-KR" sz="2770" baseline="30000" dirty="0"/>
               <a:t> *</a:t>
             </a:r>
             <a:r>
-              <a:rPr lang="ko-KR" altLang="en-US" sz="2800" dirty="0" smtClean="0"/>
+              <a:rPr lang="ko-KR" altLang="en-US" sz="2770" dirty="0"/>
               <a:t> </a:t>
             </a:r>
             <a:r>
-              <a:rPr lang="ko-KR" altLang="en-US" sz="2800" dirty="0" err="1" smtClean="0"/>
+              <a:rPr lang="ko-KR" altLang="en-US" sz="2770" dirty="0" err="1"/>
               <a:t>권용빈</a:t>
             </a:r>
             <a:r>
-              <a:rPr lang="en-US" altLang="ko-KR" sz="2800" baseline="30000" dirty="0" smtClean="0"/>
+              <a:rPr lang="en-US" altLang="ko-KR" sz="2770" baseline="30000" dirty="0"/>
+              <a:t> *</a:t>
+            </a:r>
+            <a:r>
+              <a:rPr lang="ko-KR" altLang="en-US" sz="2770" dirty="0"/>
               <a:t> </a:t>
             </a:r>
             <a:r>
-              <a:rPr lang="en-US" altLang="ko-KR" sz="2800" baseline="30000" dirty="0" smtClean="0"/>
-              <a:t>*</a:t>
-            </a:r>
-            <a:r>
-              <a:rPr lang="ko-KR" altLang="en-US" sz="2800" dirty="0" smtClean="0"/>
+              <a:rPr lang="ko-KR" altLang="en-US" sz="2770" dirty="0" err="1"/>
+              <a:t>서화정</a:t>
+            </a:r>
+            <a:r>
+              <a:rPr lang="ko-KR" altLang="en-US" sz="2770" dirty="0"/>
               <a:t> </a:t>
             </a:r>
             <a:r>
-              <a:rPr lang="ko-KR" altLang="en-US" sz="2800" dirty="0" err="1" smtClean="0"/>
-              <a:t>서화정</a:t>
-            </a:r>
-            <a:r>
-              <a:rPr lang="ko-KR" altLang="en-US" sz="2800" dirty="0" smtClean="0"/>
-              <a:t> </a:t>
-            </a:r>
-            <a:r>
-              <a:rPr lang="en-US" altLang="ko-KR" sz="2800" baseline="30000" dirty="0" smtClean="0"/>
+              <a:rPr lang="en-US" altLang="ko-KR" sz="2770" baseline="30000" dirty="0"/>
               <a:t> *†</a:t>
             </a:r>
-            <a:endParaRPr lang="en-US" altLang="ko-KR" sz="2800" dirty="0" smtClean="0"/>
-          </a:p>
-          <a:p>
-            <a:pPr marL="457200" indent="-457200" algn="ctr">
+            <a:endParaRPr lang="en-US" altLang="ko-KR" sz="2770" dirty="0"/>
+          </a:p>
+          <a:p>
+            <a:pPr marL="452354" indent="-452354" algn="ctr">
               <a:buFont typeface="Arial" panose="020B0604020202020204" pitchFamily="34" charset="0"/>
               <a:buChar char="•"/>
             </a:pPr>
             <a:r>
-              <a:rPr lang="ko-KR" altLang="en-US" sz="2800" dirty="0" smtClean="0"/>
-              <a:t>한성대학교 </a:t>
-            </a:r>
-            <a:r>
-              <a:rPr lang="ko-KR" altLang="en-US" sz="2800" dirty="0" smtClean="0"/>
-              <a:t>대학원 </a:t>
-            </a:r>
-            <a:r>
-              <a:rPr lang="en-US" altLang="ko-KR" sz="2800" dirty="0" smtClean="0"/>
+              <a:rPr lang="ko-KR" altLang="en-US" sz="2770" dirty="0"/>
+              <a:t>한성대학교 대학원 </a:t>
+            </a:r>
+            <a:r>
+              <a:rPr lang="en-US" altLang="ko-KR" sz="2770" dirty="0"/>
               <a:t>IT</a:t>
             </a:r>
             <a:r>
-              <a:rPr lang="ko-KR" altLang="en-US" sz="2800" dirty="0" err="1" smtClean="0"/>
+              <a:rPr lang="ko-KR" altLang="en-US" sz="2770" dirty="0" err="1"/>
               <a:t>융합공학부</a:t>
             </a:r>
-            <a:endParaRPr lang="ko-KR" altLang="en-US" sz="2800" dirty="0"/>
-          </a:p>
-        </p:txBody>
-      </p:sp>
-      <p:sp>
-        <p:nvSpPr>
-          <p:cNvPr id="6" name="모서리가 둥근 직사각형 5"/>
+            <a:endParaRPr lang="ko-KR" altLang="en-US" sz="2770" dirty="0"/>
+          </a:p>
+        </p:txBody>
+      </p:sp>
+      <p:sp>
+        <p:nvSpPr>
+          <p:cNvPr id="7" name="모서리가 둥근 직사각형 6"/>
           <p:cNvSpPr/>
           <p:nvPr/>
         </p:nvSpPr>
         <p:spPr>
           <a:xfrm>
-            <a:off x="485774" y="4628301"/>
-            <a:ext cx="20431125" cy="2907003"/>
+            <a:off x="480608" y="5500901"/>
+            <a:ext cx="29260595" cy="2876087"/>
           </a:xfrm>
           <a:prstGeom prst="roundRect">
             <a:avLst/>
@@ -3222,7 +3651,7 @@
           <a:lstStyle/>
           <a:p>
             <a:pPr algn="ctr"/>
-            <a:endParaRPr lang="ko-KR" altLang="en-US" sz="8000" b="1">
+            <a:endParaRPr lang="ko-KR" altLang="en-US" sz="7915" b="1">
               <a:solidFill>
                 <a:schemeClr val="tx1"/>
               </a:solidFill>
@@ -3238,8 +3667,8 @@
         </p:nvSpPr>
         <p:spPr>
           <a:xfrm>
-            <a:off x="1158240" y="5689885"/>
-            <a:ext cx="19263360" cy="1569660"/>
+            <a:off x="1145922" y="6551194"/>
+            <a:ext cx="18985014" cy="1552967"/>
           </a:xfrm>
           <a:prstGeom prst="rect">
             <a:avLst/>
@@ -3253,77 +3682,73 @@
           <a:lstStyle/>
           <a:p>
             <a:r>
-              <a:rPr lang="ko-KR" altLang="en-US" sz="3200" dirty="0" smtClean="0"/>
+              <a:rPr lang="ko-KR" altLang="en-US" sz="3166" dirty="0"/>
               <a:t>●</a:t>
             </a:r>
             <a:r>
-              <a:rPr lang="en-US" altLang="ko-KR" sz="3200" dirty="0"/>
+              <a:rPr lang="en-US" altLang="ko-KR" sz="3166" dirty="0"/>
               <a:t> </a:t>
             </a:r>
             <a:r>
-              <a:rPr lang="ko-KR" altLang="en-US" sz="3200" dirty="0" err="1" smtClean="0"/>
+              <a:rPr lang="ko-KR" altLang="en-US" sz="3166" dirty="0" err="1"/>
               <a:t>부채널</a:t>
             </a:r>
             <a:r>
-              <a:rPr lang="ko-KR" altLang="en-US" sz="3200" dirty="0" smtClean="0"/>
+              <a:rPr lang="ko-KR" altLang="en-US" sz="3166" dirty="0"/>
               <a:t> 공격을 방어하기 위해 </a:t>
             </a:r>
             <a:r>
-              <a:rPr lang="ko-KR" altLang="en-US" sz="3200" dirty="0" err="1" smtClean="0"/>
+              <a:rPr lang="ko-KR" altLang="en-US" sz="3166" dirty="0" err="1"/>
               <a:t>마스킹</a:t>
             </a:r>
             <a:r>
-              <a:rPr lang="ko-KR" altLang="en-US" sz="3200" dirty="0" smtClean="0"/>
-              <a:t> 기법이 개발되었으나 마스크 값이 </a:t>
-            </a:r>
-            <a:r>
-              <a:rPr lang="ko-KR" altLang="en-US" sz="3200" dirty="0" smtClean="0"/>
-              <a:t>소실되는</a:t>
-            </a:r>
-            <a:r>
-              <a:rPr lang="en-US" altLang="ko-KR" sz="3200" dirty="0" smtClean="0"/>
+              <a:rPr lang="ko-KR" altLang="en-US" sz="3166" dirty="0"/>
+              <a:t> 기법이 개발되었으나 마스크 값이 소실되는</a:t>
+            </a:r>
+            <a:r>
+              <a:rPr lang="en-US" altLang="ko-KR" sz="3166" dirty="0"/>
               <a:t> </a:t>
             </a:r>
             <a:r>
-              <a:rPr lang="ko-KR" altLang="en-US" sz="3200" dirty="0" err="1" smtClean="0"/>
+              <a:rPr lang="ko-KR" altLang="en-US" sz="3166" dirty="0" err="1"/>
               <a:t>커플링</a:t>
             </a:r>
             <a:r>
-              <a:rPr lang="ko-KR" altLang="en-US" sz="3200" dirty="0" smtClean="0"/>
+              <a:rPr lang="ko-KR" altLang="en-US" sz="3166" dirty="0"/>
               <a:t> 현상이 발견</a:t>
             </a:r>
-            <a:endParaRPr lang="en-US" altLang="ko-KR" sz="3200" dirty="0" smtClean="0"/>
-          </a:p>
-          <a:p>
-            <a:endParaRPr lang="en-US" altLang="ko-KR" sz="3200" dirty="0" smtClean="0"/>
-          </a:p>
-          <a:p>
-            <a:r>
-              <a:rPr lang="ko-KR" altLang="en-US" sz="3200" dirty="0" smtClean="0"/>
+            <a:endParaRPr lang="en-US" altLang="ko-KR" sz="3166" dirty="0"/>
+          </a:p>
+          <a:p>
+            <a:endParaRPr lang="en-US" altLang="ko-KR" sz="3166" dirty="0"/>
+          </a:p>
+          <a:p>
+            <a:r>
+              <a:rPr lang="ko-KR" altLang="en-US" sz="3166" dirty="0"/>
               <a:t>● </a:t>
             </a:r>
             <a:r>
-              <a:rPr lang="ko-KR" altLang="en-US" sz="3200" dirty="0" err="1" smtClean="0"/>
+              <a:rPr lang="ko-KR" altLang="en-US" sz="3166" dirty="0" err="1"/>
               <a:t>커플링</a:t>
             </a:r>
             <a:r>
-              <a:rPr lang="ko-KR" altLang="en-US" sz="3200" dirty="0" smtClean="0"/>
+              <a:rPr lang="ko-KR" altLang="en-US" sz="3166" dirty="0"/>
               <a:t> 현상에 대해 조사하며 이를 완화할 수 있는 방법에 대해 고찰</a:t>
             </a:r>
-            <a:endParaRPr lang="ko-KR" altLang="en-US" sz="3200" dirty="0"/>
-          </a:p>
-        </p:txBody>
-      </p:sp>
-      <p:sp>
-        <p:nvSpPr>
-          <p:cNvPr id="12" name="모서리가 둥근 직사각형 11"/>
+            <a:endParaRPr lang="ko-KR" altLang="en-US" sz="3166" dirty="0"/>
+          </a:p>
+        </p:txBody>
+      </p:sp>
+      <p:sp>
+        <p:nvSpPr>
+          <p:cNvPr id="9" name="모서리가 둥근 직사각형 8"/>
           <p:cNvSpPr/>
           <p:nvPr/>
         </p:nvSpPr>
         <p:spPr>
           <a:xfrm>
-            <a:off x="498460" y="7809227"/>
-            <a:ext cx="20431125" cy="6714493"/>
+            <a:off x="493159" y="8647998"/>
+            <a:ext cx="29248044" cy="5656988"/>
           </a:xfrm>
           <a:prstGeom prst="roundRect">
             <a:avLst>
@@ -3358,7 +3783,7 @@
           <a:lstStyle/>
           <a:p>
             <a:pPr algn="ctr"/>
-            <a:endParaRPr lang="ko-KR" altLang="en-US" sz="8000" b="1">
+            <a:endParaRPr lang="ko-KR" altLang="en-US" sz="7915" b="1">
               <a:solidFill>
                 <a:schemeClr val="tx1"/>
               </a:solidFill>
@@ -3368,14 +3793,14 @@
       </p:sp>
       <p:sp>
         <p:nvSpPr>
-          <p:cNvPr id="13" name="모서리가 둥근 직사각형 12"/>
+          <p:cNvPr id="10" name="모서리가 둥근 직사각형 9"/>
           <p:cNvSpPr/>
           <p:nvPr/>
         </p:nvSpPr>
         <p:spPr>
           <a:xfrm>
-            <a:off x="498460" y="7803128"/>
-            <a:ext cx="2958466" cy="853619"/>
+            <a:off x="493159" y="8641964"/>
+            <a:ext cx="2927003" cy="844541"/>
           </a:xfrm>
           <a:prstGeom prst="roundRect">
             <a:avLst/>
@@ -3409,14 +3834,14 @@
           <a:p>
             <a:pPr algn="ctr"/>
             <a:r>
-              <a:rPr lang="ko-KR" altLang="en-US" sz="3600" b="1" dirty="0" smtClean="0">
+              <a:rPr lang="ko-KR" altLang="en-US" sz="3562" b="1" dirty="0">
                 <a:solidFill>
                   <a:schemeClr val="bg1"/>
                 </a:solidFill>
               </a:rPr>
               <a:t>부채널 공격</a:t>
             </a:r>
-            <a:endParaRPr lang="ko-KR" altLang="en-US" sz="3600" b="1" dirty="0">
+            <a:endParaRPr lang="ko-KR" altLang="en-US" sz="3562" b="1" dirty="0">
               <a:solidFill>
                 <a:schemeClr val="bg1"/>
               </a:solidFill>
@@ -3426,14 +3851,14 @@
       </p:sp>
       <p:sp>
         <p:nvSpPr>
-          <p:cNvPr id="14" name="모서리가 둥근 직사각형 13"/>
+          <p:cNvPr id="11" name="모서리가 둥근 직사각형 10"/>
           <p:cNvSpPr/>
           <p:nvPr/>
         </p:nvSpPr>
         <p:spPr>
           <a:xfrm>
-            <a:off x="498460" y="4647126"/>
-            <a:ext cx="2958466" cy="853619"/>
+            <a:off x="493159" y="5519526"/>
+            <a:ext cx="2927003" cy="844541"/>
           </a:xfrm>
           <a:prstGeom prst="roundRect">
             <a:avLst/>
@@ -3467,14 +3892,14 @@
           <a:p>
             <a:pPr algn="ctr"/>
             <a:r>
-              <a:rPr lang="ko-KR" altLang="en-US" sz="3600" b="1" dirty="0" smtClean="0">
+              <a:rPr lang="ko-KR" altLang="en-US" sz="3562" b="1" dirty="0">
                 <a:solidFill>
                   <a:schemeClr val="bg1"/>
                 </a:solidFill>
               </a:rPr>
               <a:t>요  약</a:t>
             </a:r>
-            <a:endParaRPr lang="ko-KR" altLang="en-US" sz="3600" b="1" dirty="0">
+            <a:endParaRPr lang="ko-KR" altLang="en-US" sz="3562" b="1" dirty="0">
               <a:solidFill>
                 <a:schemeClr val="bg1"/>
               </a:solidFill>
@@ -3484,14 +3909,14 @@
       </p:sp>
       <p:sp>
         <p:nvSpPr>
-          <p:cNvPr id="11" name="TextBox 10"/>
+          <p:cNvPr id="12" name="TextBox 11"/>
           <p:cNvSpPr txBox="1"/>
           <p:nvPr/>
         </p:nvSpPr>
         <p:spPr>
           <a:xfrm>
-            <a:off x="1158240" y="8776300"/>
-            <a:ext cx="19903440" cy="3539430"/>
+            <a:off x="1145922" y="9604786"/>
+            <a:ext cx="19691767" cy="3501788"/>
           </a:xfrm>
           <a:prstGeom prst="rect">
             <a:avLst/>
@@ -3505,94 +3930,90 @@
           <a:lstStyle/>
           <a:p>
             <a:r>
-              <a:rPr lang="ko-KR" altLang="en-US" sz="3200" dirty="0"/>
+              <a:rPr lang="ko-KR" altLang="en-US" sz="3166" dirty="0"/>
               <a:t>● </a:t>
             </a:r>
             <a:r>
-              <a:rPr lang="ko-KR" altLang="en-US" sz="3200" dirty="0" smtClean="0"/>
-              <a:t>암호 장비의 암호 알고리즘 등을 공격하는 것이 아닌 </a:t>
-            </a:r>
-            <a:r>
-              <a:rPr lang="ko-KR" altLang="en-US" sz="3200" dirty="0" smtClean="0"/>
-              <a:t>빛</a:t>
-            </a:r>
-            <a:r>
-              <a:rPr lang="en-US" altLang="ko-KR" sz="3200" dirty="0" smtClean="0"/>
+              <a:rPr lang="ko-KR" altLang="en-US" sz="3166" dirty="0"/>
+              <a:t>암호 장비의 암호 알고리즘 등을 공격하는 것이 아닌 빛</a:t>
+            </a:r>
+            <a:r>
+              <a:rPr lang="en-US" altLang="ko-KR" sz="3166" dirty="0"/>
               <a:t>, </a:t>
             </a:r>
             <a:r>
-              <a:rPr lang="ko-KR" altLang="en-US" sz="3200" dirty="0" smtClean="0"/>
+              <a:rPr lang="ko-KR" altLang="en-US" sz="3166" dirty="0"/>
               <a:t>소리 등의 </a:t>
             </a:r>
             <a:r>
-              <a:rPr lang="ko-KR" altLang="en-US" sz="3200" dirty="0" err="1" smtClean="0"/>
+              <a:rPr lang="ko-KR" altLang="en-US" sz="3166" dirty="0" err="1"/>
               <a:t>부가요소를</a:t>
             </a:r>
             <a:r>
-              <a:rPr lang="ko-KR" altLang="en-US" sz="3200" dirty="0" smtClean="0"/>
+              <a:rPr lang="ko-KR" altLang="en-US" sz="3166" dirty="0"/>
               <a:t> 공격하는 기법</a:t>
             </a:r>
-            <a:endParaRPr lang="en-US" altLang="ko-KR" sz="3200" dirty="0"/>
-          </a:p>
-          <a:p>
-            <a:endParaRPr lang="en-US" altLang="ko-KR" sz="3200" dirty="0" smtClean="0"/>
-          </a:p>
-          <a:p>
-            <a:r>
-              <a:rPr lang="ko-KR" altLang="en-US" sz="3200" dirty="0" smtClean="0"/>
+            <a:endParaRPr lang="en-US" altLang="ko-KR" sz="3166" dirty="0"/>
+          </a:p>
+          <a:p>
+            <a:endParaRPr lang="en-US" altLang="ko-KR" sz="3166" dirty="0"/>
+          </a:p>
+          <a:p>
+            <a:r>
+              <a:rPr lang="ko-KR" altLang="en-US" sz="3166" dirty="0"/>
               <a:t>● 단순 분석</a:t>
             </a:r>
             <a:r>
-              <a:rPr lang="en-US" altLang="ko-KR" sz="3200" dirty="0" smtClean="0"/>
+              <a:rPr lang="en-US" altLang="ko-KR" sz="3166" dirty="0"/>
               <a:t>: </a:t>
             </a:r>
             <a:r>
-              <a:rPr lang="ko-KR" altLang="en-US" sz="3200" dirty="0" smtClean="0"/>
+              <a:rPr lang="ko-KR" altLang="en-US" sz="3166" dirty="0"/>
               <a:t>통계적 수단 없이 전력 소모 패턴을 파악</a:t>
             </a:r>
-            <a:endParaRPr lang="en-US" altLang="ko-KR" sz="3200" dirty="0" smtClean="0"/>
-          </a:p>
-          <a:p>
-            <a:endParaRPr lang="en-US" altLang="ko-KR" sz="3200" dirty="0"/>
-          </a:p>
-          <a:p>
-            <a:r>
-              <a:rPr lang="ko-KR" altLang="en-US" sz="3200" dirty="0" smtClean="0"/>
+            <a:endParaRPr lang="en-US" altLang="ko-KR" sz="3166" dirty="0"/>
+          </a:p>
+          <a:p>
+            <a:endParaRPr lang="en-US" altLang="ko-KR" sz="3166" dirty="0"/>
+          </a:p>
+          <a:p>
+            <a:r>
+              <a:rPr lang="ko-KR" altLang="en-US" sz="3166" dirty="0"/>
               <a:t>● 차분 분석</a:t>
             </a:r>
             <a:r>
-              <a:rPr lang="en-US" altLang="ko-KR" sz="3200" dirty="0" smtClean="0"/>
+              <a:rPr lang="en-US" altLang="ko-KR" sz="3166" dirty="0"/>
               <a:t>: </a:t>
             </a:r>
             <a:r>
-              <a:rPr lang="ko-KR" altLang="en-US" sz="3200" dirty="0" smtClean="0"/>
+              <a:rPr lang="ko-KR" altLang="en-US" sz="3166" dirty="0"/>
               <a:t>통계적 수단</a:t>
             </a:r>
             <a:r>
-              <a:rPr lang="en-US" altLang="ko-KR" sz="3200" dirty="0" smtClean="0"/>
+              <a:rPr lang="en-US" altLang="ko-KR" sz="3166" dirty="0"/>
               <a:t>, </a:t>
             </a:r>
             <a:r>
-              <a:rPr lang="ko-KR" altLang="en-US" sz="3200" dirty="0" smtClean="0"/>
+              <a:rPr lang="ko-KR" altLang="en-US" sz="3166" dirty="0"/>
               <a:t>소모 모델과 실제 측정 값과 비교</a:t>
             </a:r>
-            <a:endParaRPr lang="en-US" altLang="ko-KR" sz="3200" dirty="0" smtClean="0"/>
-          </a:p>
-          <a:p>
-            <a:endParaRPr lang="en-US" altLang="ko-KR" sz="3200" dirty="0"/>
-          </a:p>
-          <a:p>
-            <a:r>
-              <a:rPr lang="ko-KR" altLang="en-US" sz="3200" dirty="0" smtClean="0"/>
+            <a:endParaRPr lang="en-US" altLang="ko-KR" sz="3166" dirty="0"/>
+          </a:p>
+          <a:p>
+            <a:endParaRPr lang="en-US" altLang="ko-KR" sz="3166" dirty="0"/>
+          </a:p>
+          <a:p>
+            <a:r>
+              <a:rPr lang="ko-KR" altLang="en-US" sz="3166" dirty="0"/>
               <a:t>● 전력 소모 등의 특성을 감추는 것으로 부채널 공격 방어 가능</a:t>
             </a:r>
-            <a:endParaRPr lang="en-US" altLang="ko-KR" sz="3200" dirty="0" smtClean="0"/>
-          </a:p>
-        </p:txBody>
-      </p:sp>
-      <p:sp>
-        <p:nvSpPr>
-          <p:cNvPr id="17" name="Rectangle 2"/>
+            <a:endParaRPr lang="en-US" altLang="ko-KR" sz="3166" dirty="0"/>
+          </a:p>
+        </p:txBody>
+      </p:sp>
+      <p:sp>
+        <p:nvSpPr>
+          <p:cNvPr id="13" name="Rectangle 2"/>
           <p:cNvSpPr>
             <a:spLocks noChangeArrowheads="1"/>
           </p:cNvSpPr>
@@ -3600,8 +4021,8 @@
         </p:nvSpPr>
         <p:spPr bwMode="auto">
           <a:xfrm>
-            <a:off x="0" y="0"/>
-            <a:ext cx="21383625" cy="457200"/>
+            <a:off x="0" y="576626"/>
+            <a:ext cx="182768" cy="1142730"/>
           </a:xfrm>
           <a:prstGeom prst="rect">
             <a:avLst/>
@@ -3641,7 +4062,7 @@
           </a:extLst>
         </p:spPr>
         <p:txBody>
-          <a:bodyPr vert="horz" wrap="none" lIns="91440" tIns="45720" rIns="91440" bIns="45720" numCol="1" anchor="ctr" anchorCtr="0" compatLnSpc="1">
+          <a:bodyPr vert="horz" wrap="none" lIns="90468" tIns="45234" rIns="90468" bIns="45234" numCol="1" anchor="ctr" anchorCtr="0" compatLnSpc="1">
             <a:prstTxWarp prst="textNoShape">
               <a:avLst/>
             </a:prstTxWarp>
@@ -3649,13 +4070,13 @@
           </a:bodyPr>
           <a:lstStyle/>
           <a:p>
-            <a:endParaRPr lang="ko-KR" altLang="en-US"/>
-          </a:p>
-        </p:txBody>
-      </p:sp>
-      <p:sp>
-        <p:nvSpPr>
-          <p:cNvPr id="18" name="Rectangle 4"/>
+            <a:endParaRPr lang="ko-KR" altLang="en-US" sz="6832"/>
+          </a:p>
+        </p:txBody>
+      </p:sp>
+      <p:sp>
+        <p:nvSpPr>
+          <p:cNvPr id="14" name="Rectangle 4"/>
           <p:cNvSpPr>
             <a:spLocks noChangeArrowheads="1"/>
           </p:cNvSpPr>
@@ -3663,8 +4084,8 @@
         </p:nvSpPr>
         <p:spPr bwMode="auto">
           <a:xfrm>
-            <a:off x="0" y="0"/>
-            <a:ext cx="21383625" cy="457200"/>
+            <a:off x="0" y="576626"/>
+            <a:ext cx="182768" cy="1142730"/>
           </a:xfrm>
           <a:prstGeom prst="rect">
             <a:avLst/>
@@ -3704,7 +4125,7 @@
           </a:extLst>
         </p:spPr>
         <p:txBody>
-          <a:bodyPr vert="horz" wrap="none" lIns="91440" tIns="45720" rIns="91440" bIns="45720" numCol="1" anchor="ctr" anchorCtr="0" compatLnSpc="1">
+          <a:bodyPr vert="horz" wrap="none" lIns="90468" tIns="45234" rIns="90468" bIns="45234" numCol="1" anchor="ctr" anchorCtr="0" compatLnSpc="1">
             <a:prstTxWarp prst="textNoShape">
               <a:avLst/>
             </a:prstTxWarp>
@@ -3712,13 +4133,13 @@
           </a:bodyPr>
           <a:lstStyle/>
           <a:p>
-            <a:endParaRPr lang="ko-KR" altLang="en-US"/>
-          </a:p>
-        </p:txBody>
-      </p:sp>
-      <p:sp>
-        <p:nvSpPr>
-          <p:cNvPr id="19" name="Rectangle 6"/>
+            <a:endParaRPr lang="ko-KR" altLang="en-US" sz="6832"/>
+          </a:p>
+        </p:txBody>
+      </p:sp>
+      <p:sp>
+        <p:nvSpPr>
+          <p:cNvPr id="15" name="Rectangle 6"/>
           <p:cNvSpPr>
             <a:spLocks noChangeArrowheads="1"/>
           </p:cNvSpPr>
@@ -3726,8 +4147,8 @@
         </p:nvSpPr>
         <p:spPr bwMode="auto">
           <a:xfrm>
-            <a:off x="0" y="0"/>
-            <a:ext cx="21383625" cy="457200"/>
+            <a:off x="0" y="576626"/>
+            <a:ext cx="182768" cy="1142730"/>
           </a:xfrm>
           <a:prstGeom prst="rect">
             <a:avLst/>
@@ -3767,7 +4188,7 @@
           </a:extLst>
         </p:spPr>
         <p:txBody>
-          <a:bodyPr vert="horz" wrap="none" lIns="91440" tIns="45720" rIns="91440" bIns="45720" numCol="1" anchor="ctr" anchorCtr="0" compatLnSpc="1">
+          <a:bodyPr vert="horz" wrap="none" lIns="90468" tIns="45234" rIns="90468" bIns="45234" numCol="1" anchor="ctr" anchorCtr="0" compatLnSpc="1">
             <a:prstTxWarp prst="textNoShape">
               <a:avLst/>
             </a:prstTxWarp>
@@ -3775,20 +4196,545 @@
           </a:bodyPr>
           <a:lstStyle/>
           <a:p>
-            <a:endParaRPr lang="ko-KR" altLang="en-US"/>
-          </a:p>
-        </p:txBody>
-      </p:sp>
-      <p:sp>
-        <p:nvSpPr>
-          <p:cNvPr id="26" name="모서리가 둥근 직사각형 25"/>
+            <a:endParaRPr lang="ko-KR" altLang="en-US" sz="6832"/>
+          </a:p>
+        </p:txBody>
+      </p:sp>
+      <p:sp>
+        <p:nvSpPr>
+          <p:cNvPr id="16" name="모서리가 둥근 직사각형 15"/>
           <p:cNvSpPr/>
           <p:nvPr/>
         </p:nvSpPr>
         <p:spPr>
           <a:xfrm>
-            <a:off x="485774" y="19967181"/>
-            <a:ext cx="20431125" cy="4813060"/>
+            <a:off x="480608" y="18917844"/>
+            <a:ext cx="29260595" cy="17368352"/>
+          </a:xfrm>
+          <a:prstGeom prst="roundRect">
+            <a:avLst>
+              <a:gd name="adj" fmla="val 1650"/>
+            </a:avLst>
+          </a:prstGeom>
+          <a:solidFill>
+            <a:srgbClr val="B6D2EC"/>
+          </a:solidFill>
+          <a:ln>
+            <a:noFill/>
+          </a:ln>
+        </p:spPr>
+        <p:style>
+          <a:lnRef idx="2">
+            <a:schemeClr val="accent1">
+              <a:shade val="50000"/>
+            </a:schemeClr>
+          </a:lnRef>
+          <a:fillRef idx="1">
+            <a:schemeClr val="accent1"/>
+          </a:fillRef>
+          <a:effectRef idx="0">
+            <a:schemeClr val="accent1"/>
+          </a:effectRef>
+          <a:fontRef idx="minor">
+            <a:schemeClr val="lt1"/>
+          </a:fontRef>
+        </p:style>
+        <p:txBody>
+          <a:bodyPr rtlCol="0" anchor="ctr"/>
+          <a:lstStyle/>
+          <a:p>
+            <a:pPr algn="ctr"/>
+            <a:endParaRPr lang="ko-KR" altLang="en-US" sz="7915" b="1">
+              <a:solidFill>
+                <a:schemeClr val="tx1"/>
+              </a:solidFill>
+            </a:endParaRPr>
+          </a:p>
+        </p:txBody>
+      </p:sp>
+      <p:sp>
+        <p:nvSpPr>
+          <p:cNvPr id="17" name="모서리가 둥근 직사각형 16"/>
+          <p:cNvSpPr/>
+          <p:nvPr/>
+        </p:nvSpPr>
+        <p:spPr>
+          <a:xfrm>
+            <a:off x="480607" y="18902505"/>
+            <a:ext cx="2939554" cy="844541"/>
+          </a:xfrm>
+          <a:prstGeom prst="roundRect">
+            <a:avLst/>
+          </a:prstGeom>
+          <a:solidFill>
+            <a:srgbClr val="1B4367"/>
+          </a:solidFill>
+          <a:ln>
+            <a:noFill/>
+          </a:ln>
+        </p:spPr>
+        <p:style>
+          <a:lnRef idx="2">
+            <a:schemeClr val="accent1">
+              <a:shade val="50000"/>
+            </a:schemeClr>
+          </a:lnRef>
+          <a:fillRef idx="1">
+            <a:schemeClr val="accent1"/>
+          </a:fillRef>
+          <a:effectRef idx="0">
+            <a:schemeClr val="accent1"/>
+          </a:effectRef>
+          <a:fontRef idx="minor">
+            <a:schemeClr val="lt1"/>
+          </a:fontRef>
+        </p:style>
+        <p:txBody>
+          <a:bodyPr rtlCol="0" anchor="ctr"/>
+          <a:lstStyle/>
+          <a:p>
+            <a:pPr algn="ctr"/>
+            <a:r>
+              <a:rPr lang="ko-KR" altLang="en-US" sz="3562" b="1">
+                <a:solidFill>
+                  <a:schemeClr val="bg1"/>
+                </a:solidFill>
+              </a:rPr>
+              <a:t>커플링</a:t>
+            </a:r>
+            <a:r>
+              <a:rPr lang="ko-KR" altLang="en-US" sz="3562" b="1" dirty="0">
+                <a:solidFill>
+                  <a:schemeClr val="bg1"/>
+                </a:solidFill>
+              </a:rPr>
+              <a:t> 현상</a:t>
+            </a:r>
+            <a:endParaRPr lang="ko-KR" altLang="en-US" sz="3562" b="1" dirty="0">
+              <a:solidFill>
+                <a:schemeClr val="bg1"/>
+              </a:solidFill>
+            </a:endParaRPr>
+          </a:p>
+        </p:txBody>
+      </p:sp>
+      <p:sp>
+        <p:nvSpPr>
+          <p:cNvPr id="18" name="TextBox 17"/>
+          <p:cNvSpPr txBox="1"/>
+          <p:nvPr/>
+        </p:nvSpPr>
+        <p:spPr>
+          <a:xfrm>
+            <a:off x="1145922" y="19915038"/>
+            <a:ext cx="18395066" cy="3988994"/>
+          </a:xfrm>
+          <a:prstGeom prst="rect">
+            <a:avLst/>
+          </a:prstGeom>
+          <a:noFill/>
+        </p:spPr>
+        <p:txBody>
+          <a:bodyPr wrap="square" rtlCol="0">
+            <a:spAutoFit/>
+          </a:bodyPr>
+          <a:lstStyle/>
+          <a:p>
+            <a:r>
+              <a:rPr lang="ko-KR" altLang="en-US" sz="3166" dirty="0"/>
+              <a:t>●</a:t>
+            </a:r>
+            <a:r>
+              <a:rPr lang="en-US" altLang="ko-KR" sz="3166" dirty="0"/>
+              <a:t> </a:t>
+            </a:r>
+            <a:r>
+              <a:rPr lang="ko-KR" altLang="en-US" sz="3166" dirty="0"/>
+              <a:t>마스크 값이 소실되는 현상으로 </a:t>
+            </a:r>
+            <a:r>
+              <a:rPr lang="ko-KR" altLang="en-US" sz="3166" dirty="0" err="1"/>
+              <a:t>커플링</a:t>
+            </a:r>
+            <a:r>
+              <a:rPr lang="ko-KR" altLang="en-US" sz="3166" dirty="0"/>
+              <a:t> 발생시 부채널 공격에 무방비 상태가 됨</a:t>
+            </a:r>
+            <a:endParaRPr lang="en-US" altLang="ko-KR" sz="3166" dirty="0"/>
+          </a:p>
+          <a:p>
+            <a:endParaRPr lang="en-US" altLang="ko-KR" sz="3166" dirty="0"/>
+          </a:p>
+          <a:p>
+            <a:r>
+              <a:rPr lang="ko-KR" altLang="en-US" sz="3166" dirty="0"/>
+              <a:t>● </a:t>
+            </a:r>
+            <a:r>
+              <a:rPr lang="en-US" altLang="ko-KR" sz="3166" dirty="0"/>
+              <a:t>Overwrite: </a:t>
+            </a:r>
+            <a:r>
+              <a:rPr lang="ko-KR" altLang="en-US" sz="3166" dirty="0"/>
+              <a:t>동일한 저장 공간에 데이터를 덮어 쓸 경우</a:t>
+            </a:r>
+            <a:endParaRPr lang="en-US" altLang="ko-KR" sz="3166" dirty="0"/>
+          </a:p>
+          <a:p>
+            <a:endParaRPr lang="en-US" altLang="ko-KR" sz="3166" dirty="0"/>
+          </a:p>
+          <a:p>
+            <a:r>
+              <a:rPr lang="ko-KR" altLang="en-US" sz="3166" dirty="0"/>
+              <a:t>● </a:t>
+            </a:r>
+            <a:r>
+              <a:rPr lang="en-US" altLang="ko-KR" sz="3166" dirty="0"/>
+              <a:t>Memory Remnant: </a:t>
+            </a:r>
+            <a:r>
+              <a:rPr lang="ko-KR" altLang="en-US" sz="3166" dirty="0"/>
+              <a:t>메모리 상의 값을 불러올 때 이전 값의 잔여 데이터로 </a:t>
+            </a:r>
+            <a:r>
+              <a:rPr lang="ko-KR" altLang="en-US" sz="3166" dirty="0" smtClean="0"/>
+              <a:t>인하여 발생</a:t>
+            </a:r>
+            <a:endParaRPr lang="en-US" altLang="ko-KR" sz="3166" dirty="0"/>
+          </a:p>
+          <a:p>
+            <a:endParaRPr lang="en-US" altLang="ko-KR" sz="3166" dirty="0"/>
+          </a:p>
+          <a:p>
+            <a:r>
+              <a:rPr lang="ko-KR" altLang="en-US" sz="3166" dirty="0"/>
+              <a:t>● </a:t>
+            </a:r>
+            <a:r>
+              <a:rPr lang="en-US" altLang="ko-KR" sz="3166" dirty="0" err="1"/>
+              <a:t>Neighbour</a:t>
+            </a:r>
+            <a:r>
+              <a:rPr lang="en-US" altLang="ko-KR" sz="3166" dirty="0"/>
+              <a:t> Leakage: </a:t>
+            </a:r>
+            <a:r>
+              <a:rPr lang="ko-KR" altLang="en-US" sz="3166" dirty="0"/>
+              <a:t>인접한 저장 공간에 데이터를 저장 할 경우</a:t>
+            </a:r>
+            <a:endParaRPr lang="en-US" altLang="ko-KR" sz="3166" dirty="0"/>
+          </a:p>
+          <a:p>
+            <a:endParaRPr lang="en-US" altLang="ko-KR" sz="3166" dirty="0"/>
+          </a:p>
+        </p:txBody>
+      </p:sp>
+      <p:sp>
+        <p:nvSpPr>
+          <p:cNvPr id="19" name="모서리가 둥근 직사각형 18"/>
+          <p:cNvSpPr/>
+          <p:nvPr/>
+        </p:nvSpPr>
+        <p:spPr>
+          <a:xfrm>
+            <a:off x="480607" y="14622145"/>
+            <a:ext cx="2939554" cy="844541"/>
+          </a:xfrm>
+          <a:prstGeom prst="roundRect">
+            <a:avLst/>
+          </a:prstGeom>
+          <a:solidFill>
+            <a:srgbClr val="1B4367"/>
+          </a:solidFill>
+          <a:ln>
+            <a:noFill/>
+          </a:ln>
+        </p:spPr>
+        <p:style>
+          <a:lnRef idx="2">
+            <a:schemeClr val="accent1">
+              <a:shade val="50000"/>
+            </a:schemeClr>
+          </a:lnRef>
+          <a:fillRef idx="1">
+            <a:schemeClr val="accent1"/>
+          </a:fillRef>
+          <a:effectRef idx="0">
+            <a:schemeClr val="accent1"/>
+          </a:effectRef>
+          <a:fontRef idx="minor">
+            <a:schemeClr val="lt1"/>
+          </a:fontRef>
+        </p:style>
+        <p:txBody>
+          <a:bodyPr rtlCol="0" anchor="ctr"/>
+          <a:lstStyle/>
+          <a:p>
+            <a:pPr algn="ctr"/>
+            <a:r>
+              <a:rPr lang="ko-KR" altLang="en-US" sz="3562" b="1" dirty="0" err="1">
+                <a:solidFill>
+                  <a:schemeClr val="bg1"/>
+                </a:solidFill>
+              </a:rPr>
+              <a:t>마스킹</a:t>
+            </a:r>
+            <a:r>
+              <a:rPr lang="ko-KR" altLang="en-US" sz="3562" b="1" dirty="0">
+                <a:solidFill>
+                  <a:schemeClr val="bg1"/>
+                </a:solidFill>
+              </a:rPr>
+              <a:t> 기법</a:t>
+            </a:r>
+            <a:endParaRPr lang="ko-KR" altLang="en-US" sz="3562" b="1" dirty="0">
+              <a:solidFill>
+                <a:schemeClr val="bg1"/>
+              </a:solidFill>
+            </a:endParaRPr>
+          </a:p>
+        </p:txBody>
+      </p:sp>
+      <p:sp>
+        <p:nvSpPr>
+          <p:cNvPr id="20" name="TextBox 19"/>
+          <p:cNvSpPr txBox="1"/>
+          <p:nvPr/>
+        </p:nvSpPr>
+        <p:spPr>
+          <a:xfrm>
+            <a:off x="1145922" y="15636835"/>
+            <a:ext cx="10501773" cy="1552967"/>
+          </a:xfrm>
+          <a:prstGeom prst="rect">
+            <a:avLst/>
+          </a:prstGeom>
+          <a:noFill/>
+        </p:spPr>
+        <p:txBody>
+          <a:bodyPr wrap="square" rtlCol="0">
+            <a:spAutoFit/>
+          </a:bodyPr>
+          <a:lstStyle/>
+          <a:p>
+            <a:r>
+              <a:rPr lang="ko-KR" altLang="en-US" sz="3166" dirty="0"/>
+              <a:t>● 원본 값에 마스크 값을 씌워 전력 분석을 방해하는 기법</a:t>
+            </a:r>
+            <a:endParaRPr lang="en-US" altLang="ko-KR" sz="3166" dirty="0"/>
+          </a:p>
+          <a:p>
+            <a:endParaRPr lang="en-US" altLang="ko-KR" sz="3166" dirty="0"/>
+          </a:p>
+          <a:p>
+            <a:r>
+              <a:rPr lang="ko-KR" altLang="en-US" sz="3166" dirty="0"/>
+              <a:t>● 연산자에 따라 </a:t>
+            </a:r>
+            <a:r>
+              <a:rPr lang="ko-KR" altLang="en-US" sz="3166" dirty="0" err="1"/>
+              <a:t>부울</a:t>
+            </a:r>
+            <a:r>
+              <a:rPr lang="en-US" altLang="ko-KR" sz="3166" dirty="0"/>
+              <a:t>, </a:t>
+            </a:r>
+            <a:r>
+              <a:rPr lang="ko-KR" altLang="en-US" sz="3166" dirty="0"/>
+              <a:t>산술 </a:t>
+            </a:r>
+            <a:r>
+              <a:rPr lang="ko-KR" altLang="en-US" sz="3166" dirty="0" err="1"/>
+              <a:t>마스킹</a:t>
+            </a:r>
+            <a:r>
+              <a:rPr lang="ko-KR" altLang="en-US" sz="3166" dirty="0"/>
+              <a:t> 기법으로 분류</a:t>
+            </a:r>
+            <a:endParaRPr lang="en-US" altLang="ko-KR" sz="3166" dirty="0"/>
+          </a:p>
+        </p:txBody>
+      </p:sp>
+      <p:pic>
+        <p:nvPicPr>
+          <p:cNvPr id="21" name="그림 20"/>
+          <p:cNvPicPr>
+            <a:picLocks noChangeAspect="1"/>
+          </p:cNvPicPr>
+          <p:nvPr/>
+        </p:nvPicPr>
+        <p:blipFill>
+          <a:blip r:embed="rId3">
+            <a:extLst>
+              <a:ext uri="{28A0092B-C50C-407E-A947-70E740481C1C}">
+                <a14:useLocalDpi xmlns:a14="http://schemas.microsoft.com/office/drawing/2010/main" val="0"/>
+              </a:ext>
+            </a:extLst>
+          </a:blip>
+          <a:stretch>
+            <a:fillRect/>
+          </a:stretch>
+        </p:blipFill>
+        <p:spPr>
+          <a:xfrm>
+            <a:off x="21490453" y="9002805"/>
+            <a:ext cx="7434060" cy="4237263"/>
+          </a:xfrm>
+          <a:prstGeom prst="rect">
+            <a:avLst/>
+          </a:prstGeom>
+        </p:spPr>
+      </p:pic>
+      <p:sp>
+        <p:nvSpPr>
+          <p:cNvPr id="22" name="TextBox 21"/>
+          <p:cNvSpPr txBox="1"/>
+          <p:nvPr/>
+        </p:nvSpPr>
+        <p:spPr>
+          <a:xfrm>
+            <a:off x="21788066" y="13542600"/>
+            <a:ext cx="6838831" cy="578556"/>
+          </a:xfrm>
+          <a:prstGeom prst="rect">
+            <a:avLst/>
+          </a:prstGeom>
+          <a:noFill/>
+        </p:spPr>
+        <p:txBody>
+          <a:bodyPr wrap="square" rtlCol="0">
+            <a:spAutoFit/>
+          </a:bodyPr>
+          <a:lstStyle/>
+          <a:p>
+            <a:pPr algn="ctr"/>
+            <a:r>
+              <a:rPr lang="en-US" altLang="ko-KR" sz="3166" dirty="0"/>
+              <a:t>Fig 1. </a:t>
+            </a:r>
+            <a:r>
+              <a:rPr lang="ko-KR" altLang="en-US" sz="3166" dirty="0"/>
+              <a:t>부채널 공격 비유</a:t>
+            </a:r>
+            <a:endParaRPr lang="ko-KR" altLang="en-US" sz="3166" dirty="0"/>
+          </a:p>
+        </p:txBody>
+      </p:sp>
+      <p:pic>
+        <p:nvPicPr>
+          <p:cNvPr id="23" name="그림 22"/>
+          <p:cNvPicPr>
+            <a:picLocks noChangeAspect="1"/>
+          </p:cNvPicPr>
+          <p:nvPr/>
+        </p:nvPicPr>
+        <p:blipFill>
+          <a:blip r:embed="rId4">
+            <a:extLst>
+              <a:ext uri="{28A0092B-C50C-407E-A947-70E740481C1C}">
+                <a14:useLocalDpi xmlns:a14="http://schemas.microsoft.com/office/drawing/2010/main" val="0"/>
+              </a:ext>
+            </a:extLst>
+          </a:blip>
+          <a:stretch>
+            <a:fillRect/>
+          </a:stretch>
+        </p:blipFill>
+        <p:spPr>
+          <a:xfrm>
+            <a:off x="21639259" y="14924676"/>
+            <a:ext cx="7136445" cy="2534090"/>
+          </a:xfrm>
+          <a:prstGeom prst="rect">
+            <a:avLst/>
+          </a:prstGeom>
+        </p:spPr>
+      </p:pic>
+      <p:sp>
+        <p:nvSpPr>
+          <p:cNvPr id="24" name="TextBox 23"/>
+          <p:cNvSpPr txBox="1"/>
+          <p:nvPr/>
+        </p:nvSpPr>
+        <p:spPr>
+          <a:xfrm>
+            <a:off x="21648136" y="17775924"/>
+            <a:ext cx="7118689" cy="578556"/>
+          </a:xfrm>
+          <a:prstGeom prst="rect">
+            <a:avLst/>
+          </a:prstGeom>
+          <a:noFill/>
+        </p:spPr>
+        <p:txBody>
+          <a:bodyPr wrap="square" rtlCol="0">
+            <a:spAutoFit/>
+          </a:bodyPr>
+          <a:lstStyle/>
+          <a:p>
+            <a:pPr algn="ctr"/>
+            <a:r>
+              <a:rPr lang="en-US" altLang="ko-KR" sz="3166" dirty="0"/>
+              <a:t>Fig 2. </a:t>
+            </a:r>
+            <a:r>
+              <a:rPr lang="ko-KR" altLang="en-US" sz="3166" dirty="0"/>
+              <a:t>상</a:t>
+            </a:r>
+            <a:r>
+              <a:rPr lang="en-US" altLang="ko-KR" sz="3166" dirty="0"/>
+              <a:t>) </a:t>
+            </a:r>
+            <a:r>
+              <a:rPr lang="ko-KR" altLang="en-US" sz="3166" dirty="0" err="1"/>
+              <a:t>부울</a:t>
+            </a:r>
+            <a:r>
+              <a:rPr lang="ko-KR" altLang="en-US" sz="3166" dirty="0"/>
+              <a:t> </a:t>
+            </a:r>
+            <a:r>
+              <a:rPr lang="ko-KR" altLang="en-US" sz="3166" dirty="0" err="1"/>
+              <a:t>마스킹</a:t>
+            </a:r>
+            <a:r>
+              <a:rPr lang="ko-KR" altLang="en-US" sz="3166" dirty="0"/>
+              <a:t> </a:t>
+            </a:r>
+            <a:r>
+              <a:rPr lang="en-US" altLang="ko-KR" sz="3166" dirty="0"/>
+              <a:t>/ </a:t>
+            </a:r>
+            <a:r>
+              <a:rPr lang="ko-KR" altLang="en-US" sz="3166" dirty="0"/>
+              <a:t>하</a:t>
+            </a:r>
+            <a:r>
+              <a:rPr lang="en-US" altLang="ko-KR" sz="3166" dirty="0"/>
+              <a:t>) </a:t>
+            </a:r>
+            <a:r>
+              <a:rPr lang="ko-KR" altLang="en-US" sz="3166" dirty="0"/>
+              <a:t>산술 </a:t>
+            </a:r>
+            <a:r>
+              <a:rPr lang="ko-KR" altLang="en-US" sz="3166" dirty="0" err="1"/>
+              <a:t>마스킹</a:t>
+            </a:r>
+            <a:endParaRPr lang="ko-KR" altLang="en-US" sz="3166" dirty="0"/>
+          </a:p>
+        </p:txBody>
+      </p:sp>
+      <p:sp>
+        <p:nvSpPr>
+          <p:cNvPr id="25" name="모서리가 둥근 직사각형 24"/>
+          <p:cNvSpPr/>
+          <p:nvPr/>
+        </p:nvSpPr>
+        <p:spPr>
+          <a:xfrm>
+            <a:off x="493159" y="36564428"/>
+            <a:ext cx="29248044" cy="4761873"/>
           </a:xfrm>
           <a:prstGeom prst="roundRect">
             <a:avLst>
@@ -3823,7 +4769,7 @@
           <a:lstStyle/>
           <a:p>
             <a:pPr algn="ctr"/>
-            <a:endParaRPr lang="ko-KR" altLang="en-US" sz="8000" b="1">
+            <a:endParaRPr lang="ko-KR" altLang="en-US" sz="7915" b="1">
               <a:solidFill>
                 <a:schemeClr val="tx1"/>
               </a:solidFill>
@@ -3833,14 +4779,14 @@
       </p:sp>
       <p:sp>
         <p:nvSpPr>
-          <p:cNvPr id="27" name="모서리가 둥근 직사각형 26"/>
+          <p:cNvPr id="26" name="모서리가 둥근 직사각형 25"/>
           <p:cNvSpPr/>
           <p:nvPr/>
         </p:nvSpPr>
         <p:spPr>
           <a:xfrm>
-            <a:off x="485774" y="19951676"/>
-            <a:ext cx="2971152" cy="853619"/>
+            <a:off x="493159" y="36549088"/>
+            <a:ext cx="2939554" cy="844541"/>
           </a:xfrm>
           <a:prstGeom prst="roundRect">
             <a:avLst/>
@@ -3874,22 +4820,14 @@
           <a:p>
             <a:pPr algn="ctr"/>
             <a:r>
-              <a:rPr lang="ko-KR" altLang="en-US" sz="3600" b="1" smtClean="0">
+              <a:rPr lang="ko-KR" altLang="en-US" sz="3562" b="1">
                 <a:solidFill>
                   <a:schemeClr val="bg1"/>
                 </a:solidFill>
               </a:rPr>
-              <a:t>커플링</a:t>
-            </a:r>
-            <a:r>
-              <a:rPr lang="ko-KR" altLang="en-US" sz="3600" b="1" dirty="0" smtClean="0">
-                <a:solidFill>
-                  <a:schemeClr val="bg1"/>
-                </a:solidFill>
-              </a:rPr>
-              <a:t> 현상</a:t>
-            </a:r>
-            <a:endParaRPr lang="ko-KR" altLang="en-US" sz="3600" b="1" dirty="0">
+              <a:t>결 론</a:t>
+            </a:r>
+            <a:endParaRPr lang="ko-KR" altLang="en-US" sz="3562" b="1" dirty="0">
               <a:solidFill>
                 <a:schemeClr val="bg1"/>
               </a:solidFill>
@@ -3899,14 +4837,14 @@
       </p:sp>
       <p:sp>
         <p:nvSpPr>
-          <p:cNvPr id="28" name="TextBox 27"/>
+          <p:cNvPr id="27" name="TextBox 26"/>
           <p:cNvSpPr txBox="1"/>
           <p:nvPr/>
         </p:nvSpPr>
         <p:spPr>
           <a:xfrm>
-            <a:off x="1158240" y="20975093"/>
-            <a:ext cx="18592800" cy="4031873"/>
+            <a:off x="1158473" y="37561621"/>
+            <a:ext cx="18395066" cy="3501788"/>
           </a:xfrm>
           <a:prstGeom prst="rect">
             <a:avLst/>
@@ -3920,166 +4858,93 @@
           <a:lstStyle/>
           <a:p>
             <a:r>
-              <a:rPr lang="ko-KR" altLang="en-US" sz="3200" dirty="0" smtClean="0"/>
+              <a:rPr lang="ko-KR" altLang="en-US" sz="3166" dirty="0"/>
               <a:t>●</a:t>
             </a:r>
             <a:r>
-              <a:rPr lang="en-US" altLang="ko-KR" sz="3200" dirty="0"/>
+              <a:rPr lang="en-US" altLang="ko-KR" sz="3166" dirty="0"/>
               <a:t> </a:t>
             </a:r>
             <a:r>
-              <a:rPr lang="ko-KR" altLang="en-US" sz="3200" dirty="0" smtClean="0"/>
-              <a:t>마스크 값이 소실되는 현상으로 </a:t>
-            </a:r>
-            <a:r>
-              <a:rPr lang="ko-KR" altLang="en-US" sz="3200" dirty="0" err="1" smtClean="0"/>
+              <a:rPr lang="ko-KR" altLang="en-US" sz="3166" dirty="0"/>
+              <a:t>부채널 공격은 암호 알고리즘을 공격하지 않고 장비의 부채널 정보를 파악하여 공격하는 기법</a:t>
+            </a:r>
+            <a:endParaRPr lang="en-US" altLang="ko-KR" sz="3166" dirty="0"/>
+          </a:p>
+          <a:p>
+            <a:endParaRPr lang="en-US" altLang="ko-KR" sz="3166" dirty="0"/>
+          </a:p>
+          <a:p>
+            <a:r>
+              <a:rPr lang="ko-KR" altLang="en-US" sz="3166" dirty="0"/>
+              <a:t>● 마스킹 기법은 부채널</a:t>
+            </a:r>
+            <a:r>
+              <a:rPr lang="en-US" altLang="ko-KR" sz="3166" dirty="0"/>
+              <a:t> </a:t>
+            </a:r>
+            <a:r>
+              <a:rPr lang="ko-KR" altLang="en-US" sz="3166" dirty="0"/>
+              <a:t>분석을 어렵게 만들어서 공격을 방어하는데 유효함</a:t>
+            </a:r>
+            <a:endParaRPr lang="en-US" altLang="ko-KR" sz="3166" dirty="0"/>
+          </a:p>
+          <a:p>
+            <a:endParaRPr lang="en-US" altLang="ko-KR" sz="3166" dirty="0"/>
+          </a:p>
+          <a:p>
+            <a:r>
+              <a:rPr lang="ko-KR" altLang="en-US" sz="3166" dirty="0"/>
+              <a:t>● </a:t>
+            </a:r>
+            <a:r>
+              <a:rPr lang="ko-KR" altLang="en-US" sz="3166" dirty="0" err="1"/>
               <a:t>커플링</a:t>
             </a:r>
             <a:r>
-              <a:rPr lang="ko-KR" altLang="en-US" sz="3200" dirty="0" smtClean="0"/>
-              <a:t> 발생시 부채널 공격에 무방비 상태가 됨</a:t>
-            </a:r>
-            <a:endParaRPr lang="en-US" altLang="ko-KR" sz="3200" dirty="0" smtClean="0"/>
-          </a:p>
-          <a:p>
-            <a:endParaRPr lang="en-US" altLang="ko-KR" sz="3200" dirty="0"/>
-          </a:p>
-          <a:p>
-            <a:r>
-              <a:rPr lang="ko-KR" altLang="en-US" sz="3200" dirty="0" smtClean="0"/>
+              <a:rPr lang="ko-KR" altLang="en-US" sz="3166" dirty="0"/>
+              <a:t> 현상으로 인하여 마스크가 소실되면 부채널 공격에 다시 </a:t>
+            </a:r>
+            <a:r>
+              <a:rPr lang="ko-KR" altLang="en-US" sz="3166" dirty="0" err="1"/>
+              <a:t>취약해짐</a:t>
+            </a:r>
+            <a:endParaRPr lang="en-US" altLang="ko-KR" sz="3166" dirty="0"/>
+          </a:p>
+          <a:p>
+            <a:endParaRPr lang="en-US" altLang="ko-KR" sz="3166" dirty="0"/>
+          </a:p>
+          <a:p>
+            <a:r>
+              <a:rPr lang="ko-KR" altLang="en-US" sz="3166" dirty="0"/>
               <a:t>● </a:t>
             </a:r>
             <a:r>
-              <a:rPr lang="en-US" altLang="ko-KR" sz="3200" dirty="0" smtClean="0"/>
-              <a:t>Overwrite: </a:t>
-            </a:r>
-            <a:r>
-              <a:rPr lang="ko-KR" altLang="en-US" sz="3200" dirty="0" smtClean="0"/>
-              <a:t>동일한 저장 공간에 데이터를 덮어 쓸 경우</a:t>
-            </a:r>
-            <a:endParaRPr lang="en-US" altLang="ko-KR" sz="3200" dirty="0" smtClean="0"/>
-          </a:p>
-          <a:p>
-            <a:endParaRPr lang="en-US" altLang="ko-KR" sz="3200" dirty="0"/>
-          </a:p>
-          <a:p>
-            <a:r>
-              <a:rPr lang="ko-KR" altLang="en-US" sz="3200" dirty="0" smtClean="0"/>
-              <a:t>● </a:t>
-            </a:r>
-            <a:r>
-              <a:rPr lang="en-US" altLang="ko-KR" sz="3200" dirty="0" smtClean="0"/>
-              <a:t>Memory Remnant: </a:t>
-            </a:r>
-            <a:r>
-              <a:rPr lang="ko-KR" altLang="en-US" sz="3200" dirty="0" smtClean="0"/>
-              <a:t>메모리 상의 값을 불러올 때 이전 값의 잔여 데이터로 인하여</a:t>
-            </a:r>
-            <a:endParaRPr lang="en-US" altLang="ko-KR" sz="3200" dirty="0" smtClean="0"/>
-          </a:p>
-          <a:p>
-            <a:endParaRPr lang="en-US" altLang="ko-KR" sz="3200" dirty="0"/>
-          </a:p>
-          <a:p>
-            <a:r>
-              <a:rPr lang="ko-KR" altLang="en-US" sz="3200" dirty="0" smtClean="0"/>
-              <a:t>● </a:t>
-            </a:r>
-            <a:r>
-              <a:rPr lang="en-US" altLang="ko-KR" sz="3200" dirty="0" err="1" smtClean="0"/>
-              <a:t>Neighbour</a:t>
-            </a:r>
-            <a:r>
-              <a:rPr lang="en-US" altLang="ko-KR" sz="3200" dirty="0" smtClean="0"/>
-              <a:t> Leakage: </a:t>
-            </a:r>
-            <a:r>
-              <a:rPr lang="ko-KR" altLang="en-US" sz="3200" dirty="0" smtClean="0"/>
-              <a:t>인접한 저장 공간에 데이터를 저장 할 경우</a:t>
-            </a:r>
-            <a:endParaRPr lang="en-US" altLang="ko-KR" sz="3200" dirty="0" smtClean="0"/>
-          </a:p>
-          <a:p>
-            <a:endParaRPr lang="en-US" altLang="ko-KR" sz="3200" dirty="0"/>
-          </a:p>
-        </p:txBody>
-      </p:sp>
-      <p:sp>
-        <p:nvSpPr>
-          <p:cNvPr id="34" name="모서리가 둥근 직사각형 33"/>
-          <p:cNvSpPr/>
-          <p:nvPr/>
-        </p:nvSpPr>
-        <p:spPr>
-          <a:xfrm>
-            <a:off x="485774" y="14799056"/>
-            <a:ext cx="2971152" cy="853619"/>
-          </a:xfrm>
-          <a:prstGeom prst="roundRect">
-            <a:avLst/>
-          </a:prstGeom>
-          <a:solidFill>
-            <a:srgbClr val="1B4367"/>
-          </a:solidFill>
-          <a:ln>
-            <a:noFill/>
-          </a:ln>
-        </p:spPr>
-        <p:style>
-          <a:lnRef idx="2">
-            <a:schemeClr val="accent1">
-              <a:shade val="50000"/>
-            </a:schemeClr>
-          </a:lnRef>
-          <a:fillRef idx="1">
-            <a:schemeClr val="accent1"/>
-          </a:fillRef>
-          <a:effectRef idx="0">
-            <a:schemeClr val="accent1"/>
-          </a:effectRef>
-          <a:fontRef idx="minor">
-            <a:schemeClr val="lt1"/>
-          </a:fontRef>
-        </p:style>
-        <p:txBody>
-          <a:bodyPr rtlCol="0" anchor="ctr"/>
-          <a:lstStyle/>
-          <a:p>
-            <a:pPr algn="ctr"/>
-            <a:r>
-              <a:rPr lang="ko-KR" altLang="en-US" sz="3600" b="1" dirty="0" err="1" smtClean="0">
-                <a:solidFill>
-                  <a:schemeClr val="bg1"/>
-                </a:solidFill>
-              </a:rPr>
-              <a:t>마스킹</a:t>
-            </a:r>
-            <a:r>
-              <a:rPr lang="ko-KR" altLang="en-US" sz="3600" b="1" dirty="0" smtClean="0">
-                <a:solidFill>
-                  <a:schemeClr val="bg1"/>
-                </a:solidFill>
-              </a:rPr>
-              <a:t> 기법</a:t>
-            </a:r>
-            <a:endParaRPr lang="ko-KR" altLang="en-US" sz="3600" b="1" dirty="0">
-              <a:solidFill>
-                <a:schemeClr val="bg1"/>
-              </a:solidFill>
-            </a:endParaRPr>
-          </a:p>
-        </p:txBody>
-      </p:sp>
-      <p:sp>
-        <p:nvSpPr>
-          <p:cNvPr id="42" name="TextBox 41"/>
+              <a:rPr lang="ko-KR" altLang="en-US" sz="3166" dirty="0" err="1"/>
+              <a:t>커플링</a:t>
+            </a:r>
+            <a:r>
+              <a:rPr lang="ko-KR" altLang="en-US" sz="3166" dirty="0"/>
+              <a:t> </a:t>
+            </a:r>
+            <a:r>
+              <a:rPr lang="ko-KR" altLang="en-US" sz="3166" dirty="0"/>
+              <a:t>현상을 방지하는 기법을 찾아낼 수 있도록 지속적인 연구가 진행중</a:t>
+            </a:r>
+            <a:endParaRPr lang="en-US" altLang="ko-KR" sz="3166" dirty="0"/>
+          </a:p>
+        </p:txBody>
+      </p:sp>
+      <p:sp>
+        <p:nvSpPr>
+          <p:cNvPr id="28" name="TextBox 27"/>
           <p:cNvSpPr txBox="1"/>
           <p:nvPr/>
         </p:nvSpPr>
         <p:spPr>
           <a:xfrm>
-            <a:off x="1158240" y="15824654"/>
-            <a:ext cx="19263360" cy="3539430"/>
+            <a:off x="11647695" y="15636787"/>
+            <a:ext cx="10501773" cy="1552967"/>
           </a:xfrm>
           <a:prstGeom prst="rect">
             <a:avLst/>
@@ -4093,659 +4958,79 @@
           <a:lstStyle/>
           <a:p>
             <a:r>
-              <a:rPr lang="ko-KR" altLang="en-US" sz="3200" dirty="0" smtClean="0"/>
+              <a:rPr lang="ko-KR" altLang="en-US" sz="3166" dirty="0"/>
+              <a:t>● 마스크 값은 고정</a:t>
+            </a:r>
+            <a:r>
+              <a:rPr lang="en-US" altLang="ko-KR" sz="3166" dirty="0"/>
+              <a:t> </a:t>
+            </a:r>
+            <a:r>
+              <a:rPr lang="ko-KR" altLang="en-US" sz="3166" dirty="0"/>
+              <a:t>또는 </a:t>
+            </a:r>
+            <a:r>
+              <a:rPr lang="ko-KR" altLang="en-US" sz="3166" dirty="0" err="1"/>
+              <a:t>난수</a:t>
+            </a:r>
+            <a:r>
+              <a:rPr lang="ko-KR" altLang="en-US" sz="3166" dirty="0"/>
+              <a:t> 값 사용</a:t>
+            </a:r>
+            <a:endParaRPr lang="en-US" altLang="ko-KR" sz="3166" dirty="0"/>
+          </a:p>
+          <a:p>
+            <a:endParaRPr lang="en-US" altLang="ko-KR" sz="3166" dirty="0"/>
+          </a:p>
+          <a:p>
+            <a:r>
+              <a:rPr lang="ko-KR" altLang="en-US" sz="3166" dirty="0"/>
               <a:t>● </a:t>
             </a:r>
             <a:r>
-              <a:rPr lang="ko-KR" altLang="en-US" sz="3200" dirty="0" smtClean="0"/>
-              <a:t>원본 값에 마스크 값을 씌워 전력 분석을 방해하는 기법</a:t>
-            </a:r>
-            <a:endParaRPr lang="en-US" altLang="ko-KR" sz="3200" dirty="0" smtClean="0"/>
-          </a:p>
-          <a:p>
-            <a:endParaRPr lang="en-US" altLang="ko-KR" sz="3200" dirty="0"/>
-          </a:p>
-          <a:p>
-            <a:r>
-              <a:rPr lang="ko-KR" altLang="en-US" sz="3200" dirty="0" smtClean="0"/>
-              <a:t>● 마스크 값은 고정</a:t>
-            </a:r>
-            <a:r>
-              <a:rPr lang="en-US" altLang="ko-KR" sz="3200" dirty="0"/>
+              <a:rPr lang="ko-KR" altLang="en-US" sz="3166" dirty="0" err="1"/>
+              <a:t>커플링과</a:t>
+            </a:r>
+            <a:r>
+              <a:rPr lang="ko-KR" altLang="en-US" sz="3166" dirty="0"/>
               <a:t> </a:t>
             </a:r>
             <a:r>
-              <a:rPr lang="ko-KR" altLang="en-US" sz="3200" dirty="0" smtClean="0"/>
-              <a:t>또는 </a:t>
-            </a:r>
-            <a:r>
-              <a:rPr lang="ko-KR" altLang="en-US" sz="3200" dirty="0" err="1" smtClean="0"/>
-              <a:t>난수</a:t>
-            </a:r>
-            <a:r>
-              <a:rPr lang="ko-KR" altLang="en-US" sz="3200" dirty="0" smtClean="0"/>
-              <a:t> 값 사용</a:t>
-            </a:r>
-            <a:endParaRPr lang="en-US" altLang="ko-KR" sz="3200" dirty="0" smtClean="0"/>
-          </a:p>
-          <a:p>
-            <a:endParaRPr lang="en-US" altLang="ko-KR" sz="3200" dirty="0"/>
-          </a:p>
-          <a:p>
-            <a:r>
-              <a:rPr lang="ko-KR" altLang="en-US" sz="3200" dirty="0"/>
-              <a:t>● </a:t>
-            </a:r>
-            <a:r>
-              <a:rPr lang="ko-KR" altLang="en-US" sz="3200" dirty="0" smtClean="0"/>
-              <a:t>연산자에 따라 </a:t>
-            </a:r>
-            <a:r>
-              <a:rPr lang="ko-KR" altLang="en-US" sz="3200" dirty="0" err="1" smtClean="0"/>
-              <a:t>부울</a:t>
-            </a:r>
-            <a:r>
-              <a:rPr lang="en-US" altLang="ko-KR" sz="3200" dirty="0" smtClean="0"/>
-              <a:t>, </a:t>
-            </a:r>
-            <a:r>
-              <a:rPr lang="ko-KR" altLang="en-US" sz="3200" dirty="0" smtClean="0"/>
-              <a:t>산술 </a:t>
-            </a:r>
-            <a:r>
-              <a:rPr lang="ko-KR" altLang="en-US" sz="3200" dirty="0" err="1" smtClean="0"/>
-              <a:t>마스킹</a:t>
-            </a:r>
-            <a:r>
-              <a:rPr lang="ko-KR" altLang="en-US" sz="3200" dirty="0" smtClean="0"/>
-              <a:t> 기법으로 분류</a:t>
-            </a:r>
-            <a:endParaRPr lang="en-US" altLang="ko-KR" sz="3200" dirty="0" smtClean="0"/>
-          </a:p>
-          <a:p>
-            <a:endParaRPr lang="en-US" altLang="ko-KR" sz="3200" dirty="0"/>
-          </a:p>
-          <a:p>
-            <a:r>
-              <a:rPr lang="ko-KR" altLang="en-US" sz="3200" dirty="0" smtClean="0"/>
-              <a:t>● </a:t>
-            </a:r>
-            <a:r>
-              <a:rPr lang="ko-KR" altLang="en-US" sz="3200" dirty="0" err="1" smtClean="0"/>
-              <a:t>커플링과</a:t>
-            </a:r>
-            <a:r>
-              <a:rPr lang="ko-KR" altLang="en-US" sz="3200" dirty="0" smtClean="0"/>
-              <a:t> </a:t>
-            </a:r>
-            <a:r>
-              <a:rPr lang="ko-KR" altLang="en-US" sz="3200" dirty="0" err="1" smtClean="0"/>
+              <a:rPr lang="ko-KR" altLang="en-US" sz="3166" dirty="0" err="1"/>
               <a:t>글리치</a:t>
             </a:r>
             <a:r>
-              <a:rPr lang="ko-KR" altLang="en-US" sz="3200" dirty="0" smtClean="0"/>
+              <a:rPr lang="ko-KR" altLang="en-US" sz="3166" dirty="0"/>
               <a:t> 현상에 무력화</a:t>
             </a:r>
-            <a:endParaRPr lang="en-US" altLang="ko-KR" sz="3200" dirty="0" smtClean="0"/>
-          </a:p>
-        </p:txBody>
-      </p:sp>
-      <p:pic>
-        <p:nvPicPr>
-          <p:cNvPr id="3" name="그림 2"/>
-          <p:cNvPicPr>
-            <a:picLocks noChangeAspect="1"/>
-          </p:cNvPicPr>
-          <p:nvPr/>
-        </p:nvPicPr>
-        <p:blipFill>
-          <a:blip r:embed="rId2">
-            <a:extLst>
-              <a:ext uri="{28A0092B-C50C-407E-A947-70E740481C1C}">
-                <a14:useLocalDpi xmlns:a14="http://schemas.microsoft.com/office/drawing/2010/main" val="0"/>
-              </a:ext>
-            </a:extLst>
-          </a:blip>
-          <a:stretch>
-            <a:fillRect/>
-          </a:stretch>
-        </p:blipFill>
-        <p:spPr>
-          <a:xfrm>
-            <a:off x="13162660" y="9509417"/>
-            <a:ext cx="7513971" cy="4282811"/>
-          </a:xfrm>
-          <a:prstGeom prst="rect">
-            <a:avLst/>
-          </a:prstGeom>
-        </p:spPr>
-      </p:pic>
-      <p:sp>
-        <p:nvSpPr>
-          <p:cNvPr id="41" name="TextBox 40"/>
-          <p:cNvSpPr txBox="1"/>
-          <p:nvPr/>
-        </p:nvSpPr>
-        <p:spPr>
-          <a:xfrm>
-            <a:off x="13463473" y="13822300"/>
-            <a:ext cx="6912344" cy="584775"/>
-          </a:xfrm>
-          <a:prstGeom prst="rect">
-            <a:avLst/>
-          </a:prstGeom>
-          <a:noFill/>
-        </p:spPr>
-        <p:txBody>
-          <a:bodyPr wrap="square" rtlCol="0">
-            <a:spAutoFit/>
-          </a:bodyPr>
-          <a:lstStyle/>
-          <a:p>
-            <a:pPr algn="ctr"/>
-            <a:r>
-              <a:rPr lang="en-US" altLang="ko-KR" sz="3200" dirty="0" smtClean="0"/>
-              <a:t>Fig 1. </a:t>
-            </a:r>
-            <a:r>
-              <a:rPr lang="ko-KR" altLang="en-US" sz="3200" dirty="0" smtClean="0"/>
-              <a:t>부채널 공격 </a:t>
-            </a:r>
-            <a:r>
-              <a:rPr lang="ko-KR" altLang="en-US" sz="3200" dirty="0" smtClean="0"/>
-              <a:t>비유</a:t>
-            </a:r>
-            <a:endParaRPr lang="ko-KR" altLang="en-US" sz="3200" dirty="0"/>
-          </a:p>
-        </p:txBody>
-      </p:sp>
-      <p:pic>
-        <p:nvPicPr>
-          <p:cNvPr id="10" name="그림 9"/>
-          <p:cNvPicPr>
-            <a:picLocks noChangeAspect="1"/>
-          </p:cNvPicPr>
-          <p:nvPr/>
-        </p:nvPicPr>
-        <p:blipFill>
-          <a:blip r:embed="rId3">
-            <a:extLst>
-              <a:ext uri="{28A0092B-C50C-407E-A947-70E740481C1C}">
-                <a14:useLocalDpi xmlns:a14="http://schemas.microsoft.com/office/drawing/2010/main" val="0"/>
-              </a:ext>
-            </a:extLst>
-          </a:blip>
-          <a:stretch>
-            <a:fillRect/>
-          </a:stretch>
-        </p:blipFill>
-        <p:spPr>
-          <a:xfrm>
-            <a:off x="13162660" y="16310267"/>
-            <a:ext cx="7213157" cy="2561330"/>
-          </a:xfrm>
-          <a:prstGeom prst="rect">
-            <a:avLst/>
-          </a:prstGeom>
-        </p:spPr>
-      </p:pic>
-      <p:sp>
-        <p:nvSpPr>
-          <p:cNvPr id="47" name="TextBox 46"/>
-          <p:cNvSpPr txBox="1"/>
-          <p:nvPr/>
-        </p:nvSpPr>
-        <p:spPr>
-          <a:xfrm>
-            <a:off x="13152120" y="18932288"/>
-            <a:ext cx="7195210" cy="584775"/>
-          </a:xfrm>
-          <a:prstGeom prst="rect">
-            <a:avLst/>
-          </a:prstGeom>
-          <a:noFill/>
-        </p:spPr>
-        <p:txBody>
-          <a:bodyPr wrap="square" rtlCol="0">
-            <a:spAutoFit/>
-          </a:bodyPr>
-          <a:lstStyle/>
-          <a:p>
-            <a:pPr algn="ctr"/>
-            <a:r>
-              <a:rPr lang="en-US" altLang="ko-KR" sz="3200" dirty="0" smtClean="0"/>
-              <a:t>Fig 2. </a:t>
-            </a:r>
-            <a:r>
-              <a:rPr lang="ko-KR" altLang="en-US" sz="3200" dirty="0" smtClean="0"/>
-              <a:t>상</a:t>
-            </a:r>
-            <a:r>
-              <a:rPr lang="en-US" altLang="ko-KR" sz="3200" dirty="0" smtClean="0"/>
-              <a:t>) </a:t>
-            </a:r>
-            <a:r>
-              <a:rPr lang="ko-KR" altLang="en-US" sz="3200" dirty="0" err="1" smtClean="0"/>
-              <a:t>부울</a:t>
-            </a:r>
-            <a:r>
-              <a:rPr lang="ko-KR" altLang="en-US" sz="3200" dirty="0" smtClean="0"/>
-              <a:t> </a:t>
-            </a:r>
-            <a:r>
-              <a:rPr lang="ko-KR" altLang="en-US" sz="3200" dirty="0" err="1" smtClean="0"/>
-              <a:t>마스킹</a:t>
-            </a:r>
-            <a:r>
-              <a:rPr lang="ko-KR" altLang="en-US" sz="3200" dirty="0" smtClean="0"/>
-              <a:t> </a:t>
-            </a:r>
-            <a:r>
-              <a:rPr lang="en-US" altLang="ko-KR" sz="3200" dirty="0" smtClean="0"/>
-              <a:t>/ </a:t>
-            </a:r>
-            <a:r>
-              <a:rPr lang="ko-KR" altLang="en-US" sz="3200" dirty="0" smtClean="0"/>
-              <a:t>하</a:t>
-            </a:r>
-            <a:r>
-              <a:rPr lang="en-US" altLang="ko-KR" sz="3200" dirty="0" smtClean="0"/>
-              <a:t>) </a:t>
-            </a:r>
-            <a:r>
-              <a:rPr lang="ko-KR" altLang="en-US" sz="3200" dirty="0" smtClean="0"/>
-              <a:t>산술 </a:t>
-            </a:r>
-            <a:r>
-              <a:rPr lang="ko-KR" altLang="en-US" sz="3200" dirty="0" err="1" smtClean="0"/>
-              <a:t>마스킹</a:t>
-            </a:r>
-            <a:endParaRPr lang="ko-KR" altLang="en-US" sz="3200" dirty="0"/>
-          </a:p>
-        </p:txBody>
-      </p:sp>
-      <p:sp>
-        <p:nvSpPr>
-          <p:cNvPr id="54" name="모서리가 둥근 직사각형 53"/>
-          <p:cNvSpPr/>
-          <p:nvPr/>
-        </p:nvSpPr>
-        <p:spPr>
-          <a:xfrm>
-            <a:off x="498460" y="25055576"/>
-            <a:ext cx="20431125" cy="4813060"/>
-          </a:xfrm>
-          <a:prstGeom prst="roundRect">
-            <a:avLst>
-              <a:gd name="adj" fmla="val 5166"/>
-            </a:avLst>
-          </a:prstGeom>
-          <a:solidFill>
-            <a:srgbClr val="B6D2EC"/>
-          </a:solidFill>
-          <a:ln>
-            <a:noFill/>
-          </a:ln>
-        </p:spPr>
-        <p:style>
-          <a:lnRef idx="2">
-            <a:schemeClr val="accent1">
-              <a:shade val="50000"/>
-            </a:schemeClr>
-          </a:lnRef>
-          <a:fillRef idx="1">
-            <a:schemeClr val="accent1"/>
-          </a:fillRef>
-          <a:effectRef idx="0">
-            <a:schemeClr val="accent1"/>
-          </a:effectRef>
-          <a:fontRef idx="minor">
-            <a:schemeClr val="lt1"/>
-          </a:fontRef>
-        </p:style>
-        <p:txBody>
-          <a:bodyPr rtlCol="0" anchor="ctr"/>
-          <a:lstStyle/>
-          <a:p>
-            <a:pPr algn="ctr"/>
-            <a:endParaRPr lang="ko-KR" altLang="en-US" sz="8000" b="1">
-              <a:solidFill>
-                <a:schemeClr val="tx1"/>
-              </a:solidFill>
-            </a:endParaRPr>
-          </a:p>
-        </p:txBody>
-      </p:sp>
-      <p:sp>
-        <p:nvSpPr>
-          <p:cNvPr id="55" name="모서리가 둥근 직사각형 54"/>
-          <p:cNvSpPr/>
-          <p:nvPr/>
-        </p:nvSpPr>
-        <p:spPr>
-          <a:xfrm>
-            <a:off x="498460" y="25040071"/>
-            <a:ext cx="2971152" cy="853619"/>
-          </a:xfrm>
-          <a:prstGeom prst="roundRect">
-            <a:avLst/>
-          </a:prstGeom>
-          <a:solidFill>
-            <a:srgbClr val="1B4367"/>
-          </a:solidFill>
-          <a:ln>
-            <a:noFill/>
-          </a:ln>
-        </p:spPr>
-        <p:style>
-          <a:lnRef idx="2">
-            <a:schemeClr val="accent1">
-              <a:shade val="50000"/>
-            </a:schemeClr>
-          </a:lnRef>
-          <a:fillRef idx="1">
-            <a:schemeClr val="accent1"/>
-          </a:fillRef>
-          <a:effectRef idx="0">
-            <a:schemeClr val="accent1"/>
-          </a:effectRef>
-          <a:fontRef idx="minor">
-            <a:schemeClr val="lt1"/>
-          </a:fontRef>
-        </p:style>
-        <p:txBody>
-          <a:bodyPr rtlCol="0" anchor="ctr"/>
-          <a:lstStyle/>
-          <a:p>
-            <a:pPr algn="ctr"/>
-            <a:r>
-              <a:rPr lang="ko-KR" altLang="en-US" sz="3600" b="1" smtClean="0">
-                <a:solidFill>
-                  <a:schemeClr val="bg1"/>
-                </a:solidFill>
-              </a:rPr>
-              <a:t>결 론</a:t>
-            </a:r>
-            <a:endParaRPr lang="ko-KR" altLang="en-US" sz="3600" b="1" dirty="0">
-              <a:solidFill>
-                <a:schemeClr val="bg1"/>
-              </a:solidFill>
-            </a:endParaRPr>
-          </a:p>
-        </p:txBody>
-      </p:sp>
-      <p:sp>
-        <p:nvSpPr>
-          <p:cNvPr id="56" name="TextBox 55"/>
-          <p:cNvSpPr txBox="1"/>
-          <p:nvPr/>
-        </p:nvSpPr>
-        <p:spPr>
-          <a:xfrm>
-            <a:off x="1170926" y="26063488"/>
-            <a:ext cx="18592800" cy="3539430"/>
-          </a:xfrm>
-          <a:prstGeom prst="rect">
-            <a:avLst/>
-          </a:prstGeom>
-          <a:noFill/>
-        </p:spPr>
-        <p:txBody>
-          <a:bodyPr wrap="square" rtlCol="0">
-            <a:spAutoFit/>
-          </a:bodyPr>
-          <a:lstStyle/>
-          <a:p>
-            <a:r>
-              <a:rPr lang="ko-KR" altLang="en-US" sz="3200" dirty="0" smtClean="0"/>
-              <a:t>●</a:t>
-            </a:r>
-            <a:r>
-              <a:rPr lang="en-US" altLang="ko-KR" sz="3200" dirty="0"/>
-              <a:t> </a:t>
-            </a:r>
-            <a:r>
-              <a:rPr lang="ko-KR" altLang="en-US" sz="3200" dirty="0" smtClean="0"/>
-              <a:t>부채널 공격은 암호 알고리즘을 공격하지 않고 장비의 부채널 정보를 파악하여 공격하는 기법</a:t>
-            </a:r>
-            <a:endParaRPr lang="en-US" altLang="ko-KR" sz="3200" dirty="0" smtClean="0"/>
-          </a:p>
-          <a:p>
-            <a:endParaRPr lang="en-US" altLang="ko-KR" sz="3200" dirty="0"/>
-          </a:p>
-          <a:p>
-            <a:r>
-              <a:rPr lang="ko-KR" altLang="en-US" sz="3200" dirty="0" smtClean="0"/>
-              <a:t>● 마스킹 기법은 부채널</a:t>
-            </a:r>
-            <a:r>
-              <a:rPr lang="en-US" altLang="ko-KR" sz="3200" dirty="0" smtClean="0"/>
-              <a:t> </a:t>
-            </a:r>
-            <a:r>
-              <a:rPr lang="ko-KR" altLang="en-US" sz="3200" dirty="0" smtClean="0"/>
-              <a:t>분석을 어렵게 만들어서 공격을 방어하는데 유효함</a:t>
-            </a:r>
-            <a:endParaRPr lang="en-US" altLang="ko-KR" sz="3200" dirty="0" smtClean="0"/>
-          </a:p>
-          <a:p>
-            <a:endParaRPr lang="en-US" altLang="ko-KR" sz="3200" dirty="0"/>
-          </a:p>
-          <a:p>
-            <a:r>
-              <a:rPr lang="ko-KR" altLang="en-US" sz="3200" dirty="0" smtClean="0"/>
-              <a:t>● </a:t>
-            </a:r>
-            <a:r>
-              <a:rPr lang="ko-KR" altLang="en-US" sz="3200" dirty="0" err="1" smtClean="0"/>
-              <a:t>커플링</a:t>
-            </a:r>
-            <a:r>
-              <a:rPr lang="ko-KR" altLang="en-US" sz="3200" dirty="0" smtClean="0"/>
-              <a:t> 현상으로 인하여 마스크가 소실되면 부채널 공격에 다시 </a:t>
-            </a:r>
-            <a:r>
-              <a:rPr lang="ko-KR" altLang="en-US" sz="3200" dirty="0" err="1" smtClean="0"/>
-              <a:t>취약해짐</a:t>
-            </a:r>
-            <a:endParaRPr lang="en-US" altLang="ko-KR" sz="3200" dirty="0" smtClean="0"/>
-          </a:p>
-          <a:p>
-            <a:endParaRPr lang="en-US" altLang="ko-KR" sz="3200" dirty="0"/>
-          </a:p>
-          <a:p>
-            <a:r>
-              <a:rPr lang="ko-KR" altLang="en-US" sz="3200" dirty="0" smtClean="0"/>
-              <a:t>● </a:t>
-            </a:r>
-            <a:r>
-              <a:rPr lang="ko-KR" altLang="en-US" sz="3200" dirty="0" err="1" smtClean="0"/>
-              <a:t>커플링</a:t>
-            </a:r>
-            <a:r>
-              <a:rPr lang="ko-KR" altLang="en-US" sz="3200" dirty="0"/>
-              <a:t> </a:t>
-            </a:r>
-            <a:r>
-              <a:rPr lang="ko-KR" altLang="en-US" sz="3200" dirty="0" smtClean="0"/>
-              <a:t>현상을 방지하는 기법을 찾아낼 수 있도록 지속적인 연구가 진행중</a:t>
-            </a:r>
-            <a:endParaRPr lang="en-US" altLang="ko-KR" sz="3200" dirty="0"/>
-          </a:p>
-        </p:txBody>
-      </p:sp>
-    </p:spTree>
-    <p:extLst>
-      <p:ext uri="{BB962C8B-B14F-4D97-AF65-F5344CB8AC3E}">
-        <p14:creationId xmlns:p14="http://schemas.microsoft.com/office/powerpoint/2010/main" val="2730266641"/>
-      </p:ext>
-    </p:extLst>
-  </p:cSld>
-  <p:clrMapOvr>
-    <a:masterClrMapping/>
-  </p:clrMapOvr>
-</p:sld>
-</file>
-
-<file path=ppt/slides/slide2.xml><?xml version="1.0" encoding="utf-8"?>
-<p:sld xmlns:a="http://schemas.openxmlformats.org/drawingml/2006/main" xmlns:r="http://schemas.openxmlformats.org/officeDocument/2006/relationships" xmlns:p="http://schemas.openxmlformats.org/presentationml/2006/main">
-  <p:cSld>
-    <p:spTree>
-      <p:nvGrpSpPr>
-        <p:cNvPr id="1" name=""/>
-        <p:cNvGrpSpPr/>
-        <p:nvPr/>
-      </p:nvGrpSpPr>
-      <p:grpSpPr>
-        <a:xfrm>
-          <a:off x="0" y="0"/>
-          <a:ext cx="0" cy="0"/>
-          <a:chOff x="0" y="0"/>
-          <a:chExt cx="0" cy="0"/>
-        </a:xfrm>
-      </p:grpSpPr>
-      <p:sp>
-        <p:nvSpPr>
-          <p:cNvPr id="29" name="모서리가 둥근 직사각형 28"/>
-          <p:cNvSpPr/>
-          <p:nvPr/>
-        </p:nvSpPr>
-        <p:spPr>
-          <a:xfrm>
-            <a:off x="485774" y="505700"/>
-            <a:ext cx="20431125" cy="29362936"/>
-          </a:xfrm>
-          <a:prstGeom prst="roundRect">
-            <a:avLst>
-              <a:gd name="adj" fmla="val 1210"/>
-            </a:avLst>
-          </a:prstGeom>
-          <a:solidFill>
-            <a:srgbClr val="B6D2EC"/>
-          </a:solidFill>
-          <a:ln>
-            <a:noFill/>
-          </a:ln>
-        </p:spPr>
-        <p:style>
-          <a:lnRef idx="2">
-            <a:schemeClr val="accent1">
-              <a:shade val="50000"/>
-            </a:schemeClr>
-          </a:lnRef>
-          <a:fillRef idx="1">
-            <a:schemeClr val="accent1"/>
-          </a:fillRef>
-          <a:effectRef idx="0">
-            <a:schemeClr val="accent1"/>
-          </a:effectRef>
-          <a:fontRef idx="minor">
-            <a:schemeClr val="lt1"/>
-          </a:fontRef>
-        </p:style>
-        <p:txBody>
-          <a:bodyPr rtlCol="0" anchor="ctr"/>
-          <a:lstStyle/>
-          <a:p>
-            <a:pPr algn="ctr"/>
-            <a:endParaRPr lang="ko-KR" altLang="en-US" sz="8000" b="1">
-              <a:solidFill>
-                <a:schemeClr val="tx1"/>
-              </a:solidFill>
-            </a:endParaRPr>
-          </a:p>
-        </p:txBody>
-      </p:sp>
-      <p:sp>
-        <p:nvSpPr>
-          <p:cNvPr id="30" name="모서리가 둥근 직사각형 29"/>
-          <p:cNvSpPr/>
-          <p:nvPr/>
-        </p:nvSpPr>
-        <p:spPr>
-          <a:xfrm>
-            <a:off x="485774" y="490196"/>
-            <a:ext cx="2971152" cy="853619"/>
-          </a:xfrm>
-          <a:prstGeom prst="roundRect">
-            <a:avLst/>
-          </a:prstGeom>
-          <a:solidFill>
-            <a:srgbClr val="1B4367"/>
-          </a:solidFill>
-          <a:ln>
-            <a:noFill/>
-          </a:ln>
-        </p:spPr>
-        <p:style>
-          <a:lnRef idx="2">
-            <a:schemeClr val="accent1">
-              <a:shade val="50000"/>
-            </a:schemeClr>
-          </a:lnRef>
-          <a:fillRef idx="1">
-            <a:schemeClr val="accent1"/>
-          </a:fillRef>
-          <a:effectRef idx="0">
-            <a:schemeClr val="accent1"/>
-          </a:effectRef>
-          <a:fontRef idx="minor">
-            <a:schemeClr val="lt1"/>
-          </a:fontRef>
-        </p:style>
-        <p:txBody>
-          <a:bodyPr rtlCol="0" anchor="ctr"/>
-          <a:lstStyle/>
-          <a:p>
-            <a:pPr algn="ctr"/>
-            <a:r>
-              <a:rPr lang="ko-KR" altLang="en-US" sz="3600" b="1" smtClean="0">
-                <a:solidFill>
-                  <a:schemeClr val="bg1"/>
-                </a:solidFill>
-              </a:rPr>
-              <a:t>커플링</a:t>
-            </a:r>
-            <a:r>
-              <a:rPr lang="ko-KR" altLang="en-US" sz="3600" b="1" dirty="0" smtClean="0">
-                <a:solidFill>
-                  <a:schemeClr val="bg1"/>
-                </a:solidFill>
-              </a:rPr>
-              <a:t> 현상</a:t>
-            </a:r>
-            <a:endParaRPr lang="ko-KR" altLang="en-US" sz="3600" b="1" dirty="0">
-              <a:solidFill>
-                <a:schemeClr val="bg1"/>
-              </a:solidFill>
-            </a:endParaRPr>
+            <a:endParaRPr lang="en-US" altLang="ko-KR" sz="3166" dirty="0"/>
           </a:p>
         </p:txBody>
       </p:sp>
       <p:grpSp>
         <p:nvGrpSpPr>
-          <p:cNvPr id="23" name="그룹 22"/>
+          <p:cNvPr id="30" name="그룹 29"/>
           <p:cNvGrpSpPr/>
           <p:nvPr/>
         </p:nvGrpSpPr>
         <p:grpSpPr>
           <a:xfrm>
-            <a:off x="1052125" y="1741571"/>
-            <a:ext cx="11069680" cy="6914749"/>
+            <a:off x="1145922" y="24301748"/>
+            <a:ext cx="9744426" cy="6086920"/>
             <a:chOff x="1052125" y="1741571"/>
             <a:chExt cx="10081371" cy="6297395"/>
           </a:xfrm>
         </p:grpSpPr>
         <p:pic>
           <p:nvPicPr>
-            <p:cNvPr id="2" name="그림 1"/>
+            <p:cNvPr id="31" name="그림 30"/>
             <p:cNvPicPr>
               <a:picLocks noChangeAspect="1"/>
             </p:cNvPicPr>
             <p:nvPr/>
           </p:nvPicPr>
           <p:blipFill>
-            <a:blip r:embed="rId2">
+            <a:blip r:embed="rId5">
               <a:extLst>
                 <a:ext uri="{28A0092B-C50C-407E-A947-70E740481C1C}">
                   <a14:useLocalDpi xmlns:a14="http://schemas.microsoft.com/office/drawing/2010/main" val="0"/>
@@ -4768,14 +5053,14 @@
         </p:pic>
         <p:pic>
           <p:nvPicPr>
-            <p:cNvPr id="7" name="그림 6"/>
+            <p:cNvPr id="32" name="그림 31"/>
             <p:cNvPicPr>
               <a:picLocks noChangeAspect="1"/>
             </p:cNvPicPr>
             <p:nvPr/>
           </p:nvPicPr>
           <p:blipFill>
-            <a:blip r:embed="rId3">
+            <a:blip r:embed="rId6">
               <a:extLst>
                 <a:ext uri="{28A0092B-C50C-407E-A947-70E740481C1C}">
                   <a14:useLocalDpi xmlns:a14="http://schemas.microsoft.com/office/drawing/2010/main" val="0"/>
@@ -4797,30 +5082,135 @@
           </p:spPr>
         </p:pic>
       </p:grpSp>
+      <p:sp>
+        <p:nvSpPr>
+          <p:cNvPr id="33" name="TextBox 32"/>
+          <p:cNvSpPr txBox="1"/>
+          <p:nvPr/>
+        </p:nvSpPr>
+        <p:spPr>
+          <a:xfrm>
+            <a:off x="21730401" y="32885230"/>
+            <a:ext cx="7571060" cy="2527377"/>
+          </a:xfrm>
+          <a:prstGeom prst="rect">
+            <a:avLst/>
+          </a:prstGeom>
+          <a:noFill/>
+        </p:spPr>
+        <p:txBody>
+          <a:bodyPr wrap="square" rtlCol="0">
+            <a:spAutoFit/>
+          </a:bodyPr>
+          <a:lstStyle/>
+          <a:p>
+            <a:r>
+              <a:rPr lang="en-US" altLang="ko-KR" sz="3166" dirty="0"/>
+              <a:t>Fig 3.</a:t>
+            </a:r>
+          </a:p>
+          <a:p>
+            <a:r>
+              <a:rPr lang="ko-KR" altLang="en-US" sz="3166" dirty="0"/>
+              <a:t>좌상</a:t>
+            </a:r>
+            <a:r>
+              <a:rPr lang="en-US" altLang="ko-KR" sz="3166" dirty="0"/>
+              <a:t>) </a:t>
+            </a:r>
+            <a:r>
+              <a:rPr lang="en-US" altLang="ko-KR" sz="3166" dirty="0" smtClean="0"/>
+              <a:t>Overwrite </a:t>
+            </a:r>
+            <a:r>
+              <a:rPr lang="ko-KR" altLang="en-US" sz="3166" dirty="0"/>
+              <a:t>효과</a:t>
+            </a:r>
+            <a:endParaRPr lang="en-US" altLang="ko-KR" sz="3166" dirty="0"/>
+          </a:p>
+          <a:p>
+            <a:r>
+              <a:rPr lang="ko-KR" altLang="en-US" sz="3166" dirty="0"/>
+              <a:t>우상</a:t>
+            </a:r>
+            <a:r>
+              <a:rPr lang="en-US" altLang="ko-KR" sz="3166" dirty="0"/>
+              <a:t>) Memory Remnant </a:t>
+            </a:r>
+            <a:r>
+              <a:rPr lang="ko-KR" altLang="en-US" sz="3166" dirty="0"/>
+              <a:t>효과</a:t>
+            </a:r>
+            <a:endParaRPr lang="en-US" altLang="ko-KR" sz="3166" dirty="0"/>
+          </a:p>
+          <a:p>
+            <a:r>
+              <a:rPr lang="ko-KR" altLang="en-US" sz="3166" dirty="0" err="1"/>
+              <a:t>좌하</a:t>
+            </a:r>
+            <a:r>
+              <a:rPr lang="en-US" altLang="ko-KR" sz="3166" dirty="0"/>
+              <a:t>) Memory Remnant </a:t>
+            </a:r>
+            <a:r>
+              <a:rPr lang="ko-KR" altLang="en-US" sz="3166" dirty="0"/>
+              <a:t>완화 현상</a:t>
+            </a:r>
+            <a:endParaRPr lang="en-US" altLang="ko-KR" sz="3166" dirty="0"/>
+          </a:p>
+          <a:p>
+            <a:r>
+              <a:rPr lang="ko-KR" altLang="en-US" sz="3166" dirty="0" err="1"/>
+              <a:t>우하</a:t>
+            </a:r>
+            <a:r>
+              <a:rPr lang="en-US" altLang="ko-KR" sz="3166" dirty="0"/>
+              <a:t>) </a:t>
+            </a:r>
+            <a:r>
+              <a:rPr lang="en-US" altLang="ko-KR" sz="3166" dirty="0" err="1" smtClean="0"/>
+              <a:t>Neighbour</a:t>
+            </a:r>
+            <a:r>
+              <a:rPr lang="en-US" altLang="ko-KR" sz="3166" dirty="0" smtClean="0"/>
+              <a:t> </a:t>
+            </a:r>
+            <a:r>
+              <a:rPr lang="en-US" altLang="ko-KR" sz="3166" dirty="0"/>
+              <a:t>Leakage </a:t>
+            </a:r>
+            <a:r>
+              <a:rPr lang="ko-KR" altLang="en-US" sz="3166" dirty="0"/>
+              <a:t>효과</a:t>
+            </a:r>
+            <a:endParaRPr lang="en-US" altLang="ko-KR" sz="3166" dirty="0"/>
+          </a:p>
+        </p:txBody>
+      </p:sp>
       <p:grpSp>
         <p:nvGrpSpPr>
-          <p:cNvPr id="24" name="그룹 23"/>
+          <p:cNvPr id="34" name="그룹 33"/>
           <p:cNvGrpSpPr/>
           <p:nvPr/>
         </p:nvGrpSpPr>
         <p:grpSpPr>
           <a:xfrm>
-            <a:off x="9236004" y="9084706"/>
-            <a:ext cx="11069680" cy="7408551"/>
+            <a:off x="10890347" y="24301748"/>
+            <a:ext cx="9980307" cy="6086920"/>
             <a:chOff x="10226604" y="8645290"/>
             <a:chExt cx="10081371" cy="6747110"/>
           </a:xfrm>
         </p:grpSpPr>
         <p:pic>
           <p:nvPicPr>
-            <p:cNvPr id="9" name="그림 8"/>
+            <p:cNvPr id="35" name="그림 34"/>
             <p:cNvPicPr>
               <a:picLocks noChangeAspect="1"/>
             </p:cNvPicPr>
             <p:nvPr/>
           </p:nvPicPr>
           <p:blipFill>
-            <a:blip r:embed="rId4">
+            <a:blip r:embed="rId7">
               <a:extLst>
                 <a:ext uri="{28A0092B-C50C-407E-A947-70E740481C1C}">
                   <a14:useLocalDpi xmlns:a14="http://schemas.microsoft.com/office/drawing/2010/main" val="0"/>
@@ -4843,14 +5233,14 @@
         </p:pic>
         <p:pic>
           <p:nvPicPr>
-            <p:cNvPr id="15" name="그림 14"/>
+            <p:cNvPr id="36" name="그림 35"/>
             <p:cNvPicPr>
               <a:picLocks noChangeAspect="1"/>
             </p:cNvPicPr>
             <p:nvPr/>
           </p:nvPicPr>
           <p:blipFill>
-            <a:blip r:embed="rId5">
+            <a:blip r:embed="rId8">
               <a:extLst>
                 <a:ext uri="{28A0092B-C50C-407E-A947-70E740481C1C}">
                   <a14:useLocalDpi xmlns:a14="http://schemas.microsoft.com/office/drawing/2010/main" val="0"/>
@@ -4872,85 +5262,16 @@
           </p:spPr>
         </p:pic>
       </p:grpSp>
-      <p:sp>
-        <p:nvSpPr>
-          <p:cNvPr id="57" name="TextBox 56"/>
-          <p:cNvSpPr txBox="1"/>
-          <p:nvPr/>
-        </p:nvSpPr>
-        <p:spPr>
-          <a:xfrm>
-            <a:off x="12688156" y="2445298"/>
-            <a:ext cx="8477913" cy="584775"/>
-          </a:xfrm>
-          <a:prstGeom prst="rect">
-            <a:avLst/>
-          </a:prstGeom>
-          <a:noFill/>
-        </p:spPr>
-        <p:txBody>
-          <a:bodyPr wrap="square" rtlCol="0">
-            <a:spAutoFit/>
-          </a:bodyPr>
-          <a:lstStyle/>
-          <a:p>
-            <a:r>
-              <a:rPr lang="en-US" altLang="ko-KR" sz="3200" dirty="0" smtClean="0"/>
-              <a:t>Fig 3. Overwrite </a:t>
-            </a:r>
-            <a:r>
-              <a:rPr lang="ko-KR" altLang="en-US" sz="3200" dirty="0" smtClean="0"/>
-              <a:t>효과</a:t>
-            </a:r>
-            <a:endParaRPr lang="ko-KR" altLang="en-US" sz="3200" dirty="0"/>
-          </a:p>
-        </p:txBody>
-      </p:sp>
-      <p:sp>
-        <p:nvSpPr>
-          <p:cNvPr id="58" name="TextBox 57"/>
-          <p:cNvSpPr txBox="1"/>
-          <p:nvPr/>
-        </p:nvSpPr>
-        <p:spPr>
-          <a:xfrm>
-            <a:off x="1910003" y="9566272"/>
-            <a:ext cx="6714786" cy="584775"/>
-          </a:xfrm>
-          <a:prstGeom prst="rect">
-            <a:avLst/>
-          </a:prstGeom>
-          <a:noFill/>
-        </p:spPr>
-        <p:txBody>
-          <a:bodyPr wrap="square" rtlCol="0">
-            <a:spAutoFit/>
-          </a:bodyPr>
-          <a:lstStyle/>
-          <a:p>
-            <a:pPr algn="r"/>
-            <a:r>
-              <a:rPr lang="en-US" altLang="ko-KR" sz="3200" dirty="0" smtClean="0"/>
-              <a:t>Fig 4. Memory Remnant </a:t>
-            </a:r>
-            <a:r>
-              <a:rPr lang="ko-KR" altLang="en-US" sz="3200" dirty="0" smtClean="0"/>
-              <a:t>효과</a:t>
-            </a:r>
-            <a:endParaRPr lang="ko-KR" altLang="en-US" sz="3200" dirty="0"/>
-          </a:p>
-        </p:txBody>
-      </p:sp>
       <p:pic>
         <p:nvPicPr>
-          <p:cNvPr id="16" name="그림 15"/>
+          <p:cNvPr id="37" name="그림 36"/>
           <p:cNvPicPr>
             <a:picLocks noChangeAspect="1"/>
           </p:cNvPicPr>
           <p:nvPr/>
         </p:nvPicPr>
         <p:blipFill>
-          <a:blip r:embed="rId6">
+          <a:blip r:embed="rId9">
             <a:extLst>
               <a:ext uri="{28A0092B-C50C-407E-A947-70E740481C1C}">
                 <a14:useLocalDpi xmlns:a14="http://schemas.microsoft.com/office/drawing/2010/main" val="0"/>
@@ -4963,72 +5284,38 @@
         </p:blipFill>
         <p:spPr>
           <a:xfrm>
-            <a:off x="1060193" y="16921643"/>
-            <a:ext cx="11061612" cy="5755180"/>
+            <a:off x="1145922" y="30387990"/>
+            <a:ext cx="9744425" cy="5069869"/>
           </a:xfrm>
           <a:prstGeom prst="rect">
             <a:avLst/>
           </a:prstGeom>
         </p:spPr>
       </p:pic>
-      <p:sp>
-        <p:nvSpPr>
-          <p:cNvPr id="60" name="TextBox 59"/>
-          <p:cNvSpPr txBox="1"/>
-          <p:nvPr/>
-        </p:nvSpPr>
-        <p:spPr>
-          <a:xfrm>
-            <a:off x="12688157" y="18288859"/>
-            <a:ext cx="7200044" cy="584775"/>
-          </a:xfrm>
-          <a:prstGeom prst="rect">
-            <a:avLst/>
-          </a:prstGeom>
-          <a:noFill/>
-        </p:spPr>
-        <p:txBody>
-          <a:bodyPr wrap="square" rtlCol="0">
-            <a:spAutoFit/>
-          </a:bodyPr>
-          <a:lstStyle/>
-          <a:p>
-            <a:r>
-              <a:rPr lang="en-US" altLang="ko-KR" sz="3200" dirty="0" smtClean="0"/>
-              <a:t>Fig 5. Memory Remnant </a:t>
-            </a:r>
-            <a:r>
-              <a:rPr lang="ko-KR" altLang="en-US" sz="3200" dirty="0" smtClean="0"/>
-              <a:t>완화 현상</a:t>
-            </a:r>
-            <a:endParaRPr lang="ko-KR" altLang="en-US" sz="3200" dirty="0"/>
-          </a:p>
-        </p:txBody>
-      </p:sp>
       <p:grpSp>
         <p:nvGrpSpPr>
-          <p:cNvPr id="25" name="그룹 24"/>
+          <p:cNvPr id="38" name="그룹 37"/>
           <p:cNvGrpSpPr/>
           <p:nvPr/>
         </p:nvGrpSpPr>
         <p:grpSpPr>
           <a:xfrm>
-            <a:off x="9236004" y="23189381"/>
-            <a:ext cx="11069680" cy="6438771"/>
+            <a:off x="10890345" y="30387990"/>
+            <a:ext cx="9980308" cy="5069869"/>
             <a:chOff x="10226603" y="21815993"/>
             <a:chExt cx="10081371" cy="5863913"/>
           </a:xfrm>
         </p:grpSpPr>
         <p:pic>
           <p:nvPicPr>
-            <p:cNvPr id="20" name="그림 19"/>
+            <p:cNvPr id="39" name="그림 38"/>
             <p:cNvPicPr>
               <a:picLocks noChangeAspect="1"/>
             </p:cNvPicPr>
             <p:nvPr/>
           </p:nvPicPr>
           <p:blipFill>
-            <a:blip r:embed="rId7">
+            <a:blip r:embed="rId10">
               <a:extLst>
                 <a:ext uri="{28A0092B-C50C-407E-A947-70E740481C1C}">
                   <a14:useLocalDpi xmlns:a14="http://schemas.microsoft.com/office/drawing/2010/main" val="0"/>
@@ -5051,14 +5338,14 @@
         </p:pic>
         <p:pic>
           <p:nvPicPr>
-            <p:cNvPr id="22" name="그림 21"/>
+            <p:cNvPr id="40" name="그림 39"/>
             <p:cNvPicPr>
               <a:picLocks noChangeAspect="1"/>
             </p:cNvPicPr>
             <p:nvPr/>
           </p:nvPicPr>
           <p:blipFill>
-            <a:blip r:embed="rId8">
+            <a:blip r:embed="rId11">
               <a:extLst>
                 <a:ext uri="{28A0092B-C50C-407E-A947-70E740481C1C}">
                   <a14:useLocalDpi xmlns:a14="http://schemas.microsoft.com/office/drawing/2010/main" val="0"/>
@@ -5080,59 +5367,93 @@
           </p:spPr>
         </p:pic>
       </p:grpSp>
-      <p:sp>
-        <p:nvSpPr>
-          <p:cNvPr id="63" name="TextBox 62"/>
-          <p:cNvSpPr txBox="1"/>
+      <p:cxnSp>
+        <p:nvCxnSpPr>
+          <p:cNvPr id="44" name="직선 연결선 43"/>
+          <p:cNvCxnSpPr/>
           <p:nvPr/>
-        </p:nvSpPr>
+        </p:nvCxnSpPr>
         <p:spPr>
           <a:xfrm>
-            <a:off x="1910003" y="23917435"/>
-            <a:ext cx="6714786" cy="584775"/>
-          </a:xfrm>
-          <a:prstGeom prst="rect">
+            <a:off x="1120778" y="30380319"/>
+            <a:ext cx="19742070" cy="0"/>
+          </a:xfrm>
+          <a:prstGeom prst="line">
             <a:avLst/>
           </a:prstGeom>
-          <a:noFill/>
+          <a:ln w="9525">
+            <a:solidFill>
+              <a:srgbClr val="1B4367"/>
+            </a:solidFill>
+          </a:ln>
         </p:spPr>
-        <p:txBody>
-          <a:bodyPr wrap="square" rtlCol="0">
-            <a:spAutoFit/>
-          </a:bodyPr>
-          <a:lstStyle/>
-          <a:p>
-            <a:pPr algn="r"/>
-            <a:r>
-              <a:rPr lang="en-US" altLang="ko-KR" sz="3200" dirty="0" smtClean="0"/>
-              <a:t>Fig 6. </a:t>
-            </a:r>
-            <a:r>
-              <a:rPr lang="en-US" altLang="ko-KR" sz="3200" dirty="0" err="1" smtClean="0"/>
-              <a:t>Neighbour</a:t>
-            </a:r>
-            <a:r>
-              <a:rPr lang="en-US" altLang="ko-KR" sz="3200" dirty="0" smtClean="0"/>
-              <a:t> Leakage </a:t>
-            </a:r>
-            <a:r>
-              <a:rPr lang="ko-KR" altLang="en-US" sz="3200" dirty="0" smtClean="0"/>
-              <a:t>효과</a:t>
-            </a:r>
-            <a:endParaRPr lang="ko-KR" altLang="en-US" sz="3200" dirty="0"/>
-          </a:p>
-        </p:txBody>
-      </p:sp>
+        <p:style>
+          <a:lnRef idx="1">
+            <a:schemeClr val="accent1"/>
+          </a:lnRef>
+          <a:fillRef idx="0">
+            <a:schemeClr val="accent1"/>
+          </a:fillRef>
+          <a:effectRef idx="0">
+            <a:schemeClr val="accent1"/>
+          </a:effectRef>
+          <a:fontRef idx="minor">
+            <a:schemeClr val="tx1"/>
+          </a:fontRef>
+        </p:style>
+      </p:cxnSp>
+      <p:cxnSp>
+        <p:nvCxnSpPr>
+          <p:cNvPr id="46" name="직선 연결선 45"/>
+          <p:cNvCxnSpPr/>
+          <p:nvPr/>
+        </p:nvCxnSpPr>
+        <p:spPr>
+          <a:xfrm>
+            <a:off x="10890346" y="24301749"/>
+            <a:ext cx="0" cy="11156111"/>
+          </a:xfrm>
+          <a:prstGeom prst="line">
+            <a:avLst/>
+          </a:prstGeom>
+          <a:ln w="9525">
+            <a:solidFill>
+              <a:srgbClr val="1B4367"/>
+            </a:solidFill>
+          </a:ln>
+        </p:spPr>
+        <p:style>
+          <a:lnRef idx="1">
+            <a:schemeClr val="accent1"/>
+          </a:lnRef>
+          <a:fillRef idx="0">
+            <a:schemeClr val="accent1"/>
+          </a:fillRef>
+          <a:effectRef idx="0">
+            <a:schemeClr val="accent1"/>
+          </a:effectRef>
+          <a:fontRef idx="minor">
+            <a:schemeClr val="tx1"/>
+          </a:fontRef>
+        </p:style>
+      </p:cxnSp>
     </p:spTree>
     <p:extLst>
       <p:ext uri="{BB962C8B-B14F-4D97-AF65-F5344CB8AC3E}">
-        <p14:creationId xmlns:p14="http://schemas.microsoft.com/office/powerpoint/2010/main" val="3308751220"/>
+        <p14:creationId xmlns:p14="http://schemas.microsoft.com/office/powerpoint/2010/main" val="2949954793"/>
       </p:ext>
     </p:extLst>
   </p:cSld>
   <p:clrMapOvr>
     <a:masterClrMapping/>
   </p:clrMapOvr>
+  <p:timing>
+    <p:tnLst>
+      <p:par>
+        <p:cTn id="1" dur="indefinite" restart="never" nodeType="tmRoot"/>
+      </p:par>
+    </p:tnLst>
+  </p:timing>
 </p:sld>
 </file>
 
@@ -5182,9 +5503,9 @@
         <a:latin typeface="Calibri Light" panose="020F0302020204030204"/>
         <a:ea typeface=""/>
         <a:cs typeface=""/>
-        <a:font script="Jpan" typeface="游ゴシック Light"/>
+        <a:font script="Jpan" typeface="ＭＳ Ｐゴシック"/>
         <a:font script="Hang" typeface="맑은 고딕"/>
-        <a:font script="Hans" typeface="等线 Light"/>
+        <a:font script="Hans" typeface="宋体"/>
         <a:font script="Hant" typeface="新細明體"/>
         <a:font script="Arab" typeface="Times New Roman"/>
         <a:font script="Hebr" typeface="Times New Roman"/>
@@ -5217,9 +5538,9 @@
         <a:latin typeface="Calibri" panose="020F0502020204030204"/>
         <a:ea typeface=""/>
         <a:cs typeface=""/>
-        <a:font script="Jpan" typeface="游ゴシック"/>
+        <a:font script="Jpan" typeface="ＭＳ Ｐゴシック"/>
         <a:font script="Hang" typeface="맑은 고딕"/>
-        <a:font script="Hans" typeface="等线"/>
+        <a:font script="Hans" typeface="宋体"/>
         <a:font script="Hant" typeface="新細明體"/>
         <a:font script="Arab" typeface="Arial"/>
         <a:font script="Hebr" typeface="Arial"/>
@@ -5395,4 +5716,265 @@
     </a:ext>
   </a:extLst>
 </a:theme>
+</file>
+
+<file path=ppt/theme/theme2.xml><?xml version="1.0" encoding="utf-8"?>
+<a:theme xmlns:a="http://schemas.openxmlformats.org/drawingml/2006/main" name="Office 테마">
+  <a:themeElements>
+    <a:clrScheme name="Office">
+      <a:dk1>
+        <a:sysClr val="windowText" lastClr="000000"/>
+      </a:dk1>
+      <a:lt1>
+        <a:sysClr val="window" lastClr="FFFFFF"/>
+      </a:lt1>
+      <a:dk2>
+        <a:srgbClr val="44546A"/>
+      </a:dk2>
+      <a:lt2>
+        <a:srgbClr val="E7E6E6"/>
+      </a:lt2>
+      <a:accent1>
+        <a:srgbClr val="5B9BD5"/>
+      </a:accent1>
+      <a:accent2>
+        <a:srgbClr val="ED7D31"/>
+      </a:accent2>
+      <a:accent3>
+        <a:srgbClr val="A5A5A5"/>
+      </a:accent3>
+      <a:accent4>
+        <a:srgbClr val="FFC000"/>
+      </a:accent4>
+      <a:accent5>
+        <a:srgbClr val="4472C4"/>
+      </a:accent5>
+      <a:accent6>
+        <a:srgbClr val="70AD47"/>
+      </a:accent6>
+      <a:hlink>
+        <a:srgbClr val="0563C1"/>
+      </a:hlink>
+      <a:folHlink>
+        <a:srgbClr val="954F72"/>
+      </a:folHlink>
+    </a:clrScheme>
+    <a:fontScheme name="Office">
+      <a:majorFont>
+        <a:latin typeface="맑은 고딕" panose="020F0302020204030204"/>
+        <a:ea typeface=""/>
+        <a:cs typeface=""/>
+        <a:font script="Jpan" typeface="ＭＳ Ｐゴシック"/>
+        <a:font script="Hang" typeface="맑은 고딕"/>
+        <a:font script="Hans" typeface="宋体"/>
+        <a:font script="Hant" typeface="新細明體"/>
+        <a:font script="Arab" typeface="Times New Roman"/>
+        <a:font script="Hebr" typeface="Times New Roman"/>
+        <a:font script="Thai" typeface="Angsana New"/>
+        <a:font script="Ethi" typeface="Nyala"/>
+        <a:font script="Beng" typeface="Vrinda"/>
+        <a:font script="Gujr" typeface="Shruti"/>
+        <a:font script="Khmr" typeface="MoolBoran"/>
+        <a:font script="Knda" typeface="Tunga"/>
+        <a:font script="Guru" typeface="Raavi"/>
+        <a:font script="Cans" typeface="Euphemia"/>
+        <a:font script="Cher" typeface="Plantagenet Cherokee"/>
+        <a:font script="Yiii" typeface="Microsoft Yi Baiti"/>
+        <a:font script="Tibt" typeface="Microsoft Himalaya"/>
+        <a:font script="Thaa" typeface="MV Boli"/>
+        <a:font script="Deva" typeface="Mangal"/>
+        <a:font script="Telu" typeface="Gautami"/>
+        <a:font script="Taml" typeface="Latha"/>
+        <a:font script="Syrc" typeface="Estrangelo Edessa"/>
+        <a:font script="Orya" typeface="Kalinga"/>
+        <a:font script="Mlym" typeface="Kartika"/>
+        <a:font script="Laoo" typeface="DokChampa"/>
+        <a:font script="Sinh" typeface="Iskoola Pota"/>
+        <a:font script="Mong" typeface="Mongolian Baiti"/>
+        <a:font script="Viet" typeface="Times New Roman"/>
+        <a:font script="Uigh" typeface="Microsoft Uighur"/>
+        <a:font script="Geor" typeface="Sylfaen"/>
+      </a:majorFont>
+      <a:minorFont>
+        <a:latin typeface="맑은 고딕" panose="020F0502020204030204"/>
+        <a:ea typeface=""/>
+        <a:cs typeface=""/>
+        <a:font script="Jpan" typeface="ＭＳ Ｐゴシック"/>
+        <a:font script="Hang" typeface="맑은 고딕"/>
+        <a:font script="Hans" typeface="宋体"/>
+        <a:font script="Hant" typeface="新細明體"/>
+        <a:font script="Arab" typeface="Arial"/>
+        <a:font script="Hebr" typeface="Arial"/>
+        <a:font script="Thai" typeface="Cordia New"/>
+        <a:font script="Ethi" typeface="Nyala"/>
+        <a:font script="Beng" typeface="Vrinda"/>
+        <a:font script="Gujr" typeface="Shruti"/>
+        <a:font script="Khmr" typeface="DaunPenh"/>
+        <a:font script="Knda" typeface="Tunga"/>
+        <a:font script="Guru" typeface="Raavi"/>
+        <a:font script="Cans" typeface="Euphemia"/>
+        <a:font script="Cher" typeface="Plantagenet Cherokee"/>
+        <a:font script="Yiii" typeface="Microsoft Yi Baiti"/>
+        <a:font script="Tibt" typeface="Microsoft Himalaya"/>
+        <a:font script="Thaa" typeface="MV Boli"/>
+        <a:font script="Deva" typeface="Mangal"/>
+        <a:font script="Telu" typeface="Gautami"/>
+        <a:font script="Taml" typeface="Latha"/>
+        <a:font script="Syrc" typeface="Estrangelo Edessa"/>
+        <a:font script="Orya" typeface="Kalinga"/>
+        <a:font script="Mlym" typeface="Kartika"/>
+        <a:font script="Laoo" typeface="DokChampa"/>
+        <a:font script="Sinh" typeface="Iskoola Pota"/>
+        <a:font script="Mong" typeface="Mongolian Baiti"/>
+        <a:font script="Viet" typeface="Arial"/>
+        <a:font script="Uigh" typeface="Microsoft Uighur"/>
+        <a:font script="Geor" typeface="Sylfaen"/>
+      </a:minorFont>
+    </a:fontScheme>
+    <a:fmtScheme name="Office">
+      <a:fillStyleLst>
+        <a:solidFill>
+          <a:schemeClr val="phClr"/>
+        </a:solidFill>
+        <a:gradFill rotWithShape="1">
+          <a:gsLst>
+            <a:gs pos="0">
+              <a:schemeClr val="phClr">
+                <a:lumMod val="110000"/>
+                <a:satMod val="105000"/>
+                <a:tint val="67000"/>
+              </a:schemeClr>
+            </a:gs>
+            <a:gs pos="50000">
+              <a:schemeClr val="phClr">
+                <a:lumMod val="105000"/>
+                <a:satMod val="103000"/>
+                <a:tint val="73000"/>
+              </a:schemeClr>
+            </a:gs>
+            <a:gs pos="100000">
+              <a:schemeClr val="phClr">
+                <a:lumMod val="105000"/>
+                <a:satMod val="109000"/>
+                <a:tint val="81000"/>
+              </a:schemeClr>
+            </a:gs>
+          </a:gsLst>
+          <a:lin ang="5400000" scaled="0"/>
+        </a:gradFill>
+        <a:gradFill rotWithShape="1">
+          <a:gsLst>
+            <a:gs pos="0">
+              <a:schemeClr val="phClr">
+                <a:satMod val="103000"/>
+                <a:lumMod val="102000"/>
+                <a:tint val="94000"/>
+              </a:schemeClr>
+            </a:gs>
+            <a:gs pos="50000">
+              <a:schemeClr val="phClr">
+                <a:satMod val="110000"/>
+                <a:lumMod val="100000"/>
+                <a:shade val="100000"/>
+              </a:schemeClr>
+            </a:gs>
+            <a:gs pos="100000">
+              <a:schemeClr val="phClr">
+                <a:lumMod val="99000"/>
+                <a:satMod val="120000"/>
+                <a:shade val="78000"/>
+              </a:schemeClr>
+            </a:gs>
+          </a:gsLst>
+          <a:lin ang="5400000" scaled="0"/>
+        </a:gradFill>
+      </a:fillStyleLst>
+      <a:lnStyleLst>
+        <a:ln w="6350" cap="flat" cmpd="sng" algn="ctr">
+          <a:solidFill>
+            <a:schemeClr val="phClr"/>
+          </a:solidFill>
+          <a:prstDash val="solid"/>
+          <a:miter lim="800000"/>
+        </a:ln>
+        <a:ln w="12700" cap="flat" cmpd="sng" algn="ctr">
+          <a:solidFill>
+            <a:schemeClr val="phClr"/>
+          </a:solidFill>
+          <a:prstDash val="solid"/>
+          <a:miter lim="800000"/>
+        </a:ln>
+        <a:ln w="19050" cap="flat" cmpd="sng" algn="ctr">
+          <a:solidFill>
+            <a:schemeClr val="phClr"/>
+          </a:solidFill>
+          <a:prstDash val="solid"/>
+          <a:miter lim="800000"/>
+        </a:ln>
+      </a:lnStyleLst>
+      <a:effectStyleLst>
+        <a:effectStyle>
+          <a:effectLst/>
+        </a:effectStyle>
+        <a:effectStyle>
+          <a:effectLst/>
+        </a:effectStyle>
+        <a:effectStyle>
+          <a:effectLst>
+            <a:outerShdw blurRad="57150" dist="19050" dir="5400000" algn="ctr" rotWithShape="0">
+              <a:srgbClr val="000000">
+                <a:alpha val="63000"/>
+              </a:srgbClr>
+            </a:outerShdw>
+          </a:effectLst>
+        </a:effectStyle>
+      </a:effectStyleLst>
+      <a:bgFillStyleLst>
+        <a:solidFill>
+          <a:schemeClr val="phClr"/>
+        </a:solidFill>
+        <a:solidFill>
+          <a:schemeClr val="phClr">
+            <a:tint val="95000"/>
+            <a:satMod val="170000"/>
+          </a:schemeClr>
+        </a:solidFill>
+        <a:gradFill rotWithShape="1">
+          <a:gsLst>
+            <a:gs pos="0">
+              <a:schemeClr val="phClr">
+                <a:tint val="93000"/>
+                <a:satMod val="150000"/>
+                <a:shade val="98000"/>
+                <a:lumMod val="102000"/>
+              </a:schemeClr>
+            </a:gs>
+            <a:gs pos="50000">
+              <a:schemeClr val="phClr">
+                <a:tint val="98000"/>
+                <a:satMod val="130000"/>
+                <a:shade val="90000"/>
+                <a:lumMod val="103000"/>
+              </a:schemeClr>
+            </a:gs>
+            <a:gs pos="100000">
+              <a:schemeClr val="phClr">
+                <a:shade val="63000"/>
+                <a:satMod val="120000"/>
+              </a:schemeClr>
+            </a:gs>
+          </a:gsLst>
+          <a:lin ang="5400000" scaled="0"/>
+        </a:gradFill>
+      </a:bgFillStyleLst>
+    </a:fmtScheme>
+  </a:themeElements>
+  <a:objectDefaults/>
+  <a:extraClrSchemeLst/>
+  <a:extLst>
+    <a:ext uri="{05A4C25C-085E-4340-85A3-A5531E510DB2}">
+      <thm15:themeFamily xmlns:thm15="http://schemas.microsoft.com/office/thememl/2012/main" name="Office Theme" id="{62F939B6-93AF-4DB8-9C6B-D6C7DFDC589F}" vid="{4A3C46E8-61CC-4603-A589-7422A47A8E4A}"/>
+    </a:ext>
+  </a:extLst>
+</a:theme>
 </file>